--- a/EEE380/Second Marker.pptx
+++ b/EEE380/Second Marker.pptx
@@ -5,7 +5,7 @@
     <p:sldMasterId id="2147483648" r:id="rId1"/>
   </p:sldMasterIdLst>
   <p:notesMasterIdLst>
-    <p:notesMasterId r:id="rId47"/>
+    <p:notesMasterId r:id="rId49"/>
   </p:notesMasterIdLst>
   <p:sldIdLst>
     <p:sldId id="256" r:id="rId2"/>
@@ -16,43 +16,45 @@
     <p:sldId id="259" r:id="rId7"/>
     <p:sldId id="270" r:id="rId8"/>
     <p:sldId id="260" r:id="rId9"/>
-    <p:sldId id="267" r:id="rId10"/>
-    <p:sldId id="265" r:id="rId11"/>
-    <p:sldId id="266" r:id="rId12"/>
-    <p:sldId id="268" r:id="rId13"/>
-    <p:sldId id="301" r:id="rId14"/>
-    <p:sldId id="299" r:id="rId15"/>
-    <p:sldId id="294" r:id="rId16"/>
-    <p:sldId id="277" r:id="rId17"/>
-    <p:sldId id="279" r:id="rId18"/>
-    <p:sldId id="280" r:id="rId19"/>
-    <p:sldId id="305" r:id="rId20"/>
-    <p:sldId id="295" r:id="rId21"/>
-    <p:sldId id="297" r:id="rId22"/>
-    <p:sldId id="296" r:id="rId23"/>
-    <p:sldId id="271" r:id="rId24"/>
-    <p:sldId id="281" r:id="rId25"/>
-    <p:sldId id="298" r:id="rId26"/>
-    <p:sldId id="272" r:id="rId27"/>
-    <p:sldId id="282" r:id="rId28"/>
-    <p:sldId id="283" r:id="rId29"/>
-    <p:sldId id="302" r:id="rId30"/>
-    <p:sldId id="273" r:id="rId31"/>
-    <p:sldId id="284" r:id="rId32"/>
-    <p:sldId id="285" r:id="rId33"/>
-    <p:sldId id="274" r:id="rId34"/>
-    <p:sldId id="300" r:id="rId35"/>
-    <p:sldId id="275" r:id="rId36"/>
-    <p:sldId id="303" r:id="rId37"/>
-    <p:sldId id="286" r:id="rId38"/>
-    <p:sldId id="287" r:id="rId39"/>
-    <p:sldId id="288" r:id="rId40"/>
-    <p:sldId id="290" r:id="rId41"/>
-    <p:sldId id="276" r:id="rId42"/>
-    <p:sldId id="291" r:id="rId43"/>
+    <p:sldId id="265" r:id="rId10"/>
+    <p:sldId id="301" r:id="rId11"/>
+    <p:sldId id="268" r:id="rId12"/>
+    <p:sldId id="299" r:id="rId13"/>
+    <p:sldId id="294" r:id="rId14"/>
+    <p:sldId id="277" r:id="rId15"/>
+    <p:sldId id="279" r:id="rId16"/>
+    <p:sldId id="280" r:id="rId17"/>
+    <p:sldId id="305" r:id="rId18"/>
+    <p:sldId id="295" r:id="rId19"/>
+    <p:sldId id="297" r:id="rId20"/>
+    <p:sldId id="296" r:id="rId21"/>
+    <p:sldId id="271" r:id="rId22"/>
+    <p:sldId id="281" r:id="rId23"/>
+    <p:sldId id="298" r:id="rId24"/>
+    <p:sldId id="272" r:id="rId25"/>
+    <p:sldId id="282" r:id="rId26"/>
+    <p:sldId id="283" r:id="rId27"/>
+    <p:sldId id="302" r:id="rId28"/>
+    <p:sldId id="273" r:id="rId29"/>
+    <p:sldId id="284" r:id="rId30"/>
+    <p:sldId id="285" r:id="rId31"/>
+    <p:sldId id="274" r:id="rId32"/>
+    <p:sldId id="300" r:id="rId33"/>
+    <p:sldId id="275" r:id="rId34"/>
+    <p:sldId id="303" r:id="rId35"/>
+    <p:sldId id="286" r:id="rId36"/>
+    <p:sldId id="287" r:id="rId37"/>
+    <p:sldId id="288" r:id="rId38"/>
+    <p:sldId id="290" r:id="rId39"/>
+    <p:sldId id="307" r:id="rId40"/>
+    <p:sldId id="308" r:id="rId41"/>
+    <p:sldId id="309" r:id="rId42"/>
+    <p:sldId id="310" r:id="rId43"/>
     <p:sldId id="292" r:id="rId44"/>
     <p:sldId id="293" r:id="rId45"/>
-    <p:sldId id="304" r:id="rId46"/>
+    <p:sldId id="311" r:id="rId46"/>
+    <p:sldId id="304" r:id="rId47"/>
+    <p:sldId id="312" r:id="rId48"/>
   </p:sldIdLst>
   <p:sldSz cx="12192000" cy="6858000"/>
   <p:notesSz cx="6858000" cy="9144000"/>
@@ -241,7 +243,7 @@
           <a:p>
             <a:fld id="{EE4C7A70-08AF-4A70-9806-B17015D45301}" type="datetimeFigureOut">
               <a:rPr lang="en-GB" smtClean="0"/>
-              <a:t>10/02/2022</a:t>
+              <a:t>05/05/2022</a:t>
             </a:fld>
             <a:endParaRPr lang="en-GB"/>
           </a:p>
@@ -656,7 +658,7 @@
           <a:p>
             <a:fld id="{107B98B7-15AB-4082-BD67-D3B0F63BEEB7}" type="datetimeFigureOut">
               <a:rPr lang="zh-CN" altLang="en-US" smtClean="0"/>
-              <a:t>2022/2/10</a:t>
+              <a:t>2022/5/5</a:t>
             </a:fld>
             <a:endParaRPr lang="zh-CN" altLang="en-US"/>
           </a:p>
@@ -854,7 +856,7 @@
           <a:p>
             <a:fld id="{107B98B7-15AB-4082-BD67-D3B0F63BEEB7}" type="datetimeFigureOut">
               <a:rPr lang="zh-CN" altLang="en-US" smtClean="0"/>
-              <a:t>2022/2/10</a:t>
+              <a:t>2022/5/5</a:t>
             </a:fld>
             <a:endParaRPr lang="zh-CN" altLang="en-US"/>
           </a:p>
@@ -1062,7 +1064,7 @@
           <a:p>
             <a:fld id="{107B98B7-15AB-4082-BD67-D3B0F63BEEB7}" type="datetimeFigureOut">
               <a:rPr lang="zh-CN" altLang="en-US" smtClean="0"/>
-              <a:t>2022/2/10</a:t>
+              <a:t>2022/5/5</a:t>
             </a:fld>
             <a:endParaRPr lang="zh-CN" altLang="en-US"/>
           </a:p>
@@ -1260,7 +1262,7 @@
           <a:p>
             <a:fld id="{107B98B7-15AB-4082-BD67-D3B0F63BEEB7}" type="datetimeFigureOut">
               <a:rPr lang="zh-CN" altLang="en-US" smtClean="0"/>
-              <a:t>2022/2/10</a:t>
+              <a:t>2022/5/5</a:t>
             </a:fld>
             <a:endParaRPr lang="zh-CN" altLang="en-US"/>
           </a:p>
@@ -1535,7 +1537,7 @@
           <a:p>
             <a:fld id="{107B98B7-15AB-4082-BD67-D3B0F63BEEB7}" type="datetimeFigureOut">
               <a:rPr lang="zh-CN" altLang="en-US" smtClean="0"/>
-              <a:t>2022/2/10</a:t>
+              <a:t>2022/5/5</a:t>
             </a:fld>
             <a:endParaRPr lang="zh-CN" altLang="en-US"/>
           </a:p>
@@ -1800,7 +1802,7 @@
           <a:p>
             <a:fld id="{107B98B7-15AB-4082-BD67-D3B0F63BEEB7}" type="datetimeFigureOut">
               <a:rPr lang="zh-CN" altLang="en-US" smtClean="0"/>
-              <a:t>2022/2/10</a:t>
+              <a:t>2022/5/5</a:t>
             </a:fld>
             <a:endParaRPr lang="zh-CN" altLang="en-US"/>
           </a:p>
@@ -2212,7 +2214,7 @@
           <a:p>
             <a:fld id="{107B98B7-15AB-4082-BD67-D3B0F63BEEB7}" type="datetimeFigureOut">
               <a:rPr lang="zh-CN" altLang="en-US" smtClean="0"/>
-              <a:t>2022/2/10</a:t>
+              <a:t>2022/5/5</a:t>
             </a:fld>
             <a:endParaRPr lang="zh-CN" altLang="en-US"/>
           </a:p>
@@ -2353,7 +2355,7 @@
           <a:p>
             <a:fld id="{107B98B7-15AB-4082-BD67-D3B0F63BEEB7}" type="datetimeFigureOut">
               <a:rPr lang="zh-CN" altLang="en-US" smtClean="0"/>
-              <a:t>2022/2/10</a:t>
+              <a:t>2022/5/5</a:t>
             </a:fld>
             <a:endParaRPr lang="zh-CN" altLang="en-US"/>
           </a:p>
@@ -2466,7 +2468,7 @@
           <a:p>
             <a:fld id="{107B98B7-15AB-4082-BD67-D3B0F63BEEB7}" type="datetimeFigureOut">
               <a:rPr lang="zh-CN" altLang="en-US" smtClean="0"/>
-              <a:t>2022/2/10</a:t>
+              <a:t>2022/5/5</a:t>
             </a:fld>
             <a:endParaRPr lang="zh-CN" altLang="en-US"/>
           </a:p>
@@ -2777,7 +2779,7 @@
           <a:p>
             <a:fld id="{107B98B7-15AB-4082-BD67-D3B0F63BEEB7}" type="datetimeFigureOut">
               <a:rPr lang="zh-CN" altLang="en-US" smtClean="0"/>
-              <a:t>2022/2/10</a:t>
+              <a:t>2022/5/5</a:t>
             </a:fld>
             <a:endParaRPr lang="zh-CN" altLang="en-US"/>
           </a:p>
@@ -3065,7 +3067,7 @@
           <a:p>
             <a:fld id="{107B98B7-15AB-4082-BD67-D3B0F63BEEB7}" type="datetimeFigureOut">
               <a:rPr lang="zh-CN" altLang="en-US" smtClean="0"/>
-              <a:t>2022/2/10</a:t>
+              <a:t>2022/5/5</a:t>
             </a:fld>
             <a:endParaRPr lang="zh-CN" altLang="en-US"/>
           </a:p>
@@ -3306,7 +3308,7 @@
           <a:p>
             <a:fld id="{107B98B7-15AB-4082-BD67-D3B0F63BEEB7}" type="datetimeFigureOut">
               <a:rPr lang="zh-CN" altLang="en-US" smtClean="0"/>
-              <a:t>2022/2/10</a:t>
+              <a:t>2022/5/5</a:t>
             </a:fld>
             <a:endParaRPr lang="zh-CN" altLang="en-US"/>
           </a:p>
@@ -3774,8 +3776,8 @@
         </p:nvSpPr>
         <p:spPr>
           <a:xfrm>
-            <a:off x="2331546" y="3231800"/>
-            <a:ext cx="9523563" cy="2062103"/>
+            <a:off x="2407047" y="2711683"/>
+            <a:ext cx="9523563" cy="2554545"/>
           </a:xfrm>
           <a:prstGeom prst="rect">
             <a:avLst/>
@@ -3794,7 +3796,7 @@
             </a:pPr>
             <a:r>
               <a:rPr lang="en-US" altLang="zh-CN" sz="3200" b="1" dirty="0"/>
-              <a:t>Background</a:t>
+              <a:t>Background of the project</a:t>
             </a:r>
           </a:p>
           <a:p>
@@ -3804,7 +3806,7 @@
             </a:pPr>
             <a:r>
               <a:rPr lang="en-US" altLang="zh-CN" sz="3200" b="1" dirty="0"/>
-              <a:t>Explanation </a:t>
+              <a:t>Methodology </a:t>
             </a:r>
           </a:p>
           <a:p>
@@ -3814,7 +3816,7 @@
             </a:pPr>
             <a:r>
               <a:rPr lang="en-US" altLang="zh-CN" sz="3200" b="1" dirty="0"/>
-              <a:t>Results</a:t>
+              <a:t>Results and Evaluation</a:t>
             </a:r>
           </a:p>
           <a:p>
@@ -3824,8 +3826,14 @@
             </a:pPr>
             <a:r>
               <a:rPr lang="en-US" altLang="zh-CN" sz="3200" b="1" dirty="0"/>
-              <a:t>Evaluation and Future Plan</a:t>
+              <a:t>Future Improvement</a:t>
             </a:r>
+          </a:p>
+          <a:p>
+            <a:pPr marL="342900" indent="-342900">
+              <a:buFont typeface="+mj-lt"/>
+              <a:buAutoNum type="arabicPeriod"/>
+            </a:pPr>
             <a:endParaRPr lang="zh-CN" altLang="en-US" sz="3200" b="1" dirty="0"/>
           </a:p>
         </p:txBody>
@@ -3899,47 +3907,260 @@
       </p:grpSpPr>
       <p:sp>
         <p:nvSpPr>
-          <p:cNvPr id="5" name="标题 4">
-            <a:extLst>
-              <a:ext uri="{FF2B5EF4-FFF2-40B4-BE49-F238E27FC236}">
-                <a16:creationId xmlns:a16="http://schemas.microsoft.com/office/drawing/2014/main" id="{785C634A-60EE-4D9B-AF1F-4DCFCD9E530C}"/>
-              </a:ext>
-            </a:extLst>
-          </p:cNvPr>
-          <p:cNvSpPr>
-            <a:spLocks noGrp="1"/>
-          </p:cNvSpPr>
-          <p:nvPr>
-            <p:ph type="title"/>
-          </p:nvPr>
+          <p:cNvPr id="20" name="Rectangle 7">
+            <a:extLst>
+              <a:ext uri="{FF2B5EF4-FFF2-40B4-BE49-F238E27FC236}">
+                <a16:creationId xmlns:a16="http://schemas.microsoft.com/office/drawing/2014/main" id="{02044482-CA02-451C-A79E-8F4C6CEBCAA6}"/>
+              </a:ext>
+            </a:extLst>
+          </p:cNvPr>
+          <p:cNvSpPr/>
+          <p:nvPr/>
         </p:nvSpPr>
         <p:spPr>
           <a:xfrm>
-            <a:off x="950343" y="0"/>
-            <a:ext cx="10515600" cy="1325563"/>
-          </a:xfrm>
-        </p:spPr>
+            <a:off x="6610350" y="2277913"/>
+            <a:ext cx="2247900" cy="3019425"/>
+          </a:xfrm>
+          <a:prstGeom prst="rect">
+            <a:avLst/>
+          </a:prstGeom>
+          <a:solidFill>
+            <a:schemeClr val="bg1"/>
+          </a:solidFill>
+          <a:ln>
+            <a:solidFill>
+              <a:schemeClr val="tx1"/>
+            </a:solidFill>
+          </a:ln>
+        </p:spPr>
+        <p:style>
+          <a:lnRef idx="2">
+            <a:schemeClr val="accent1">
+              <a:shade val="50000"/>
+            </a:schemeClr>
+          </a:lnRef>
+          <a:fillRef idx="1">
+            <a:schemeClr val="accent1"/>
+          </a:fillRef>
+          <a:effectRef idx="0">
+            <a:schemeClr val="accent1"/>
+          </a:effectRef>
+          <a:fontRef idx="minor">
+            <a:schemeClr val="lt1"/>
+          </a:fontRef>
+        </p:style>
         <p:txBody>
-          <a:bodyPr>
-            <a:normAutofit/>
-          </a:bodyPr>
+          <a:bodyPr rtlCol="0" anchor="ctr"/>
           <a:lstStyle/>
           <a:p>
             <a:pPr algn="ctr"/>
-            <a:r>
-              <a:rPr lang="en-US" altLang="zh-CN" sz="3600" b="1" dirty="0"/>
-              <a:t>Device-to-Device communication system(D2D)</a:t>
-            </a:r>
-            <a:endParaRPr lang="zh-CN" altLang="en-US" sz="3600" b="1" dirty="0"/>
+            <a:endParaRPr lang="en-GB" dirty="0"/>
           </a:p>
         </p:txBody>
       </p:sp>
       <p:sp>
         <p:nvSpPr>
-          <p:cNvPr id="8" name="文本框 7">
-            <a:extLst>
-              <a:ext uri="{FF2B5EF4-FFF2-40B4-BE49-F238E27FC236}">
-                <a16:creationId xmlns:a16="http://schemas.microsoft.com/office/drawing/2014/main" id="{84074B79-A46F-49D5-BFB4-9FC4F6B3784F}"/>
+          <p:cNvPr id="23" name="Flowchart: Decision 18">
+            <a:extLst>
+              <a:ext uri="{FF2B5EF4-FFF2-40B4-BE49-F238E27FC236}">
+                <a16:creationId xmlns:a16="http://schemas.microsoft.com/office/drawing/2014/main" id="{61B1D6C2-0691-4E58-8831-C28678736D93}"/>
+              </a:ext>
+            </a:extLst>
+          </p:cNvPr>
+          <p:cNvSpPr/>
+          <p:nvPr/>
+        </p:nvSpPr>
+        <p:spPr>
+          <a:xfrm>
+            <a:off x="7429500" y="2482071"/>
+            <a:ext cx="304800" cy="257175"/>
+          </a:xfrm>
+          <a:prstGeom prst="flowChartDecision">
+            <a:avLst/>
+          </a:prstGeom>
+          <a:solidFill>
+            <a:srgbClr val="FFFF00"/>
+          </a:solidFill>
+        </p:spPr>
+        <p:style>
+          <a:lnRef idx="2">
+            <a:schemeClr val="accent1">
+              <a:shade val="50000"/>
+            </a:schemeClr>
+          </a:lnRef>
+          <a:fillRef idx="1">
+            <a:schemeClr val="accent1"/>
+          </a:fillRef>
+          <a:effectRef idx="0">
+            <a:schemeClr val="accent1"/>
+          </a:effectRef>
+          <a:fontRef idx="minor">
+            <a:schemeClr val="lt1"/>
+          </a:fontRef>
+        </p:style>
+        <p:txBody>
+          <a:bodyPr rtlCol="0" anchor="ctr"/>
+          <a:lstStyle/>
+          <a:p>
+            <a:pPr algn="ctr"/>
+            <a:endParaRPr lang="en-GB"/>
+          </a:p>
+        </p:txBody>
+      </p:sp>
+      <p:sp>
+        <p:nvSpPr>
+          <p:cNvPr id="24" name="Flowchart: Decision 22">
+            <a:extLst>
+              <a:ext uri="{FF2B5EF4-FFF2-40B4-BE49-F238E27FC236}">
+                <a16:creationId xmlns:a16="http://schemas.microsoft.com/office/drawing/2014/main" id="{2A62A8D9-22E0-4302-A540-C0327BCB0A1C}"/>
+              </a:ext>
+            </a:extLst>
+          </p:cNvPr>
+          <p:cNvSpPr/>
+          <p:nvPr/>
+        </p:nvSpPr>
+        <p:spPr>
+          <a:xfrm>
+            <a:off x="7429500" y="2948796"/>
+            <a:ext cx="304800" cy="257175"/>
+          </a:xfrm>
+          <a:prstGeom prst="flowChartDecision">
+            <a:avLst/>
+          </a:prstGeom>
+          <a:solidFill>
+            <a:srgbClr val="FFFF00"/>
+          </a:solidFill>
+        </p:spPr>
+        <p:style>
+          <a:lnRef idx="2">
+            <a:schemeClr val="accent1">
+              <a:shade val="50000"/>
+            </a:schemeClr>
+          </a:lnRef>
+          <a:fillRef idx="1">
+            <a:schemeClr val="accent1"/>
+          </a:fillRef>
+          <a:effectRef idx="0">
+            <a:schemeClr val="accent1"/>
+          </a:effectRef>
+          <a:fontRef idx="minor">
+            <a:schemeClr val="lt1"/>
+          </a:fontRef>
+        </p:style>
+        <p:txBody>
+          <a:bodyPr rtlCol="0" anchor="ctr"/>
+          <a:lstStyle/>
+          <a:p>
+            <a:pPr algn="ctr"/>
+            <a:endParaRPr lang="en-GB"/>
+          </a:p>
+        </p:txBody>
+      </p:sp>
+      <p:sp>
+        <p:nvSpPr>
+          <p:cNvPr id="25" name="Flowchart: Decision 23">
+            <a:extLst>
+              <a:ext uri="{FF2B5EF4-FFF2-40B4-BE49-F238E27FC236}">
+                <a16:creationId xmlns:a16="http://schemas.microsoft.com/office/drawing/2014/main" id="{EADDBFC2-87EF-47B0-9476-9EE5B83EE8E4}"/>
+              </a:ext>
+            </a:extLst>
+          </p:cNvPr>
+          <p:cNvSpPr/>
+          <p:nvPr/>
+        </p:nvSpPr>
+        <p:spPr>
+          <a:xfrm>
+            <a:off x="7429500" y="3429808"/>
+            <a:ext cx="304800" cy="257175"/>
+          </a:xfrm>
+          <a:prstGeom prst="flowChartDecision">
+            <a:avLst/>
+          </a:prstGeom>
+          <a:solidFill>
+            <a:srgbClr val="FFFF00"/>
+          </a:solidFill>
+        </p:spPr>
+        <p:style>
+          <a:lnRef idx="2">
+            <a:schemeClr val="accent1">
+              <a:shade val="50000"/>
+            </a:schemeClr>
+          </a:lnRef>
+          <a:fillRef idx="1">
+            <a:schemeClr val="accent1"/>
+          </a:fillRef>
+          <a:effectRef idx="0">
+            <a:schemeClr val="accent1"/>
+          </a:effectRef>
+          <a:fontRef idx="minor">
+            <a:schemeClr val="lt1"/>
+          </a:fontRef>
+        </p:style>
+        <p:txBody>
+          <a:bodyPr rtlCol="0" anchor="ctr"/>
+          <a:lstStyle/>
+          <a:p>
+            <a:pPr algn="ctr"/>
+            <a:endParaRPr lang="en-GB"/>
+          </a:p>
+        </p:txBody>
+      </p:sp>
+      <p:sp>
+        <p:nvSpPr>
+          <p:cNvPr id="26" name="Flowchart: Decision 24">
+            <a:extLst>
+              <a:ext uri="{FF2B5EF4-FFF2-40B4-BE49-F238E27FC236}">
+                <a16:creationId xmlns:a16="http://schemas.microsoft.com/office/drawing/2014/main" id="{F963651B-08F6-435C-AAC2-8AE94150D6B5}"/>
+              </a:ext>
+            </a:extLst>
+          </p:cNvPr>
+          <p:cNvSpPr/>
+          <p:nvPr/>
+        </p:nvSpPr>
+        <p:spPr>
+          <a:xfrm>
+            <a:off x="7429500" y="3967972"/>
+            <a:ext cx="304800" cy="257175"/>
+          </a:xfrm>
+          <a:prstGeom prst="flowChartDecision">
+            <a:avLst/>
+          </a:prstGeom>
+          <a:solidFill>
+            <a:srgbClr val="FFFF00"/>
+          </a:solidFill>
+        </p:spPr>
+        <p:style>
+          <a:lnRef idx="2">
+            <a:schemeClr val="accent1">
+              <a:shade val="50000"/>
+            </a:schemeClr>
+          </a:lnRef>
+          <a:fillRef idx="1">
+            <a:schemeClr val="accent1"/>
+          </a:fillRef>
+          <a:effectRef idx="0">
+            <a:schemeClr val="accent1"/>
+          </a:effectRef>
+          <a:fontRef idx="minor">
+            <a:schemeClr val="lt1"/>
+          </a:fontRef>
+        </p:style>
+        <p:txBody>
+          <a:bodyPr rtlCol="0" anchor="ctr"/>
+          <a:lstStyle/>
+          <a:p>
+            <a:pPr algn="ctr"/>
+            <a:endParaRPr lang="en-GB"/>
+          </a:p>
+        </p:txBody>
+      </p:sp>
+      <p:sp>
+        <p:nvSpPr>
+          <p:cNvPr id="35" name="文本框 34">
+            <a:extLst>
+              <a:ext uri="{FF2B5EF4-FFF2-40B4-BE49-F238E27FC236}">
+                <a16:creationId xmlns:a16="http://schemas.microsoft.com/office/drawing/2014/main" id="{6417F0A7-5EA3-4CB3-BDF1-FF04490DDDF0}"/>
               </a:ext>
             </a:extLst>
           </p:cNvPr>
@@ -3948,8 +4169,8 @@
         </p:nvSpPr>
         <p:spPr>
           <a:xfrm>
-            <a:off x="2147858" y="1590076"/>
-            <a:ext cx="7896283" cy="2215991"/>
+            <a:off x="6422906" y="1803807"/>
+            <a:ext cx="3523350" cy="369332"/>
           </a:xfrm>
           <a:prstGeom prst="rect">
             <a:avLst/>
@@ -3962,33 +4183,338 @@
           </a:bodyPr>
           <a:lstStyle/>
           <a:p>
-            <a:pPr>
-              <a:lnSpc>
-                <a:spcPct val="150000"/>
-              </a:lnSpc>
-            </a:pPr>
             <a:r>
-              <a:rPr lang="en-US" altLang="zh-CN" sz="2000" dirty="0"/>
-              <a:t>1.It allows two users in proximity to communicate with each other directly without passing through the base station by reusing the spectrum resource</a:t>
+              <a:rPr lang="en-US" altLang="zh-CN" dirty="0">
+                <a:solidFill>
+                  <a:srgbClr val="FF0000"/>
+                </a:solidFill>
+              </a:rPr>
+              <a:t>Cellular User Equipment (CUE)</a:t>
             </a:r>
-          </a:p>
-          <a:p>
-            <a:pPr>
-              <a:lnSpc>
-                <a:spcPct val="150000"/>
-              </a:lnSpc>
-            </a:pPr>
-            <a:endParaRPr lang="en-US" altLang="zh-CN" sz="2000" dirty="0"/>
-          </a:p>
-          <a:p>
-            <a:endParaRPr lang="zh-CN" altLang="en-US" dirty="0"/>
+            <a:endParaRPr lang="zh-CN" altLang="en-US" dirty="0">
+              <a:solidFill>
+                <a:srgbClr val="FF0000"/>
+              </a:solidFill>
+            </a:endParaRPr>
           </a:p>
         </p:txBody>
       </p:sp>
+      <p:sp>
+        <p:nvSpPr>
+          <p:cNvPr id="36" name="Rectangle 7">
+            <a:extLst>
+              <a:ext uri="{FF2B5EF4-FFF2-40B4-BE49-F238E27FC236}">
+                <a16:creationId xmlns:a16="http://schemas.microsoft.com/office/drawing/2014/main" id="{125B3EC6-9A6F-4731-B6DF-F2445F570595}"/>
+              </a:ext>
+            </a:extLst>
+          </p:cNvPr>
+          <p:cNvSpPr/>
+          <p:nvPr/>
+        </p:nvSpPr>
+        <p:spPr>
+          <a:xfrm>
+            <a:off x="928193" y="2173139"/>
+            <a:ext cx="2247900" cy="3019425"/>
+          </a:xfrm>
+          <a:prstGeom prst="rect">
+            <a:avLst/>
+          </a:prstGeom>
+          <a:solidFill>
+            <a:schemeClr val="bg1"/>
+          </a:solidFill>
+          <a:ln>
+            <a:solidFill>
+              <a:schemeClr val="tx1"/>
+            </a:solidFill>
+          </a:ln>
+        </p:spPr>
+        <p:style>
+          <a:lnRef idx="2">
+            <a:schemeClr val="accent1">
+              <a:shade val="50000"/>
+            </a:schemeClr>
+          </a:lnRef>
+          <a:fillRef idx="1">
+            <a:schemeClr val="accent1"/>
+          </a:fillRef>
+          <a:effectRef idx="0">
+            <a:schemeClr val="accent1"/>
+          </a:effectRef>
+          <a:fontRef idx="minor">
+            <a:schemeClr val="lt1"/>
+          </a:fontRef>
+        </p:style>
+        <p:txBody>
+          <a:bodyPr rtlCol="0" anchor="ctr"/>
+          <a:lstStyle/>
+          <a:p>
+            <a:pPr algn="ctr"/>
+            <a:endParaRPr lang="en-GB" dirty="0"/>
+          </a:p>
+        </p:txBody>
+      </p:sp>
+      <p:sp>
+        <p:nvSpPr>
+          <p:cNvPr id="37" name="Star: 5 Points 14">
+            <a:extLst>
+              <a:ext uri="{FF2B5EF4-FFF2-40B4-BE49-F238E27FC236}">
+                <a16:creationId xmlns:a16="http://schemas.microsoft.com/office/drawing/2014/main" id="{F66C0A52-796A-4EDB-9055-D0AFB215A02B}"/>
+              </a:ext>
+            </a:extLst>
+          </p:cNvPr>
+          <p:cNvSpPr/>
+          <p:nvPr/>
+        </p:nvSpPr>
+        <p:spPr>
+          <a:xfrm>
+            <a:off x="1942606" y="2755061"/>
+            <a:ext cx="219075" cy="209550"/>
+          </a:xfrm>
+          <a:prstGeom prst="star5">
+            <a:avLst/>
+          </a:prstGeom>
+          <a:solidFill>
+            <a:srgbClr val="FF0000"/>
+          </a:solidFill>
+          <a:ln>
+            <a:solidFill>
+              <a:schemeClr val="tx1"/>
+            </a:solidFill>
+          </a:ln>
+        </p:spPr>
+        <p:style>
+          <a:lnRef idx="2">
+            <a:schemeClr val="accent1">
+              <a:shade val="50000"/>
+            </a:schemeClr>
+          </a:lnRef>
+          <a:fillRef idx="1">
+            <a:schemeClr val="accent1"/>
+          </a:fillRef>
+          <a:effectRef idx="0">
+            <a:schemeClr val="accent1"/>
+          </a:effectRef>
+          <a:fontRef idx="minor">
+            <a:schemeClr val="lt1"/>
+          </a:fontRef>
+        </p:style>
+        <p:txBody>
+          <a:bodyPr rtlCol="0" anchor="ctr"/>
+          <a:lstStyle/>
+          <a:p>
+            <a:pPr algn="ctr"/>
+            <a:endParaRPr lang="en-GB"/>
+          </a:p>
+        </p:txBody>
+      </p:sp>
+      <p:sp>
+        <p:nvSpPr>
+          <p:cNvPr id="38" name="Star: 5 Points 14">
+            <a:extLst>
+              <a:ext uri="{FF2B5EF4-FFF2-40B4-BE49-F238E27FC236}">
+                <a16:creationId xmlns:a16="http://schemas.microsoft.com/office/drawing/2014/main" id="{89164F69-DD69-48F8-B265-680C859EA1EB}"/>
+              </a:ext>
+            </a:extLst>
+          </p:cNvPr>
+          <p:cNvSpPr/>
+          <p:nvPr/>
+        </p:nvSpPr>
+        <p:spPr>
+          <a:xfrm>
+            <a:off x="1942606" y="3682852"/>
+            <a:ext cx="219075" cy="209550"/>
+          </a:xfrm>
+          <a:prstGeom prst="star5">
+            <a:avLst/>
+          </a:prstGeom>
+          <a:solidFill>
+            <a:srgbClr val="FF0000"/>
+          </a:solidFill>
+          <a:ln>
+            <a:solidFill>
+              <a:schemeClr val="tx1"/>
+            </a:solidFill>
+          </a:ln>
+        </p:spPr>
+        <p:style>
+          <a:lnRef idx="2">
+            <a:schemeClr val="accent1">
+              <a:shade val="50000"/>
+            </a:schemeClr>
+          </a:lnRef>
+          <a:fillRef idx="1">
+            <a:schemeClr val="accent1"/>
+          </a:fillRef>
+          <a:effectRef idx="0">
+            <a:schemeClr val="accent1"/>
+          </a:effectRef>
+          <a:fontRef idx="minor">
+            <a:schemeClr val="lt1"/>
+          </a:fontRef>
+        </p:style>
+        <p:txBody>
+          <a:bodyPr rtlCol="0" anchor="ctr"/>
+          <a:lstStyle/>
+          <a:p>
+            <a:pPr algn="ctr"/>
+            <a:endParaRPr lang="en-GB"/>
+          </a:p>
+        </p:txBody>
+      </p:sp>
+      <p:sp>
+        <p:nvSpPr>
+          <p:cNvPr id="39" name="文本框 38">
+            <a:extLst>
+              <a:ext uri="{FF2B5EF4-FFF2-40B4-BE49-F238E27FC236}">
+                <a16:creationId xmlns:a16="http://schemas.microsoft.com/office/drawing/2014/main" id="{17AD6458-C234-47D8-82AB-BF96AC09EA44}"/>
+              </a:ext>
+            </a:extLst>
+          </p:cNvPr>
+          <p:cNvSpPr txBox="1"/>
+          <p:nvPr/>
+        </p:nvSpPr>
+        <p:spPr>
+          <a:xfrm>
+            <a:off x="858485" y="1768905"/>
+            <a:ext cx="3937105" cy="369332"/>
+          </a:xfrm>
+          <a:prstGeom prst="rect">
+            <a:avLst/>
+          </a:prstGeom>
+          <a:noFill/>
+        </p:spPr>
+        <p:txBody>
+          <a:bodyPr wrap="square" rtlCol="0">
+            <a:spAutoFit/>
+          </a:bodyPr>
+          <a:lstStyle/>
+          <a:p>
+            <a:r>
+              <a:rPr lang="en-US" altLang="zh-CN" dirty="0" err="1">
+                <a:solidFill>
+                  <a:srgbClr val="FF0000"/>
+                </a:solidFill>
+              </a:rPr>
+              <a:t>SWIPT</a:t>
+            </a:r>
+            <a:r>
+              <a:rPr lang="en-US" altLang="zh-CN" dirty="0">
+                <a:solidFill>
+                  <a:srgbClr val="FF0000"/>
+                </a:solidFill>
+              </a:rPr>
+              <a:t>-Supported </a:t>
+            </a:r>
+            <a:r>
+              <a:rPr lang="en-US" altLang="zh-CN" dirty="0" err="1">
+                <a:solidFill>
+                  <a:srgbClr val="FF0000"/>
+                </a:solidFill>
+              </a:rPr>
+              <a:t>D2D</a:t>
+            </a:r>
+            <a:r>
+              <a:rPr lang="en-US" altLang="zh-CN" dirty="0">
+                <a:solidFill>
+                  <a:srgbClr val="FF0000"/>
+                </a:solidFill>
+              </a:rPr>
+              <a:t> links</a:t>
+            </a:r>
+            <a:endParaRPr lang="zh-CN" altLang="en-US" dirty="0">
+              <a:solidFill>
+                <a:srgbClr val="FF0000"/>
+              </a:solidFill>
+            </a:endParaRPr>
+          </a:p>
+        </p:txBody>
+      </p:sp>
+      <p:cxnSp>
+        <p:nvCxnSpPr>
+          <p:cNvPr id="3" name="直接箭头连接符 2">
+            <a:extLst>
+              <a:ext uri="{FF2B5EF4-FFF2-40B4-BE49-F238E27FC236}">
+                <a16:creationId xmlns:a16="http://schemas.microsoft.com/office/drawing/2014/main" id="{1CBFC970-D422-D7CD-A343-1156190CC837}"/>
+              </a:ext>
+            </a:extLst>
+          </p:cNvPr>
+          <p:cNvCxnSpPr>
+            <a:stCxn id="37" idx="4"/>
+          </p:cNvCxnSpPr>
+          <p:nvPr/>
+        </p:nvCxnSpPr>
+        <p:spPr>
+          <a:xfrm>
+            <a:off x="2161681" y="2835102"/>
+            <a:ext cx="5267819" cy="242281"/>
+          </a:xfrm>
+          <a:prstGeom prst="straightConnector1">
+            <a:avLst/>
+          </a:prstGeom>
+          <a:ln>
+            <a:tailEnd type="triangle"/>
+          </a:ln>
+        </p:spPr>
+        <p:style>
+          <a:lnRef idx="1">
+            <a:schemeClr val="accent1"/>
+          </a:lnRef>
+          <a:fillRef idx="0">
+            <a:schemeClr val="accent1"/>
+          </a:fillRef>
+          <a:effectRef idx="0">
+            <a:schemeClr val="accent1"/>
+          </a:effectRef>
+          <a:fontRef idx="minor">
+            <a:schemeClr val="tx1"/>
+          </a:fontRef>
+        </p:style>
+      </p:cxnSp>
+      <p:cxnSp>
+        <p:nvCxnSpPr>
+          <p:cNvPr id="5" name="直接箭头连接符 4">
+            <a:extLst>
+              <a:ext uri="{FF2B5EF4-FFF2-40B4-BE49-F238E27FC236}">
+                <a16:creationId xmlns:a16="http://schemas.microsoft.com/office/drawing/2014/main" id="{53C4FE89-50D4-6148-D7DF-DC92E44E65F6}"/>
+              </a:ext>
+            </a:extLst>
+          </p:cNvPr>
+          <p:cNvCxnSpPr>
+            <a:stCxn id="38" idx="4"/>
+          </p:cNvCxnSpPr>
+          <p:nvPr/>
+        </p:nvCxnSpPr>
+        <p:spPr>
+          <a:xfrm flipV="1">
+            <a:off x="2161681" y="3558395"/>
+            <a:ext cx="5267819" cy="204498"/>
+          </a:xfrm>
+          <a:prstGeom prst="straightConnector1">
+            <a:avLst/>
+          </a:prstGeom>
+          <a:ln>
+            <a:tailEnd type="triangle"/>
+          </a:ln>
+        </p:spPr>
+        <p:style>
+          <a:lnRef idx="1">
+            <a:schemeClr val="accent1"/>
+          </a:lnRef>
+          <a:fillRef idx="0">
+            <a:schemeClr val="accent1"/>
+          </a:fillRef>
+          <a:effectRef idx="0">
+            <a:schemeClr val="accent1"/>
+          </a:effectRef>
+          <a:fontRef idx="minor">
+            <a:schemeClr val="tx1"/>
+          </a:fontRef>
+        </p:style>
+      </p:cxnSp>
     </p:spTree>
     <p:extLst>
       <p:ext uri="{BB962C8B-B14F-4D97-AF65-F5344CB8AC3E}">
-        <p14:creationId xmlns:p14="http://schemas.microsoft.com/office/powerpoint/2010/main" val="31432525"/>
+        <p14:creationId xmlns:p14="http://schemas.microsoft.com/office/powerpoint/2010/main" val="2466224284"/>
       </p:ext>
     </p:extLst>
   </p:cSld>
@@ -4015,66 +4541,6 @@
           <a:chExt cx="0" cy="0"/>
         </a:xfrm>
       </p:grpSpPr>
-      <p:pic>
-        <p:nvPicPr>
-          <p:cNvPr id="5" name="图片 4">
-            <a:extLst>
-              <a:ext uri="{FF2B5EF4-FFF2-40B4-BE49-F238E27FC236}">
-                <a16:creationId xmlns:a16="http://schemas.microsoft.com/office/drawing/2014/main" id="{76A01A17-3A9B-4993-B1A9-629AAF4B30FF}"/>
-              </a:ext>
-            </a:extLst>
-          </p:cNvPr>
-          <p:cNvPicPr>
-            <a:picLocks noChangeAspect="1"/>
-          </p:cNvPicPr>
-          <p:nvPr/>
-        </p:nvPicPr>
-        <p:blipFill>
-          <a:blip r:embed="rId2"/>
-          <a:stretch>
-            <a:fillRect/>
-          </a:stretch>
-        </p:blipFill>
-        <p:spPr>
-          <a:xfrm>
-            <a:off x="2916736" y="258465"/>
-            <a:ext cx="6358528" cy="5899580"/>
-          </a:xfrm>
-          <a:prstGeom prst="rect">
-            <a:avLst/>
-          </a:prstGeom>
-        </p:spPr>
-      </p:pic>
-    </p:spTree>
-    <p:extLst>
-      <p:ext uri="{BB962C8B-B14F-4D97-AF65-F5344CB8AC3E}">
-        <p14:creationId xmlns:p14="http://schemas.microsoft.com/office/powerpoint/2010/main" val="1679525734"/>
-      </p:ext>
-    </p:extLst>
-  </p:cSld>
-  <p:clrMapOvr>
-    <a:masterClrMapping/>
-  </p:clrMapOvr>
-</p:sld>
-</file>
-
-<file path=ppt/slides/slide12.xml><?xml version="1.0" encoding="utf-8"?>
-<p:sld xmlns:a="http://schemas.openxmlformats.org/drawingml/2006/main" xmlns:r="http://schemas.openxmlformats.org/officeDocument/2006/relationships" xmlns:p="http://schemas.openxmlformats.org/presentationml/2006/main">
-  <p:cSld>
-    <p:spTree>
-      <p:nvGrpSpPr>
-        <p:cNvPr id="1" name=""/>
-        <p:cNvGrpSpPr/>
-        <p:nvPr/>
-      </p:nvGrpSpPr>
-      <p:grpSpPr>
-        <a:xfrm>
-          <a:off x="0" y="0"/>
-          <a:ext cx="0" cy="0"/>
-          <a:chOff x="0" y="0"/>
-          <a:chExt cx="0" cy="0"/>
-        </a:xfrm>
-      </p:grpSpPr>
       <p:sp>
         <p:nvSpPr>
           <p:cNvPr id="2" name="标题 1">
@@ -4150,7 +4616,7 @@
         </p:blipFill>
         <p:spPr>
           <a:xfrm>
-            <a:off x="7212910" y="751135"/>
+            <a:off x="7230162" y="800804"/>
             <a:ext cx="2023369" cy="2023369"/>
           </a:xfrm>
           <a:prstGeom prst="rect">
@@ -4509,537 +4975,7 @@
 </p:sld>
 </file>
 
-<file path=ppt/slides/slide13.xml><?xml version="1.0" encoding="utf-8"?>
-<p:sld xmlns:a="http://schemas.openxmlformats.org/drawingml/2006/main" xmlns:r="http://schemas.openxmlformats.org/officeDocument/2006/relationships" xmlns:p="http://schemas.openxmlformats.org/presentationml/2006/main">
-  <p:cSld>
-    <p:spTree>
-      <p:nvGrpSpPr>
-        <p:cNvPr id="1" name=""/>
-        <p:cNvGrpSpPr/>
-        <p:nvPr/>
-      </p:nvGrpSpPr>
-      <p:grpSpPr>
-        <a:xfrm>
-          <a:off x="0" y="0"/>
-          <a:ext cx="0" cy="0"/>
-          <a:chOff x="0" y="0"/>
-          <a:chExt cx="0" cy="0"/>
-        </a:xfrm>
-      </p:grpSpPr>
-      <p:sp>
-        <p:nvSpPr>
-          <p:cNvPr id="20" name="Rectangle 7">
-            <a:extLst>
-              <a:ext uri="{FF2B5EF4-FFF2-40B4-BE49-F238E27FC236}">
-                <a16:creationId xmlns:a16="http://schemas.microsoft.com/office/drawing/2014/main" id="{02044482-CA02-451C-A79E-8F4C6CEBCAA6}"/>
-              </a:ext>
-            </a:extLst>
-          </p:cNvPr>
-          <p:cNvSpPr/>
-          <p:nvPr/>
-        </p:nvSpPr>
-        <p:spPr>
-          <a:xfrm>
-            <a:off x="6543677" y="2277914"/>
-            <a:ext cx="2247900" cy="3019425"/>
-          </a:xfrm>
-          <a:prstGeom prst="rect">
-            <a:avLst/>
-          </a:prstGeom>
-          <a:solidFill>
-            <a:schemeClr val="bg1"/>
-          </a:solidFill>
-          <a:ln>
-            <a:solidFill>
-              <a:schemeClr val="tx1"/>
-            </a:solidFill>
-          </a:ln>
-        </p:spPr>
-        <p:style>
-          <a:lnRef idx="2">
-            <a:schemeClr val="accent1">
-              <a:shade val="50000"/>
-            </a:schemeClr>
-          </a:lnRef>
-          <a:fillRef idx="1">
-            <a:schemeClr val="accent1"/>
-          </a:fillRef>
-          <a:effectRef idx="0">
-            <a:schemeClr val="accent1"/>
-          </a:effectRef>
-          <a:fontRef idx="minor">
-            <a:schemeClr val="lt1"/>
-          </a:fontRef>
-        </p:style>
-        <p:txBody>
-          <a:bodyPr rtlCol="0" anchor="ctr"/>
-          <a:lstStyle/>
-          <a:p>
-            <a:pPr algn="ctr"/>
-            <a:endParaRPr lang="en-GB"/>
-          </a:p>
-        </p:txBody>
-      </p:sp>
-      <p:sp>
-        <p:nvSpPr>
-          <p:cNvPr id="23" name="Flowchart: Decision 18">
-            <a:extLst>
-              <a:ext uri="{FF2B5EF4-FFF2-40B4-BE49-F238E27FC236}">
-                <a16:creationId xmlns:a16="http://schemas.microsoft.com/office/drawing/2014/main" id="{61B1D6C2-0691-4E58-8831-C28678736D93}"/>
-              </a:ext>
-            </a:extLst>
-          </p:cNvPr>
-          <p:cNvSpPr/>
-          <p:nvPr/>
-        </p:nvSpPr>
-        <p:spPr>
-          <a:xfrm>
-            <a:off x="7429500" y="2482071"/>
-            <a:ext cx="304800" cy="257175"/>
-          </a:xfrm>
-          <a:prstGeom prst="flowChartDecision">
-            <a:avLst/>
-          </a:prstGeom>
-          <a:solidFill>
-            <a:srgbClr val="FFFF00"/>
-          </a:solidFill>
-        </p:spPr>
-        <p:style>
-          <a:lnRef idx="2">
-            <a:schemeClr val="accent1">
-              <a:shade val="50000"/>
-            </a:schemeClr>
-          </a:lnRef>
-          <a:fillRef idx="1">
-            <a:schemeClr val="accent1"/>
-          </a:fillRef>
-          <a:effectRef idx="0">
-            <a:schemeClr val="accent1"/>
-          </a:effectRef>
-          <a:fontRef idx="minor">
-            <a:schemeClr val="lt1"/>
-          </a:fontRef>
-        </p:style>
-        <p:txBody>
-          <a:bodyPr rtlCol="0" anchor="ctr"/>
-          <a:lstStyle/>
-          <a:p>
-            <a:pPr algn="ctr"/>
-            <a:endParaRPr lang="en-GB"/>
-          </a:p>
-        </p:txBody>
-      </p:sp>
-      <p:sp>
-        <p:nvSpPr>
-          <p:cNvPr id="24" name="Flowchart: Decision 22">
-            <a:extLst>
-              <a:ext uri="{FF2B5EF4-FFF2-40B4-BE49-F238E27FC236}">
-                <a16:creationId xmlns:a16="http://schemas.microsoft.com/office/drawing/2014/main" id="{2A62A8D9-22E0-4302-A540-C0327BCB0A1C}"/>
-              </a:ext>
-            </a:extLst>
-          </p:cNvPr>
-          <p:cNvSpPr/>
-          <p:nvPr/>
-        </p:nvSpPr>
-        <p:spPr>
-          <a:xfrm>
-            <a:off x="7429500" y="2948796"/>
-            <a:ext cx="304800" cy="257175"/>
-          </a:xfrm>
-          <a:prstGeom prst="flowChartDecision">
-            <a:avLst/>
-          </a:prstGeom>
-          <a:solidFill>
-            <a:srgbClr val="FFFF00"/>
-          </a:solidFill>
-        </p:spPr>
-        <p:style>
-          <a:lnRef idx="2">
-            <a:schemeClr val="accent1">
-              <a:shade val="50000"/>
-            </a:schemeClr>
-          </a:lnRef>
-          <a:fillRef idx="1">
-            <a:schemeClr val="accent1"/>
-          </a:fillRef>
-          <a:effectRef idx="0">
-            <a:schemeClr val="accent1"/>
-          </a:effectRef>
-          <a:fontRef idx="minor">
-            <a:schemeClr val="lt1"/>
-          </a:fontRef>
-        </p:style>
-        <p:txBody>
-          <a:bodyPr rtlCol="0" anchor="ctr"/>
-          <a:lstStyle/>
-          <a:p>
-            <a:pPr algn="ctr"/>
-            <a:endParaRPr lang="en-GB"/>
-          </a:p>
-        </p:txBody>
-      </p:sp>
-      <p:sp>
-        <p:nvSpPr>
-          <p:cNvPr id="25" name="Flowchart: Decision 23">
-            <a:extLst>
-              <a:ext uri="{FF2B5EF4-FFF2-40B4-BE49-F238E27FC236}">
-                <a16:creationId xmlns:a16="http://schemas.microsoft.com/office/drawing/2014/main" id="{EADDBFC2-87EF-47B0-9476-9EE5B83EE8E4}"/>
-              </a:ext>
-            </a:extLst>
-          </p:cNvPr>
-          <p:cNvSpPr/>
-          <p:nvPr/>
-        </p:nvSpPr>
-        <p:spPr>
-          <a:xfrm>
-            <a:off x="7429500" y="3429808"/>
-            <a:ext cx="304800" cy="257175"/>
-          </a:xfrm>
-          <a:prstGeom prst="flowChartDecision">
-            <a:avLst/>
-          </a:prstGeom>
-          <a:solidFill>
-            <a:srgbClr val="FFFF00"/>
-          </a:solidFill>
-        </p:spPr>
-        <p:style>
-          <a:lnRef idx="2">
-            <a:schemeClr val="accent1">
-              <a:shade val="50000"/>
-            </a:schemeClr>
-          </a:lnRef>
-          <a:fillRef idx="1">
-            <a:schemeClr val="accent1"/>
-          </a:fillRef>
-          <a:effectRef idx="0">
-            <a:schemeClr val="accent1"/>
-          </a:effectRef>
-          <a:fontRef idx="minor">
-            <a:schemeClr val="lt1"/>
-          </a:fontRef>
-        </p:style>
-        <p:txBody>
-          <a:bodyPr rtlCol="0" anchor="ctr"/>
-          <a:lstStyle/>
-          <a:p>
-            <a:pPr algn="ctr"/>
-            <a:endParaRPr lang="en-GB"/>
-          </a:p>
-        </p:txBody>
-      </p:sp>
-      <p:sp>
-        <p:nvSpPr>
-          <p:cNvPr id="26" name="Flowchart: Decision 24">
-            <a:extLst>
-              <a:ext uri="{FF2B5EF4-FFF2-40B4-BE49-F238E27FC236}">
-                <a16:creationId xmlns:a16="http://schemas.microsoft.com/office/drawing/2014/main" id="{F963651B-08F6-435C-AAC2-8AE94150D6B5}"/>
-              </a:ext>
-            </a:extLst>
-          </p:cNvPr>
-          <p:cNvSpPr/>
-          <p:nvPr/>
-        </p:nvSpPr>
-        <p:spPr>
-          <a:xfrm>
-            <a:off x="7429500" y="3967972"/>
-            <a:ext cx="304800" cy="257175"/>
-          </a:xfrm>
-          <a:prstGeom prst="flowChartDecision">
-            <a:avLst/>
-          </a:prstGeom>
-          <a:solidFill>
-            <a:srgbClr val="FFFF00"/>
-          </a:solidFill>
-        </p:spPr>
-        <p:style>
-          <a:lnRef idx="2">
-            <a:schemeClr val="accent1">
-              <a:shade val="50000"/>
-            </a:schemeClr>
-          </a:lnRef>
-          <a:fillRef idx="1">
-            <a:schemeClr val="accent1"/>
-          </a:fillRef>
-          <a:effectRef idx="0">
-            <a:schemeClr val="accent1"/>
-          </a:effectRef>
-          <a:fontRef idx="minor">
-            <a:schemeClr val="lt1"/>
-          </a:fontRef>
-        </p:style>
-        <p:txBody>
-          <a:bodyPr rtlCol="0" anchor="ctr"/>
-          <a:lstStyle/>
-          <a:p>
-            <a:pPr algn="ctr"/>
-            <a:endParaRPr lang="en-GB"/>
-          </a:p>
-        </p:txBody>
-      </p:sp>
-      <p:sp>
-        <p:nvSpPr>
-          <p:cNvPr id="35" name="文本框 34">
-            <a:extLst>
-              <a:ext uri="{FF2B5EF4-FFF2-40B4-BE49-F238E27FC236}">
-                <a16:creationId xmlns:a16="http://schemas.microsoft.com/office/drawing/2014/main" id="{6417F0A7-5EA3-4CB3-BDF1-FF04490DDDF0}"/>
-              </a:ext>
-            </a:extLst>
-          </p:cNvPr>
-          <p:cNvSpPr txBox="1"/>
-          <p:nvPr/>
-        </p:nvSpPr>
-        <p:spPr>
-          <a:xfrm>
-            <a:off x="6422906" y="1803807"/>
-            <a:ext cx="3523350" cy="369332"/>
-          </a:xfrm>
-          <a:prstGeom prst="rect">
-            <a:avLst/>
-          </a:prstGeom>
-          <a:noFill/>
-        </p:spPr>
-        <p:txBody>
-          <a:bodyPr wrap="square" rtlCol="0">
-            <a:spAutoFit/>
-          </a:bodyPr>
-          <a:lstStyle/>
-          <a:p>
-            <a:r>
-              <a:rPr lang="en-US" altLang="zh-CN" dirty="0">
-                <a:solidFill>
-                  <a:srgbClr val="FF0000"/>
-                </a:solidFill>
-              </a:rPr>
-              <a:t>Cellular User Equipment (CUE)</a:t>
-            </a:r>
-            <a:endParaRPr lang="zh-CN" altLang="en-US" dirty="0">
-              <a:solidFill>
-                <a:srgbClr val="FF0000"/>
-              </a:solidFill>
-            </a:endParaRPr>
-          </a:p>
-        </p:txBody>
-      </p:sp>
-      <p:sp>
-        <p:nvSpPr>
-          <p:cNvPr id="36" name="Rectangle 7">
-            <a:extLst>
-              <a:ext uri="{FF2B5EF4-FFF2-40B4-BE49-F238E27FC236}">
-                <a16:creationId xmlns:a16="http://schemas.microsoft.com/office/drawing/2014/main" id="{125B3EC6-9A6F-4731-B6DF-F2445F570595}"/>
-              </a:ext>
-            </a:extLst>
-          </p:cNvPr>
-          <p:cNvSpPr/>
-          <p:nvPr/>
-        </p:nvSpPr>
-        <p:spPr>
-          <a:xfrm>
-            <a:off x="1109349" y="2277913"/>
-            <a:ext cx="2247900" cy="3019425"/>
-          </a:xfrm>
-          <a:prstGeom prst="rect">
-            <a:avLst/>
-          </a:prstGeom>
-          <a:solidFill>
-            <a:schemeClr val="bg1"/>
-          </a:solidFill>
-          <a:ln>
-            <a:solidFill>
-              <a:schemeClr val="tx1"/>
-            </a:solidFill>
-          </a:ln>
-        </p:spPr>
-        <p:style>
-          <a:lnRef idx="2">
-            <a:schemeClr val="accent1">
-              <a:shade val="50000"/>
-            </a:schemeClr>
-          </a:lnRef>
-          <a:fillRef idx="1">
-            <a:schemeClr val="accent1"/>
-          </a:fillRef>
-          <a:effectRef idx="0">
-            <a:schemeClr val="accent1"/>
-          </a:effectRef>
-          <a:fontRef idx="minor">
-            <a:schemeClr val="lt1"/>
-          </a:fontRef>
-        </p:style>
-        <p:txBody>
-          <a:bodyPr rtlCol="0" anchor="ctr"/>
-          <a:lstStyle/>
-          <a:p>
-            <a:pPr algn="ctr"/>
-            <a:endParaRPr lang="en-GB" dirty="0"/>
-          </a:p>
-        </p:txBody>
-      </p:sp>
-      <p:sp>
-        <p:nvSpPr>
-          <p:cNvPr id="37" name="Star: 5 Points 14">
-            <a:extLst>
-              <a:ext uri="{FF2B5EF4-FFF2-40B4-BE49-F238E27FC236}">
-                <a16:creationId xmlns:a16="http://schemas.microsoft.com/office/drawing/2014/main" id="{F66C0A52-796A-4EDB-9055-D0AFB215A02B}"/>
-              </a:ext>
-            </a:extLst>
-          </p:cNvPr>
-          <p:cNvSpPr/>
-          <p:nvPr/>
-        </p:nvSpPr>
-        <p:spPr>
-          <a:xfrm>
-            <a:off x="1942606" y="2755061"/>
-            <a:ext cx="219075" cy="209550"/>
-          </a:xfrm>
-          <a:prstGeom prst="star5">
-            <a:avLst/>
-          </a:prstGeom>
-          <a:solidFill>
-            <a:srgbClr val="FF0000"/>
-          </a:solidFill>
-          <a:ln>
-            <a:solidFill>
-              <a:schemeClr val="tx1"/>
-            </a:solidFill>
-          </a:ln>
-        </p:spPr>
-        <p:style>
-          <a:lnRef idx="2">
-            <a:schemeClr val="accent1">
-              <a:shade val="50000"/>
-            </a:schemeClr>
-          </a:lnRef>
-          <a:fillRef idx="1">
-            <a:schemeClr val="accent1"/>
-          </a:fillRef>
-          <a:effectRef idx="0">
-            <a:schemeClr val="accent1"/>
-          </a:effectRef>
-          <a:fontRef idx="minor">
-            <a:schemeClr val="lt1"/>
-          </a:fontRef>
-        </p:style>
-        <p:txBody>
-          <a:bodyPr rtlCol="0" anchor="ctr"/>
-          <a:lstStyle/>
-          <a:p>
-            <a:pPr algn="ctr"/>
-            <a:endParaRPr lang="en-GB"/>
-          </a:p>
-        </p:txBody>
-      </p:sp>
-      <p:sp>
-        <p:nvSpPr>
-          <p:cNvPr id="38" name="Star: 5 Points 14">
-            <a:extLst>
-              <a:ext uri="{FF2B5EF4-FFF2-40B4-BE49-F238E27FC236}">
-                <a16:creationId xmlns:a16="http://schemas.microsoft.com/office/drawing/2014/main" id="{89164F69-DD69-48F8-B265-680C859EA1EB}"/>
-              </a:ext>
-            </a:extLst>
-          </p:cNvPr>
-          <p:cNvSpPr/>
-          <p:nvPr/>
-        </p:nvSpPr>
-        <p:spPr>
-          <a:xfrm>
-            <a:off x="1942606" y="3682852"/>
-            <a:ext cx="219075" cy="209550"/>
-          </a:xfrm>
-          <a:prstGeom prst="star5">
-            <a:avLst/>
-          </a:prstGeom>
-          <a:solidFill>
-            <a:srgbClr val="FF0000"/>
-          </a:solidFill>
-          <a:ln>
-            <a:solidFill>
-              <a:schemeClr val="tx1"/>
-            </a:solidFill>
-          </a:ln>
-        </p:spPr>
-        <p:style>
-          <a:lnRef idx="2">
-            <a:schemeClr val="accent1">
-              <a:shade val="50000"/>
-            </a:schemeClr>
-          </a:lnRef>
-          <a:fillRef idx="1">
-            <a:schemeClr val="accent1"/>
-          </a:fillRef>
-          <a:effectRef idx="0">
-            <a:schemeClr val="accent1"/>
-          </a:effectRef>
-          <a:fontRef idx="minor">
-            <a:schemeClr val="lt1"/>
-          </a:fontRef>
-        </p:style>
-        <p:txBody>
-          <a:bodyPr rtlCol="0" anchor="ctr"/>
-          <a:lstStyle/>
-          <a:p>
-            <a:pPr algn="ctr"/>
-            <a:endParaRPr lang="en-GB"/>
-          </a:p>
-        </p:txBody>
-      </p:sp>
-      <p:sp>
-        <p:nvSpPr>
-          <p:cNvPr id="39" name="文本框 38">
-            <a:extLst>
-              <a:ext uri="{FF2B5EF4-FFF2-40B4-BE49-F238E27FC236}">
-                <a16:creationId xmlns:a16="http://schemas.microsoft.com/office/drawing/2014/main" id="{17AD6458-C234-47D8-82AB-BF96AC09EA44}"/>
-              </a:ext>
-            </a:extLst>
-          </p:cNvPr>
-          <p:cNvSpPr txBox="1"/>
-          <p:nvPr/>
-        </p:nvSpPr>
-        <p:spPr>
-          <a:xfrm>
-            <a:off x="1109349" y="1803808"/>
-            <a:ext cx="2070340" cy="369332"/>
-          </a:xfrm>
-          <a:prstGeom prst="rect">
-            <a:avLst/>
-          </a:prstGeom>
-          <a:noFill/>
-        </p:spPr>
-        <p:txBody>
-          <a:bodyPr wrap="square" rtlCol="0">
-            <a:spAutoFit/>
-          </a:bodyPr>
-          <a:lstStyle/>
-          <a:p>
-            <a:r>
-              <a:rPr lang="en-US" altLang="zh-CN" dirty="0">
-                <a:solidFill>
-                  <a:srgbClr val="FF0000"/>
-                </a:solidFill>
-              </a:rPr>
-              <a:t>D2D links</a:t>
-            </a:r>
-            <a:endParaRPr lang="zh-CN" altLang="en-US" dirty="0">
-              <a:solidFill>
-                <a:srgbClr val="FF0000"/>
-              </a:solidFill>
-            </a:endParaRPr>
-          </a:p>
-        </p:txBody>
-      </p:sp>
-    </p:spTree>
-    <p:extLst>
-      <p:ext uri="{BB962C8B-B14F-4D97-AF65-F5344CB8AC3E}">
-        <p14:creationId xmlns:p14="http://schemas.microsoft.com/office/powerpoint/2010/main" val="2466224284"/>
-      </p:ext>
-    </p:extLst>
-  </p:cSld>
-  <p:clrMapOvr>
-    <a:masterClrMapping/>
-  </p:clrMapOvr>
-</p:sld>
-</file>
-
-<file path=ppt/slides/slide14.xml><?xml version="1.0" encoding="utf-8"?>
+<file path=ppt/slides/slide12.xml><?xml version="1.0" encoding="utf-8"?>
 <p:sld xmlns:a="http://schemas.openxmlformats.org/drawingml/2006/main" xmlns:r="http://schemas.openxmlformats.org/officeDocument/2006/relationships" xmlns:p="http://schemas.openxmlformats.org/presentationml/2006/main">
   <p:cSld>
     <p:bg>
@@ -5266,8 +5202,8 @@
         </p:blipFill>
         <p:spPr>
           <a:xfrm>
-            <a:off x="3552375" y="1225296"/>
-            <a:ext cx="9014529" cy="5093207"/>
+            <a:off x="3605274" y="1313544"/>
+            <a:ext cx="8373885" cy="4731243"/>
           </a:xfrm>
           <a:prstGeom prst="rect">
             <a:avLst/>
@@ -5287,7 +5223,7 @@
 </p:sld>
 </file>
 
-<file path=ppt/slides/slide15.xml><?xml version="1.0" encoding="utf-8"?>
+<file path=ppt/slides/slide13.xml><?xml version="1.0" encoding="utf-8"?>
 <p:sld xmlns:a="http://schemas.openxmlformats.org/drawingml/2006/main" xmlns:r="http://schemas.openxmlformats.org/officeDocument/2006/relationships" xmlns:p="http://schemas.openxmlformats.org/presentationml/2006/main">
   <p:cSld>
     <p:spTree>
@@ -5327,7 +5263,7 @@
           <a:p>
             <a:r>
               <a:rPr lang="en-US" altLang="zh-CN" dirty="0"/>
-              <a:t>Throughput and Power splitting ratio requirement</a:t>
+              <a:t>Throughput and Power splitting ratio requirement [1]</a:t>
             </a:r>
             <a:endParaRPr lang="zh-CN" altLang="en-US" dirty="0"/>
           </a:p>
@@ -6003,7 +5939,7 @@
 </p:sld>
 </file>
 
-<file path=ppt/slides/slide16.xml><?xml version="1.0" encoding="utf-8"?>
+<file path=ppt/slides/slide14.xml><?xml version="1.0" encoding="utf-8"?>
 <p:sld xmlns:a="http://schemas.openxmlformats.org/drawingml/2006/main" xmlns:r="http://schemas.openxmlformats.org/officeDocument/2006/relationships" xmlns:p="http://schemas.openxmlformats.org/presentationml/2006/main">
   <p:cSld>
     <p:spTree>
@@ -6308,7 +6244,7 @@
 </p:sld>
 </file>
 
-<file path=ppt/slides/slide17.xml><?xml version="1.0" encoding="utf-8"?>
+<file path=ppt/slides/slide15.xml><?xml version="1.0" encoding="utf-8"?>
 <p:sld xmlns:a="http://schemas.openxmlformats.org/drawingml/2006/main" xmlns:r="http://schemas.openxmlformats.org/officeDocument/2006/relationships" xmlns:p="http://schemas.openxmlformats.org/presentationml/2006/main">
   <p:cSld>
     <p:bg>
@@ -6686,7 +6622,7 @@
 </p:sld>
 </file>
 
-<file path=ppt/slides/slide18.xml><?xml version="1.0" encoding="utf-8"?>
+<file path=ppt/slides/slide16.xml><?xml version="1.0" encoding="utf-8"?>
 <p:sld xmlns:a="http://schemas.openxmlformats.org/drawingml/2006/main" xmlns:r="http://schemas.openxmlformats.org/officeDocument/2006/relationships" xmlns:p="http://schemas.openxmlformats.org/presentationml/2006/main">
   <p:cSld>
     <p:bg>
@@ -6881,7 +6817,7 @@
 </p:sld>
 </file>
 
-<file path=ppt/slides/slide19.xml><?xml version="1.0" encoding="utf-8"?>
+<file path=ppt/slides/slide17.xml><?xml version="1.0" encoding="utf-8"?>
 <p:sld xmlns:a="http://schemas.openxmlformats.org/drawingml/2006/main" xmlns:r="http://schemas.openxmlformats.org/officeDocument/2006/relationships" xmlns:p="http://schemas.openxmlformats.org/presentationml/2006/main">
   <p:cSld>
     <p:spTree>
@@ -8061,113 +7997,7 @@
 </p:sld>
 </file>
 
-<file path=ppt/slides/slide2.xml><?xml version="1.0" encoding="utf-8"?>
-<p:sld xmlns:a="http://schemas.openxmlformats.org/drawingml/2006/main" xmlns:r="http://schemas.openxmlformats.org/officeDocument/2006/relationships" xmlns:p="http://schemas.openxmlformats.org/presentationml/2006/main">
-  <p:cSld>
-    <p:spTree>
-      <p:nvGrpSpPr>
-        <p:cNvPr id="1" name=""/>
-        <p:cNvGrpSpPr/>
-        <p:nvPr/>
-      </p:nvGrpSpPr>
-      <p:grpSpPr>
-        <a:xfrm>
-          <a:off x="0" y="0"/>
-          <a:ext cx="0" cy="0"/>
-          <a:chOff x="0" y="0"/>
-          <a:chExt cx="0" cy="0"/>
-        </a:xfrm>
-      </p:grpSpPr>
-      <p:pic>
-        <p:nvPicPr>
-          <p:cNvPr id="12" name="图片 11" descr="图示&#10;&#10;描述已自动生成">
-            <a:extLst>
-              <a:ext uri="{FF2B5EF4-FFF2-40B4-BE49-F238E27FC236}">
-                <a16:creationId xmlns:a16="http://schemas.microsoft.com/office/drawing/2014/main" id="{24563928-EF61-489E-9D23-17287B76575E}"/>
-              </a:ext>
-            </a:extLst>
-          </p:cNvPr>
-          <p:cNvPicPr>
-            <a:picLocks noChangeAspect="1"/>
-          </p:cNvPicPr>
-          <p:nvPr/>
-        </p:nvPicPr>
-        <p:blipFill>
-          <a:blip r:embed="rId2">
-            <a:extLst>
-              <a:ext uri="{28A0092B-C50C-407E-A947-70E740481C1C}">
-                <a14:useLocalDpi xmlns:a14="http://schemas.microsoft.com/office/drawing/2010/main" val="0"/>
-              </a:ext>
-              <a:ext uri="{837473B0-CC2E-450A-ABE3-18F120FF3D39}">
-                <a1611:picAttrSrcUrl xmlns:a1611="http://schemas.microsoft.com/office/drawing/2016/11/main" r:id="rId3"/>
-              </a:ext>
-            </a:extLst>
-          </a:blip>
-          <a:stretch>
-            <a:fillRect/>
-          </a:stretch>
-        </p:blipFill>
-        <p:spPr>
-          <a:xfrm>
-            <a:off x="2221301" y="775727"/>
-            <a:ext cx="7749396" cy="5343854"/>
-          </a:xfrm>
-          <a:prstGeom prst="rect">
-            <a:avLst/>
-          </a:prstGeom>
-        </p:spPr>
-      </p:pic>
-      <p:sp>
-        <p:nvSpPr>
-          <p:cNvPr id="13" name="文本框 12">
-            <a:extLst>
-              <a:ext uri="{FF2B5EF4-FFF2-40B4-BE49-F238E27FC236}">
-                <a16:creationId xmlns:a16="http://schemas.microsoft.com/office/drawing/2014/main" id="{217D23E5-B25C-4C59-B266-2BB4E4B757EF}"/>
-              </a:ext>
-            </a:extLst>
-          </p:cNvPr>
-          <p:cNvSpPr txBox="1"/>
-          <p:nvPr/>
-        </p:nvSpPr>
-        <p:spPr>
-          <a:xfrm>
-            <a:off x="2805022" y="129396"/>
-            <a:ext cx="6581955" cy="646331"/>
-          </a:xfrm>
-          <a:prstGeom prst="rect">
-            <a:avLst/>
-          </a:prstGeom>
-          <a:noFill/>
-        </p:spPr>
-        <p:txBody>
-          <a:bodyPr wrap="square" rtlCol="0">
-            <a:spAutoFit/>
-          </a:bodyPr>
-          <a:lstStyle/>
-          <a:p>
-            <a:pPr algn="ctr"/>
-            <a:r>
-              <a:rPr lang="en-US" altLang="zh-CN" sz="3600" b="1" dirty="0"/>
-              <a:t>IOT</a:t>
-            </a:r>
-            <a:endParaRPr lang="zh-CN" altLang="en-US" sz="3600" b="1" dirty="0"/>
-          </a:p>
-        </p:txBody>
-      </p:sp>
-    </p:spTree>
-    <p:extLst>
-      <p:ext uri="{BB962C8B-B14F-4D97-AF65-F5344CB8AC3E}">
-        <p14:creationId xmlns:p14="http://schemas.microsoft.com/office/powerpoint/2010/main" val="3172929436"/>
-      </p:ext>
-    </p:extLst>
-  </p:cSld>
-  <p:clrMapOvr>
-    <a:masterClrMapping/>
-  </p:clrMapOvr>
-</p:sld>
-</file>
-
-<file path=ppt/slides/slide20.xml><?xml version="1.0" encoding="utf-8"?>
+<file path=ppt/slides/slide18.xml><?xml version="1.0" encoding="utf-8"?>
 <p:sld xmlns:a="http://schemas.openxmlformats.org/drawingml/2006/main" xmlns:r="http://schemas.openxmlformats.org/officeDocument/2006/relationships" xmlns:p="http://schemas.openxmlformats.org/presentationml/2006/main">
   <p:cSld>
     <p:spTree>
@@ -8212,7 +8042,7 @@
           <a:p>
             <a:r>
               <a:rPr lang="en-US" altLang="zh-CN" dirty="0"/>
-              <a:t>EE definition</a:t>
+              <a:t>EE definition [2]</a:t>
             </a:r>
             <a:endParaRPr lang="zh-CN" altLang="en-US" dirty="0"/>
           </a:p>
@@ -9783,7 +9613,7 @@
 </p:sld>
 </file>
 
-<file path=ppt/slides/slide21.xml><?xml version="1.0" encoding="utf-8"?>
+<file path=ppt/slides/slide19.xml><?xml version="1.0" encoding="utf-8"?>
 <p:sld xmlns:a="http://schemas.openxmlformats.org/drawingml/2006/main" xmlns:r="http://schemas.openxmlformats.org/officeDocument/2006/relationships" xmlns:p="http://schemas.openxmlformats.org/presentationml/2006/main">
   <p:cSld>
     <p:spTree>
@@ -9825,11 +9655,18 @@
           <a:p>
             <a:r>
               <a:rPr lang="en-GB" altLang="zh-CN" sz="2000" dirty="0">
+                <a:latin typeface="Times New Roman" panose="02020603050405020304" pitchFamily="18" charset="0"/>
+                <a:ea typeface="SimSun" panose="02010600030101010101" pitchFamily="2" charset="-122"/>
+              </a:rPr>
+              <a:t>F</a:t>
+            </a:r>
+            <a:r>
+              <a:rPr lang="en-GB" altLang="zh-CN" sz="2000" dirty="0">
                 <a:effectLst/>
                 <a:latin typeface="Times New Roman" panose="02020603050405020304" pitchFamily="18" charset="0"/>
                 <a:ea typeface="SimSun" panose="02010600030101010101" pitchFamily="2" charset="-122"/>
               </a:rPr>
-              <a:t>Formulation of each D2D link’s EE maximization problem</a:t>
+              <a:t>ormulation of each D2D link’s EE maximization problem [3]</a:t>
             </a:r>
             <a:endParaRPr lang="zh-CN" altLang="en-US" sz="2000" dirty="0"/>
           </a:p>
@@ -11444,7 +11281,113 @@
 </p:sld>
 </file>
 
-<file path=ppt/slides/slide22.xml><?xml version="1.0" encoding="utf-8"?>
+<file path=ppt/slides/slide2.xml><?xml version="1.0" encoding="utf-8"?>
+<p:sld xmlns:a="http://schemas.openxmlformats.org/drawingml/2006/main" xmlns:r="http://schemas.openxmlformats.org/officeDocument/2006/relationships" xmlns:p="http://schemas.openxmlformats.org/presentationml/2006/main">
+  <p:cSld>
+    <p:spTree>
+      <p:nvGrpSpPr>
+        <p:cNvPr id="1" name=""/>
+        <p:cNvGrpSpPr/>
+        <p:nvPr/>
+      </p:nvGrpSpPr>
+      <p:grpSpPr>
+        <a:xfrm>
+          <a:off x="0" y="0"/>
+          <a:ext cx="0" cy="0"/>
+          <a:chOff x="0" y="0"/>
+          <a:chExt cx="0" cy="0"/>
+        </a:xfrm>
+      </p:grpSpPr>
+      <p:pic>
+        <p:nvPicPr>
+          <p:cNvPr id="12" name="图片 11" descr="图示&#10;&#10;描述已自动生成">
+            <a:extLst>
+              <a:ext uri="{FF2B5EF4-FFF2-40B4-BE49-F238E27FC236}">
+                <a16:creationId xmlns:a16="http://schemas.microsoft.com/office/drawing/2014/main" id="{24563928-EF61-489E-9D23-17287B76575E}"/>
+              </a:ext>
+            </a:extLst>
+          </p:cNvPr>
+          <p:cNvPicPr>
+            <a:picLocks noChangeAspect="1"/>
+          </p:cNvPicPr>
+          <p:nvPr/>
+        </p:nvPicPr>
+        <p:blipFill>
+          <a:blip r:embed="rId2">
+            <a:extLst>
+              <a:ext uri="{28A0092B-C50C-407E-A947-70E740481C1C}">
+                <a14:useLocalDpi xmlns:a14="http://schemas.microsoft.com/office/drawing/2010/main" val="0"/>
+              </a:ext>
+              <a:ext uri="{837473B0-CC2E-450A-ABE3-18F120FF3D39}">
+                <a1611:picAttrSrcUrl xmlns:a1611="http://schemas.microsoft.com/office/drawing/2016/11/main" r:id="rId3"/>
+              </a:ext>
+            </a:extLst>
+          </a:blip>
+          <a:stretch>
+            <a:fillRect/>
+          </a:stretch>
+        </p:blipFill>
+        <p:spPr>
+          <a:xfrm>
+            <a:off x="2480094" y="879244"/>
+            <a:ext cx="6810556" cy="4696446"/>
+          </a:xfrm>
+          <a:prstGeom prst="rect">
+            <a:avLst/>
+          </a:prstGeom>
+        </p:spPr>
+      </p:pic>
+      <p:sp>
+        <p:nvSpPr>
+          <p:cNvPr id="13" name="文本框 12">
+            <a:extLst>
+              <a:ext uri="{FF2B5EF4-FFF2-40B4-BE49-F238E27FC236}">
+                <a16:creationId xmlns:a16="http://schemas.microsoft.com/office/drawing/2014/main" id="{217D23E5-B25C-4C59-B266-2BB4E4B757EF}"/>
+              </a:ext>
+            </a:extLst>
+          </p:cNvPr>
+          <p:cNvSpPr txBox="1"/>
+          <p:nvPr/>
+        </p:nvSpPr>
+        <p:spPr>
+          <a:xfrm>
+            <a:off x="2805022" y="129396"/>
+            <a:ext cx="6581955" cy="646331"/>
+          </a:xfrm>
+          <a:prstGeom prst="rect">
+            <a:avLst/>
+          </a:prstGeom>
+          <a:noFill/>
+        </p:spPr>
+        <p:txBody>
+          <a:bodyPr wrap="square" rtlCol="0">
+            <a:spAutoFit/>
+          </a:bodyPr>
+          <a:lstStyle/>
+          <a:p>
+            <a:pPr algn="ctr"/>
+            <a:r>
+              <a:rPr lang="en-US" altLang="zh-CN" sz="3600" b="1" dirty="0"/>
+              <a:t>IOT</a:t>
+            </a:r>
+            <a:endParaRPr lang="zh-CN" altLang="en-US" sz="3600" b="1" dirty="0"/>
+          </a:p>
+        </p:txBody>
+      </p:sp>
+    </p:spTree>
+    <p:extLst>
+      <p:ext uri="{BB962C8B-B14F-4D97-AF65-F5344CB8AC3E}">
+        <p14:creationId xmlns:p14="http://schemas.microsoft.com/office/powerpoint/2010/main" val="3172929436"/>
+      </p:ext>
+    </p:extLst>
+  </p:cSld>
+  <p:clrMapOvr>
+    <a:masterClrMapping/>
+  </p:clrMapOvr>
+</p:sld>
+</file>
+
+<file path=ppt/slides/slide20.xml><?xml version="1.0" encoding="utf-8"?>
 <p:sld xmlns:a="http://schemas.openxmlformats.org/drawingml/2006/main" xmlns:r="http://schemas.openxmlformats.org/officeDocument/2006/relationships" xmlns:p="http://schemas.openxmlformats.org/presentationml/2006/main">
   <p:cSld>
     <p:spTree>
@@ -11491,6 +11434,13 @@
                 <a:ea typeface="SimSun" panose="02010600030101010101" pitchFamily="2" charset="-122"/>
               </a:rPr>
               <a:t>Lagrange function and Lagrange multipliers </a:t>
+            </a:r>
+            <a:r>
+              <a:rPr lang="en-GB" altLang="zh-CN" sz="2400" dirty="0">
+                <a:latin typeface="Times New Roman" panose="02020603050405020304" pitchFamily="18" charset="0"/>
+                <a:ea typeface="SimSun" panose="02010600030101010101" pitchFamily="2" charset="-122"/>
+              </a:rPr>
+              <a:t>[1]</a:t>
             </a:r>
             <a:endParaRPr lang="zh-CN" altLang="en-US" sz="2400" dirty="0"/>
           </a:p>
@@ -13732,7 +13682,7 @@
 </p:sld>
 </file>
 
-<file path=ppt/slides/slide23.xml><?xml version="1.0" encoding="utf-8"?>
+<file path=ppt/slides/slide21.xml><?xml version="1.0" encoding="utf-8"?>
 <p:sld xmlns:a="http://schemas.openxmlformats.org/drawingml/2006/main" xmlns:r="http://schemas.openxmlformats.org/officeDocument/2006/relationships" xmlns:p="http://schemas.openxmlformats.org/presentationml/2006/main">
   <p:cSld>
     <p:bg>
@@ -13959,8 +13909,8 @@
         </p:blipFill>
         <p:spPr>
           <a:xfrm>
-            <a:off x="6308056" y="139137"/>
-            <a:ext cx="2714136" cy="6579726"/>
+            <a:off x="6299430" y="232745"/>
+            <a:ext cx="2819166" cy="6579726"/>
           </a:xfrm>
           <a:prstGeom prst="rect">
             <a:avLst/>
@@ -13980,7 +13930,7 @@
 </p:sld>
 </file>
 
-<file path=ppt/slides/slide24.xml><?xml version="1.0" encoding="utf-8"?>
+<file path=ppt/slides/slide22.xml><?xml version="1.0" encoding="utf-8"?>
 <p:sld xmlns:a="http://schemas.openxmlformats.org/drawingml/2006/main" xmlns:r="http://schemas.openxmlformats.org/officeDocument/2006/relationships" xmlns:p="http://schemas.openxmlformats.org/presentationml/2006/main">
   <p:cSld>
     <p:spTree>
@@ -16059,7 +16009,7 @@
 </p:sld>
 </file>
 
-<file path=ppt/slides/slide25.xml><?xml version="1.0" encoding="utf-8"?>
+<file path=ppt/slides/slide23.xml><?xml version="1.0" encoding="utf-8"?>
 <p:sld xmlns:a="http://schemas.openxmlformats.org/drawingml/2006/main" xmlns:r="http://schemas.openxmlformats.org/officeDocument/2006/relationships" xmlns:p="http://schemas.openxmlformats.org/presentationml/2006/main">
   <p:cSld>
     <p:spTree>
@@ -16804,7 +16754,7 @@
 </p:sld>
 </file>
 
-<file path=ppt/slides/slide26.xml><?xml version="1.0" encoding="utf-8"?>
+<file path=ppt/slides/slide24.xml><?xml version="1.0" encoding="utf-8"?>
 <p:sld xmlns:a="http://schemas.openxmlformats.org/drawingml/2006/main" xmlns:r="http://schemas.openxmlformats.org/officeDocument/2006/relationships" xmlns:p="http://schemas.openxmlformats.org/presentationml/2006/main">
   <p:cSld>
     <p:bg>
@@ -17039,6 +16989,42 @@
           </a:prstGeom>
         </p:spPr>
       </p:pic>
+      <p:sp>
+        <p:nvSpPr>
+          <p:cNvPr id="6" name="文本框 5">
+            <a:extLst>
+              <a:ext uri="{FF2B5EF4-FFF2-40B4-BE49-F238E27FC236}">
+                <a16:creationId xmlns:a16="http://schemas.microsoft.com/office/drawing/2014/main" id="{F3D26A67-EA70-AD1B-0241-CA7DB1AC2379}"/>
+              </a:ext>
+            </a:extLst>
+          </p:cNvPr>
+          <p:cNvSpPr txBox="1"/>
+          <p:nvPr/>
+        </p:nvSpPr>
+        <p:spPr>
+          <a:xfrm>
+            <a:off x="5430507" y="98140"/>
+            <a:ext cx="6094562" cy="369332"/>
+          </a:xfrm>
+          <a:prstGeom prst="rect">
+            <a:avLst/>
+          </a:prstGeom>
+          <a:noFill/>
+        </p:spPr>
+        <p:txBody>
+          <a:bodyPr wrap="square">
+            <a:spAutoFit/>
+          </a:bodyPr>
+          <a:lstStyle/>
+          <a:p>
+            <a:r>
+              <a:rPr lang="en-US" altLang="zh-CN" b="1" dirty="0"/>
+              <a:t>ALGORITHM 3: OUTER LOOP ALGORITHM</a:t>
+            </a:r>
+            <a:endParaRPr lang="zh-CN" altLang="en-US" b="1" dirty="0"/>
+          </a:p>
+        </p:txBody>
+      </p:sp>
     </p:spTree>
     <p:extLst>
       <p:ext uri="{BB962C8B-B14F-4D97-AF65-F5344CB8AC3E}">
@@ -17052,7 +17038,7 @@
 </p:sld>
 </file>
 
-<file path=ppt/slides/slide27.xml><?xml version="1.0" encoding="utf-8"?>
+<file path=ppt/slides/slide25.xml><?xml version="1.0" encoding="utf-8"?>
 <p:sld xmlns:a="http://schemas.openxmlformats.org/drawingml/2006/main" xmlns:r="http://schemas.openxmlformats.org/officeDocument/2006/relationships" xmlns:p="http://schemas.openxmlformats.org/presentationml/2006/main">
   <p:cSld>
     <p:spTree>
@@ -18421,7 +18407,7 @@
 </p:sld>
 </file>
 
-<file path=ppt/slides/slide28.xml><?xml version="1.0" encoding="utf-8"?>
+<file path=ppt/slides/slide26.xml><?xml version="1.0" encoding="utf-8"?>
 <p:sld xmlns:a="http://schemas.openxmlformats.org/drawingml/2006/main" xmlns:r="http://schemas.openxmlformats.org/officeDocument/2006/relationships" xmlns:p="http://schemas.openxmlformats.org/presentationml/2006/main">
   <p:cSld>
     <p:spTree>
@@ -18551,7 +18537,7 @@
         </p:blipFill>
         <p:spPr>
           <a:xfrm>
-            <a:off x="7770020" y="3257549"/>
+            <a:off x="7889082" y="3429000"/>
             <a:ext cx="1833563" cy="2272229"/>
           </a:xfrm>
           <a:prstGeom prst="rect">
@@ -18573,7 +18559,7 @@
         </p:nvSpPr>
         <p:spPr>
           <a:xfrm>
-            <a:off x="2588417" y="2038349"/>
+            <a:off x="2446640" y="2321825"/>
             <a:ext cx="2702724" cy="1514475"/>
           </a:xfrm>
           <a:prstGeom prst="wedgeEllipseCallout">
@@ -18625,7 +18611,7 @@
         </p:nvSpPr>
         <p:spPr>
           <a:xfrm>
-            <a:off x="9043988" y="2038349"/>
+            <a:off x="9182010" y="2330735"/>
             <a:ext cx="2943224" cy="1514475"/>
           </a:xfrm>
           <a:prstGeom prst="wedgeEllipseCallout">
@@ -19309,7 +19295,7 @@
 </p:sld>
 </file>
 
-<file path=ppt/slides/slide29.xml><?xml version="1.0" encoding="utf-8"?>
+<file path=ppt/slides/slide27.xml><?xml version="1.0" encoding="utf-8"?>
 <p:sld xmlns:a="http://schemas.openxmlformats.org/drawingml/2006/main" xmlns:r="http://schemas.openxmlformats.org/officeDocument/2006/relationships" xmlns:p="http://schemas.openxmlformats.org/presentationml/2006/main">
   <p:cSld>
     <p:spTree>
@@ -19349,7 +19335,7 @@
           <a:p>
             <a:r>
               <a:rPr lang="en-US" altLang="zh-CN" dirty="0"/>
-              <a:t>Interference power</a:t>
+              <a:t>Interference power [1]</a:t>
             </a:r>
             <a:endParaRPr lang="zh-CN" altLang="en-US" dirty="0"/>
           </a:p>
@@ -19573,134 +19559,7 @@
 </p:sld>
 </file>
 
-<file path=ppt/slides/slide3.xml><?xml version="1.0" encoding="utf-8"?>
-<p:sld xmlns:a="http://schemas.openxmlformats.org/drawingml/2006/main" xmlns:r="http://schemas.openxmlformats.org/officeDocument/2006/relationships" xmlns:p="http://schemas.openxmlformats.org/presentationml/2006/main">
-  <p:cSld>
-    <p:spTree>
-      <p:nvGrpSpPr>
-        <p:cNvPr id="1" name=""/>
-        <p:cNvGrpSpPr/>
-        <p:nvPr/>
-      </p:nvGrpSpPr>
-      <p:grpSpPr>
-        <a:xfrm>
-          <a:off x="0" y="0"/>
-          <a:ext cx="0" cy="0"/>
-          <a:chOff x="0" y="0"/>
-          <a:chExt cx="0" cy="0"/>
-        </a:xfrm>
-      </p:grpSpPr>
-      <p:sp>
-        <p:nvSpPr>
-          <p:cNvPr id="2" name="标题 1">
-            <a:extLst>
-              <a:ext uri="{FF2B5EF4-FFF2-40B4-BE49-F238E27FC236}">
-                <a16:creationId xmlns:a16="http://schemas.microsoft.com/office/drawing/2014/main" id="{F5FEFAC0-5B22-4E4A-8C05-DA2C90B334E5}"/>
-              </a:ext>
-            </a:extLst>
-          </p:cNvPr>
-          <p:cNvSpPr>
-            <a:spLocks noGrp="1"/>
-          </p:cNvSpPr>
-          <p:nvPr>
-            <p:ph type="title"/>
-          </p:nvPr>
-        </p:nvSpPr>
-        <p:spPr>
-          <a:xfrm>
-            <a:off x="717430" y="365125"/>
-            <a:ext cx="10515600" cy="1325563"/>
-          </a:xfrm>
-        </p:spPr>
-        <p:txBody>
-          <a:bodyPr>
-            <a:normAutofit/>
-          </a:bodyPr>
-          <a:lstStyle/>
-          <a:p>
-            <a:pPr algn="ctr"/>
-            <a:r>
-              <a:rPr lang="en-US" altLang="zh-CN" sz="4000" b="1" dirty="0"/>
-              <a:t>Benefit from IOT</a:t>
-            </a:r>
-            <a:endParaRPr lang="zh-CN" altLang="en-US" sz="4000" b="1" dirty="0"/>
-          </a:p>
-        </p:txBody>
-      </p:sp>
-      <p:sp>
-        <p:nvSpPr>
-          <p:cNvPr id="3" name="内容占位符 2">
-            <a:extLst>
-              <a:ext uri="{FF2B5EF4-FFF2-40B4-BE49-F238E27FC236}">
-                <a16:creationId xmlns:a16="http://schemas.microsoft.com/office/drawing/2014/main" id="{7EAF623E-26B8-468B-ACFB-39DC606BB3F3}"/>
-              </a:ext>
-            </a:extLst>
-          </p:cNvPr>
-          <p:cNvSpPr>
-            <a:spLocks noGrp="1"/>
-          </p:cNvSpPr>
-          <p:nvPr>
-            <p:ph idx="1"/>
-          </p:nvPr>
-        </p:nvSpPr>
-        <p:spPr>
-          <a:xfrm>
-            <a:off x="958970" y="1613050"/>
-            <a:ext cx="10515600" cy="4351338"/>
-          </a:xfrm>
-        </p:spPr>
-        <p:txBody>
-          <a:bodyPr/>
-          <a:lstStyle/>
-          <a:p>
-            <a:r>
-              <a:rPr lang="en-US" altLang="zh-CN" sz="3200" dirty="0">
-                <a:latin typeface="Source Sans Pro" panose="020B0604020202020204" pitchFamily="34" charset="0"/>
-              </a:rPr>
-              <a:t>1. </a:t>
-            </a:r>
-            <a:r>
-              <a:rPr lang="en-GB" altLang="zh-CN" sz="3200" dirty="0">
-                <a:latin typeface="Source Sans Pro" panose="020B0604020202020204" pitchFamily="34" charset="0"/>
-              </a:rPr>
-              <a:t>Improved productivity of staff and reduced human labour</a:t>
-            </a:r>
-          </a:p>
-          <a:p>
-            <a:r>
-              <a:rPr lang="en-GB" altLang="zh-CN" sz="3200" dirty="0">
-                <a:latin typeface="Source Sans Pro" panose="020B0604020202020204" pitchFamily="34" charset="0"/>
-              </a:rPr>
-              <a:t>2.Better use of resources and assets</a:t>
-            </a:r>
-          </a:p>
-          <a:p>
-            <a:r>
-              <a:rPr lang="en-GB" altLang="zh-CN" sz="3200" dirty="0">
-                <a:latin typeface="Source Sans Pro" panose="020B0604020202020204" pitchFamily="34" charset="0"/>
-              </a:rPr>
-              <a:t>3.improved customer service and retention</a:t>
-            </a:r>
-          </a:p>
-          <a:p>
-            <a:endParaRPr lang="zh-CN" altLang="en-US" dirty="0"/>
-          </a:p>
-        </p:txBody>
-      </p:sp>
-    </p:spTree>
-    <p:extLst>
-      <p:ext uri="{BB962C8B-B14F-4D97-AF65-F5344CB8AC3E}">
-        <p14:creationId xmlns:p14="http://schemas.microsoft.com/office/powerpoint/2010/main" val="749682619"/>
-      </p:ext>
-    </p:extLst>
-  </p:cSld>
-  <p:clrMapOvr>
-    <a:masterClrMapping/>
-  </p:clrMapOvr>
-</p:sld>
-</file>
-
-<file path=ppt/slides/slide30.xml><?xml version="1.0" encoding="utf-8"?>
+<file path=ppt/slides/slide28.xml><?xml version="1.0" encoding="utf-8"?>
 <p:sld xmlns:a="http://schemas.openxmlformats.org/drawingml/2006/main" xmlns:r="http://schemas.openxmlformats.org/officeDocument/2006/relationships" xmlns:p="http://schemas.openxmlformats.org/presentationml/2006/main">
   <p:cSld>
     <p:bg>
@@ -20093,7 +19952,7 @@
 </p:sld>
 </file>
 
-<file path=ppt/slides/slide31.xml><?xml version="1.0" encoding="utf-8"?>
+<file path=ppt/slides/slide29.xml><?xml version="1.0" encoding="utf-8"?>
 <p:sld xmlns:a="http://schemas.openxmlformats.org/drawingml/2006/main" xmlns:r="http://schemas.openxmlformats.org/officeDocument/2006/relationships" xmlns:p="http://schemas.openxmlformats.org/presentationml/2006/main">
   <p:cSld>
     <p:spTree>
@@ -20729,7 +20588,134 @@
 </p:sld>
 </file>
 
-<file path=ppt/slides/slide32.xml><?xml version="1.0" encoding="utf-8"?>
+<file path=ppt/slides/slide3.xml><?xml version="1.0" encoding="utf-8"?>
+<p:sld xmlns:a="http://schemas.openxmlformats.org/drawingml/2006/main" xmlns:r="http://schemas.openxmlformats.org/officeDocument/2006/relationships" xmlns:p="http://schemas.openxmlformats.org/presentationml/2006/main">
+  <p:cSld>
+    <p:spTree>
+      <p:nvGrpSpPr>
+        <p:cNvPr id="1" name=""/>
+        <p:cNvGrpSpPr/>
+        <p:nvPr/>
+      </p:nvGrpSpPr>
+      <p:grpSpPr>
+        <a:xfrm>
+          <a:off x="0" y="0"/>
+          <a:ext cx="0" cy="0"/>
+          <a:chOff x="0" y="0"/>
+          <a:chExt cx="0" cy="0"/>
+        </a:xfrm>
+      </p:grpSpPr>
+      <p:sp>
+        <p:nvSpPr>
+          <p:cNvPr id="2" name="标题 1">
+            <a:extLst>
+              <a:ext uri="{FF2B5EF4-FFF2-40B4-BE49-F238E27FC236}">
+                <a16:creationId xmlns:a16="http://schemas.microsoft.com/office/drawing/2014/main" id="{F5FEFAC0-5B22-4E4A-8C05-DA2C90B334E5}"/>
+              </a:ext>
+            </a:extLst>
+          </p:cNvPr>
+          <p:cNvSpPr>
+            <a:spLocks noGrp="1"/>
+          </p:cNvSpPr>
+          <p:nvPr>
+            <p:ph type="title"/>
+          </p:nvPr>
+        </p:nvSpPr>
+        <p:spPr>
+          <a:xfrm>
+            <a:off x="717430" y="365125"/>
+            <a:ext cx="10515600" cy="1325563"/>
+          </a:xfrm>
+        </p:spPr>
+        <p:txBody>
+          <a:bodyPr>
+            <a:normAutofit/>
+          </a:bodyPr>
+          <a:lstStyle/>
+          <a:p>
+            <a:pPr algn="ctr"/>
+            <a:r>
+              <a:rPr lang="en-US" altLang="zh-CN" sz="4000" b="1" dirty="0"/>
+              <a:t>Benefit from IOT</a:t>
+            </a:r>
+            <a:endParaRPr lang="zh-CN" altLang="en-US" sz="4000" b="1" dirty="0"/>
+          </a:p>
+        </p:txBody>
+      </p:sp>
+      <p:sp>
+        <p:nvSpPr>
+          <p:cNvPr id="3" name="内容占位符 2">
+            <a:extLst>
+              <a:ext uri="{FF2B5EF4-FFF2-40B4-BE49-F238E27FC236}">
+                <a16:creationId xmlns:a16="http://schemas.microsoft.com/office/drawing/2014/main" id="{7EAF623E-26B8-468B-ACFB-39DC606BB3F3}"/>
+              </a:ext>
+            </a:extLst>
+          </p:cNvPr>
+          <p:cNvSpPr>
+            <a:spLocks noGrp="1"/>
+          </p:cNvSpPr>
+          <p:nvPr>
+            <p:ph idx="1"/>
+          </p:nvPr>
+        </p:nvSpPr>
+        <p:spPr>
+          <a:xfrm>
+            <a:off x="958970" y="1613050"/>
+            <a:ext cx="10515600" cy="4351338"/>
+          </a:xfrm>
+        </p:spPr>
+        <p:txBody>
+          <a:bodyPr/>
+          <a:lstStyle/>
+          <a:p>
+            <a:r>
+              <a:rPr lang="en-US" altLang="zh-CN" sz="3200" dirty="0">
+                <a:latin typeface="Source Sans Pro" panose="020B0604020202020204" pitchFamily="34" charset="0"/>
+              </a:rPr>
+              <a:t>1. </a:t>
+            </a:r>
+            <a:r>
+              <a:rPr lang="en-GB" altLang="zh-CN" sz="3200" dirty="0">
+                <a:latin typeface="Source Sans Pro" panose="020B0604020202020204" pitchFamily="34" charset="0"/>
+              </a:rPr>
+              <a:t>Improved productivity of staff and reduced human labour</a:t>
+            </a:r>
+          </a:p>
+          <a:p>
+            <a:r>
+              <a:rPr lang="en-GB" altLang="zh-CN" sz="3200" dirty="0">
+                <a:latin typeface="Source Sans Pro" panose="020B0604020202020204" pitchFamily="34" charset="0"/>
+              </a:rPr>
+              <a:t>2. Better use of resources and assets</a:t>
+            </a:r>
+          </a:p>
+          <a:p>
+            <a:r>
+              <a:rPr lang="en-GB" altLang="zh-CN" sz="3200" dirty="0">
+                <a:latin typeface="Source Sans Pro" panose="020B0604020202020204" pitchFamily="34" charset="0"/>
+              </a:rPr>
+              <a:t>3. improved customer service and retention</a:t>
+            </a:r>
+          </a:p>
+          <a:p>
+            <a:endParaRPr lang="zh-CN" altLang="en-US" dirty="0"/>
+          </a:p>
+        </p:txBody>
+      </p:sp>
+    </p:spTree>
+    <p:extLst>
+      <p:ext uri="{BB962C8B-B14F-4D97-AF65-F5344CB8AC3E}">
+        <p14:creationId xmlns:p14="http://schemas.microsoft.com/office/powerpoint/2010/main" val="749682619"/>
+      </p:ext>
+    </p:extLst>
+  </p:cSld>
+  <p:clrMapOvr>
+    <a:masterClrMapping/>
+  </p:clrMapOvr>
+</p:sld>
+</file>
+
+<file path=ppt/slides/slide30.xml><?xml version="1.0" encoding="utf-8"?>
 <p:sld xmlns:a="http://schemas.openxmlformats.org/drawingml/2006/main" xmlns:r="http://schemas.openxmlformats.org/officeDocument/2006/relationships" xmlns:p="http://schemas.openxmlformats.org/presentationml/2006/main">
   <p:cSld>
     <p:spTree>
@@ -20834,7 +20820,7 @@
         </p:nvSpPr>
         <p:spPr>
           <a:xfrm>
-            <a:off x="0" y="2941961"/>
+            <a:off x="-33577" y="2941961"/>
             <a:ext cx="3372374" cy="1657348"/>
           </a:xfrm>
           <a:prstGeom prst="rect">
@@ -21537,7 +21523,7 @@
 </p:sld>
 </file>
 
-<file path=ppt/slides/slide33.xml><?xml version="1.0" encoding="utf-8"?>
+<file path=ppt/slides/slide31.xml><?xml version="1.0" encoding="utf-8"?>
 <p:sld xmlns:a="http://schemas.openxmlformats.org/drawingml/2006/main" xmlns:r="http://schemas.openxmlformats.org/officeDocument/2006/relationships" xmlns:p="http://schemas.openxmlformats.org/presentationml/2006/main">
   <p:cSld>
     <p:bg>
@@ -21785,7 +21771,7 @@
 </p:sld>
 </file>
 
-<file path=ppt/slides/slide34.xml><?xml version="1.0" encoding="utf-8"?>
+<file path=ppt/slides/slide32.xml><?xml version="1.0" encoding="utf-8"?>
 <p:sld xmlns:a="http://schemas.openxmlformats.org/drawingml/2006/main" xmlns:r="http://schemas.openxmlformats.org/officeDocument/2006/relationships" xmlns:p="http://schemas.openxmlformats.org/presentationml/2006/main">
   <p:cSld>
     <p:spTree>
@@ -21860,7 +21846,7 @@
         </p:nvSpPr>
         <p:spPr>
           <a:xfrm>
-            <a:off x="0" y="2191021"/>
+            <a:off x="19050" y="2295334"/>
             <a:ext cx="2247900" cy="3019425"/>
           </a:xfrm>
           <a:prstGeom prst="rect">
@@ -22446,7 +22432,7 @@
 </p:sld>
 </file>
 
-<file path=ppt/slides/slide35.xml><?xml version="1.0" encoding="utf-8"?>
+<file path=ppt/slides/slide33.xml><?xml version="1.0" encoding="utf-8"?>
 <p:sld xmlns:a="http://schemas.openxmlformats.org/drawingml/2006/main" xmlns:r="http://schemas.openxmlformats.org/officeDocument/2006/relationships" xmlns:p="http://schemas.openxmlformats.org/presentationml/2006/main">
   <p:cSld>
     <p:spTree>
@@ -22511,8 +22497,8 @@
         </p:nvSpPr>
         <p:spPr>
           <a:xfrm>
-            <a:off x="2011162" y="1632807"/>
-            <a:ext cx="8961120" cy="2862322"/>
+            <a:off x="2036329" y="1632807"/>
+            <a:ext cx="8961120" cy="2558136"/>
           </a:xfrm>
           <a:prstGeom prst="rect">
             <a:avLst/>
@@ -22527,53 +22513,39 @@
           <a:p>
             <a:pPr marL="342900" indent="-342900">
               <a:lnSpc>
-                <a:spcPct val="150000"/>
+                <a:spcPct val="200000"/>
               </a:lnSpc>
               <a:buAutoNum type="arabicPeriod"/>
             </a:pPr>
             <a:r>
-              <a:rPr lang="en-US" altLang="zh-CN" dirty="0"/>
-              <a:t>Pre-Matching Failure Rate for different number of D2D links</a:t>
+              <a:rPr lang="en-GB" altLang="zh-CN" sz="2800" dirty="0"/>
+              <a:t>Pre-Matching Failure Rate (PFMR)</a:t>
             </a:r>
           </a:p>
           <a:p>
-            <a:pPr>
+            <a:pPr marL="342900" indent="-342900">
               <a:lnSpc>
-                <a:spcPct val="150000"/>
+                <a:spcPct val="200000"/>
               </a:lnSpc>
+              <a:buAutoNum type="arabicPeriod"/>
             </a:pPr>
             <a:r>
-              <a:rPr lang="en-US" altLang="zh-CN" dirty="0"/>
-              <a:t>2.   Pre-Matching Failure Rate for different number of D2D links with different threshold power limit</a:t>
+              <a:rPr lang="en-GB" altLang="zh-CN" sz="2800" dirty="0"/>
+              <a:t>Convergence of Inner Algorithm</a:t>
             </a:r>
           </a:p>
           <a:p>
-            <a:pPr>
+            <a:pPr marL="342900" indent="-342900">
               <a:lnSpc>
-                <a:spcPct val="150000"/>
+                <a:spcPct val="200000"/>
               </a:lnSpc>
+              <a:buAutoNum type="arabicPeriod"/>
             </a:pPr>
             <a:r>
-              <a:rPr lang="en-US" altLang="zh-CN" dirty="0"/>
-              <a:t>3.   Pre-Matching Failure Rate for different communication distance</a:t>
+              <a:rPr lang="en-GB" altLang="zh-CN" sz="2800" dirty="0"/>
+              <a:t>Sum EE under different circumstances</a:t>
             </a:r>
-          </a:p>
-          <a:p>
-            <a:pPr>
-              <a:lnSpc>
-                <a:spcPct val="150000"/>
-              </a:lnSpc>
-            </a:pPr>
-            <a:r>
-              <a:rPr lang="en-US" altLang="zh-CN" dirty="0"/>
-              <a:t>4.   Pre-Matching Failure Rate for different communication distance with different threshold power limit</a:t>
-            </a:r>
-          </a:p>
-          <a:p>
-            <a:pPr marL="342900" indent="-342900">
-              <a:buAutoNum type="arabicPeriod"/>
-            </a:pPr>
-            <a:endParaRPr lang="zh-CN" altLang="en-US" dirty="0"/>
+            <a:endParaRPr lang="zh-CN" altLang="en-US" sz="2800" dirty="0"/>
           </a:p>
         </p:txBody>
       </p:sp>
@@ -22590,7 +22562,7 @@
 </p:sld>
 </file>
 
-<file path=ppt/slides/slide36.xml><?xml version="1.0" encoding="utf-8"?>
+<file path=ppt/slides/slide34.xml><?xml version="1.0" encoding="utf-8"?>
 <p:sld xmlns:a="http://schemas.openxmlformats.org/drawingml/2006/main" xmlns:r="http://schemas.openxmlformats.org/officeDocument/2006/relationships" xmlns:p="http://schemas.openxmlformats.org/presentationml/2006/main">
   <p:cSld>
     <p:spTree>
@@ -22899,6 +22871,600 @@
 </p:sld>
 </file>
 
+<file path=ppt/slides/slide35.xml><?xml version="1.0" encoding="utf-8"?>
+<p:sld xmlns:a="http://schemas.openxmlformats.org/drawingml/2006/main" xmlns:r="http://schemas.openxmlformats.org/officeDocument/2006/relationships" xmlns:p="http://schemas.openxmlformats.org/presentationml/2006/main">
+  <p:cSld>
+    <p:bg>
+      <p:bgPr>
+        <a:solidFill>
+          <a:schemeClr val="bg1"/>
+        </a:solidFill>
+        <a:effectLst/>
+      </p:bgPr>
+    </p:bg>
+    <p:spTree>
+      <p:nvGrpSpPr>
+        <p:cNvPr id="1" name=""/>
+        <p:cNvGrpSpPr/>
+        <p:nvPr/>
+      </p:nvGrpSpPr>
+      <p:grpSpPr>
+        <a:xfrm>
+          <a:off x="0" y="0"/>
+          <a:ext cx="0" cy="0"/>
+          <a:chOff x="0" y="0"/>
+          <a:chExt cx="0" cy="0"/>
+        </a:xfrm>
+      </p:grpSpPr>
+      <p:sp>
+        <p:nvSpPr>
+          <p:cNvPr id="20" name="Rectangle 9">
+            <a:extLst>
+              <a:ext uri="{FF2B5EF4-FFF2-40B4-BE49-F238E27FC236}">
+                <a16:creationId xmlns:a16="http://schemas.microsoft.com/office/drawing/2014/main" id="{6753252F-4873-4F63-801D-CC719279A7D5}"/>
+              </a:ext>
+              <a:ext uri="{C183D7F6-B498-43B3-948B-1728B52AA6E4}">
+                <adec:decorative xmlns:adec="http://schemas.microsoft.com/office/drawing/2017/decorative" val="1"/>
+              </a:ext>
+            </a:extLst>
+          </p:cNvPr>
+          <p:cNvSpPr>
+            <a:spLocks noGrp="1" noRot="1" noChangeAspect="1" noMove="1" noResize="1" noEditPoints="1" noAdjustHandles="1" noChangeArrowheads="1" noChangeShapeType="1" noTextEdit="1"/>
+          </p:cNvSpPr>
+          <p:nvPr>
+            <p:extLst>
+              <p:ext uri="{386F3935-93C4-4BCD-93E2-E3B085C9AB24}">
+                <p16:designElem xmlns:p16="http://schemas.microsoft.com/office/powerpoint/2015/main" val="1"/>
+              </p:ext>
+            </p:extLst>
+          </p:nvPr>
+        </p:nvSpPr>
+        <p:spPr>
+          <a:xfrm>
+            <a:off x="0" y="0"/>
+            <a:ext cx="12192000" cy="6858000"/>
+          </a:xfrm>
+          <a:prstGeom prst="rect">
+            <a:avLst/>
+          </a:prstGeom>
+          <a:solidFill>
+            <a:srgbClr val="FFFFFF"/>
+          </a:solidFill>
+          <a:ln>
+            <a:noFill/>
+          </a:ln>
+        </p:spPr>
+        <p:style>
+          <a:lnRef idx="2">
+            <a:schemeClr val="accent1">
+              <a:shade val="50000"/>
+            </a:schemeClr>
+          </a:lnRef>
+          <a:fillRef idx="1">
+            <a:schemeClr val="accent1"/>
+          </a:fillRef>
+          <a:effectRef idx="0">
+            <a:schemeClr val="accent1"/>
+          </a:effectRef>
+          <a:fontRef idx="minor">
+            <a:schemeClr val="lt1"/>
+          </a:fontRef>
+        </p:style>
+        <p:txBody>
+          <a:bodyPr rtlCol="0" anchor="ctr"/>
+          <a:lstStyle/>
+          <a:p>
+            <a:pPr algn="ctr"/>
+            <a:endParaRPr lang="en-US"/>
+          </a:p>
+        </p:txBody>
+      </p:sp>
+      <p:sp>
+        <p:nvSpPr>
+          <p:cNvPr id="21" name="Rectangle 11">
+            <a:extLst>
+              <a:ext uri="{FF2B5EF4-FFF2-40B4-BE49-F238E27FC236}">
+                <a16:creationId xmlns:a16="http://schemas.microsoft.com/office/drawing/2014/main" id="{047C8CCB-F95D-4249-92DD-651249D3535A}"/>
+              </a:ext>
+              <a:ext uri="{C183D7F6-B498-43B3-948B-1728B52AA6E4}">
+                <adec:decorative xmlns:adec="http://schemas.microsoft.com/office/drawing/2017/decorative" val="1"/>
+              </a:ext>
+            </a:extLst>
+          </p:cNvPr>
+          <p:cNvSpPr>
+            <a:spLocks noGrp="1" noRot="1" noChangeAspect="1" noMove="1" noResize="1" noEditPoints="1" noAdjustHandles="1" noChangeArrowheads="1" noChangeShapeType="1" noTextEdit="1"/>
+          </p:cNvSpPr>
+          <p:nvPr>
+            <p:extLst>
+              <p:ext uri="{386F3935-93C4-4BCD-93E2-E3B085C9AB24}">
+                <p16:designElem xmlns:p16="http://schemas.microsoft.com/office/powerpoint/2015/main" val="1"/>
+              </p:ext>
+            </p:extLst>
+          </p:nvPr>
+        </p:nvSpPr>
+        <p:spPr>
+          <a:xfrm>
+            <a:off x="0" y="0"/>
+            <a:ext cx="2013557" cy="6858000"/>
+          </a:xfrm>
+          <a:prstGeom prst="rect">
+            <a:avLst/>
+          </a:prstGeom>
+          <a:solidFill>
+            <a:srgbClr val="7F7F7F"/>
+          </a:solidFill>
+          <a:ln>
+            <a:noFill/>
+          </a:ln>
+        </p:spPr>
+        <p:style>
+          <a:lnRef idx="2">
+            <a:schemeClr val="accent1">
+              <a:shade val="50000"/>
+            </a:schemeClr>
+          </a:lnRef>
+          <a:fillRef idx="1">
+            <a:schemeClr val="accent1"/>
+          </a:fillRef>
+          <a:effectRef idx="0">
+            <a:schemeClr val="accent1"/>
+          </a:effectRef>
+          <a:fontRef idx="minor">
+            <a:schemeClr val="lt1"/>
+          </a:fontRef>
+        </p:style>
+        <p:txBody>
+          <a:bodyPr rtlCol="0" anchor="ctr"/>
+          <a:lstStyle/>
+          <a:p>
+            <a:pPr algn="ctr"/>
+            <a:endParaRPr lang="en-US"/>
+          </a:p>
+        </p:txBody>
+      </p:sp>
+      <p:sp>
+        <p:nvSpPr>
+          <p:cNvPr id="2" name="标题 1">
+            <a:extLst>
+              <a:ext uri="{FF2B5EF4-FFF2-40B4-BE49-F238E27FC236}">
+                <a16:creationId xmlns:a16="http://schemas.microsoft.com/office/drawing/2014/main" id="{0551FCD5-E4CA-4087-98B0-B066A3ADC4EF}"/>
+              </a:ext>
+            </a:extLst>
+          </p:cNvPr>
+          <p:cNvSpPr>
+            <a:spLocks noGrp="1"/>
+          </p:cNvSpPr>
+          <p:nvPr>
+            <p:ph type="title"/>
+          </p:nvPr>
+        </p:nvSpPr>
+        <p:spPr>
+          <a:xfrm>
+            <a:off x="640080" y="2074363"/>
+            <a:ext cx="2752354" cy="2709275"/>
+          </a:xfrm>
+          <a:prstGeom prst="ellipse">
+            <a:avLst/>
+          </a:prstGeom>
+          <a:solidFill>
+            <a:srgbClr val="262626"/>
+          </a:solidFill>
+          <a:ln w="174625" cmpd="thinThick">
+            <a:solidFill>
+              <a:srgbClr val="262626"/>
+            </a:solidFill>
+          </a:ln>
+        </p:spPr>
+        <p:txBody>
+          <a:bodyPr vert="horz" lIns="91440" tIns="45720" rIns="91440" bIns="45720" rtlCol="0" anchor="ctr">
+            <a:normAutofit/>
+          </a:bodyPr>
+          <a:lstStyle/>
+          <a:p>
+            <a:pPr algn="ctr"/>
+            <a:r>
+              <a:rPr lang="en-US" altLang="zh-CN" sz="2200" b="1" kern="1200" dirty="0">
+                <a:solidFill>
+                  <a:srgbClr val="FFFFFF"/>
+                </a:solidFill>
+                <a:latin typeface="+mj-lt"/>
+                <a:ea typeface="+mj-ea"/>
+                <a:cs typeface="+mj-cs"/>
+              </a:rPr>
+              <a:t>Pre-Matching Failure Rate for different number of D2D links</a:t>
+            </a:r>
+          </a:p>
+        </p:txBody>
+      </p:sp>
+      <p:pic>
+        <p:nvPicPr>
+          <p:cNvPr id="5" name="图片 4" descr="图表, 折线图&#10;&#10;描述已自动生成">
+            <a:extLst>
+              <a:ext uri="{FF2B5EF4-FFF2-40B4-BE49-F238E27FC236}">
+                <a16:creationId xmlns:a16="http://schemas.microsoft.com/office/drawing/2014/main" id="{0EC811E9-6F38-401C-B6C7-858908C8E324}"/>
+              </a:ext>
+            </a:extLst>
+          </p:cNvPr>
+          <p:cNvPicPr>
+            <a:picLocks noChangeAspect="1"/>
+          </p:cNvPicPr>
+          <p:nvPr/>
+        </p:nvPicPr>
+        <p:blipFill>
+          <a:blip r:embed="rId2">
+            <a:extLst>
+              <a:ext uri="{28A0092B-C50C-407E-A947-70E740481C1C}">
+                <a14:useLocalDpi xmlns:a14="http://schemas.microsoft.com/office/drawing/2010/main" val="0"/>
+              </a:ext>
+            </a:extLst>
+          </a:blip>
+          <a:stretch>
+            <a:fillRect/>
+          </a:stretch>
+        </p:blipFill>
+        <p:spPr>
+          <a:xfrm>
+            <a:off x="3832795" y="335190"/>
+            <a:ext cx="7088248" cy="5316186"/>
+          </a:xfrm>
+          <a:prstGeom prst="rect">
+            <a:avLst/>
+          </a:prstGeom>
+        </p:spPr>
+      </p:pic>
+      <p:sp>
+        <p:nvSpPr>
+          <p:cNvPr id="3" name="文本框 2">
+            <a:extLst>
+              <a:ext uri="{FF2B5EF4-FFF2-40B4-BE49-F238E27FC236}">
+                <a16:creationId xmlns:a16="http://schemas.microsoft.com/office/drawing/2014/main" id="{0960007D-4DA4-529A-419B-C2C557B93416}"/>
+              </a:ext>
+            </a:extLst>
+          </p:cNvPr>
+          <p:cNvSpPr txBox="1"/>
+          <p:nvPr/>
+        </p:nvSpPr>
+        <p:spPr>
+          <a:xfrm>
+            <a:off x="4701396" y="5709567"/>
+            <a:ext cx="6512943" cy="246221"/>
+          </a:xfrm>
+          <a:prstGeom prst="rect">
+            <a:avLst/>
+          </a:prstGeom>
+          <a:noFill/>
+        </p:spPr>
+        <p:txBody>
+          <a:bodyPr wrap="square" rtlCol="0">
+            <a:spAutoFit/>
+          </a:bodyPr>
+          <a:lstStyle/>
+          <a:p>
+            <a:r>
+              <a:rPr lang="en-US" altLang="zh-CN" sz="1000" b="1" dirty="0"/>
+              <a:t>Fig. 1 </a:t>
+            </a:r>
+            <a:r>
+              <a:rPr lang="en-GB" altLang="zh-CN" sz="1000" b="1" dirty="0"/>
+              <a:t>Pre-matching failure rate versus the number of </a:t>
+            </a:r>
+            <a:r>
+              <a:rPr lang="en-GB" altLang="zh-CN" sz="1000" b="1" dirty="0" err="1"/>
+              <a:t>D2D</a:t>
+            </a:r>
+            <a:r>
+              <a:rPr lang="en-GB" altLang="zh-CN" sz="1000" b="1" dirty="0"/>
+              <a:t> links</a:t>
+            </a:r>
+            <a:endParaRPr lang="zh-CN" altLang="en-US" sz="1000" b="1" dirty="0"/>
+          </a:p>
+        </p:txBody>
+      </p:sp>
+    </p:spTree>
+    <p:extLst>
+      <p:ext uri="{BB962C8B-B14F-4D97-AF65-F5344CB8AC3E}">
+        <p14:creationId xmlns:p14="http://schemas.microsoft.com/office/powerpoint/2010/main" val="3679120328"/>
+      </p:ext>
+    </p:extLst>
+  </p:cSld>
+  <p:clrMapOvr>
+    <a:masterClrMapping/>
+  </p:clrMapOvr>
+</p:sld>
+</file>
+
+<file path=ppt/slides/slide36.xml><?xml version="1.0" encoding="utf-8"?>
+<p:sld xmlns:a="http://schemas.openxmlformats.org/drawingml/2006/main" xmlns:r="http://schemas.openxmlformats.org/officeDocument/2006/relationships" xmlns:p="http://schemas.openxmlformats.org/presentationml/2006/main">
+  <p:cSld>
+    <p:bg>
+      <p:bgPr>
+        <a:solidFill>
+          <a:schemeClr val="bg1"/>
+        </a:solidFill>
+        <a:effectLst/>
+      </p:bgPr>
+    </p:bg>
+    <p:spTree>
+      <p:nvGrpSpPr>
+        <p:cNvPr id="1" name=""/>
+        <p:cNvGrpSpPr/>
+        <p:nvPr/>
+      </p:nvGrpSpPr>
+      <p:grpSpPr>
+        <a:xfrm>
+          <a:off x="0" y="0"/>
+          <a:ext cx="0" cy="0"/>
+          <a:chOff x="0" y="0"/>
+          <a:chExt cx="0" cy="0"/>
+        </a:xfrm>
+      </p:grpSpPr>
+      <p:sp>
+        <p:nvSpPr>
+          <p:cNvPr id="10" name="Rectangle 9">
+            <a:extLst>
+              <a:ext uri="{FF2B5EF4-FFF2-40B4-BE49-F238E27FC236}">
+                <a16:creationId xmlns:a16="http://schemas.microsoft.com/office/drawing/2014/main" id="{6753252F-4873-4F63-801D-CC719279A7D5}"/>
+              </a:ext>
+              <a:ext uri="{C183D7F6-B498-43B3-948B-1728B52AA6E4}">
+                <adec:decorative xmlns:adec="http://schemas.microsoft.com/office/drawing/2017/decorative" val="1"/>
+              </a:ext>
+            </a:extLst>
+          </p:cNvPr>
+          <p:cNvSpPr>
+            <a:spLocks noGrp="1" noRot="1" noChangeAspect="1" noMove="1" noResize="1" noEditPoints="1" noAdjustHandles="1" noChangeArrowheads="1" noChangeShapeType="1" noTextEdit="1"/>
+          </p:cNvSpPr>
+          <p:nvPr>
+            <p:extLst>
+              <p:ext uri="{386F3935-93C4-4BCD-93E2-E3B085C9AB24}">
+                <p16:designElem xmlns:p16="http://schemas.microsoft.com/office/powerpoint/2015/main" val="1"/>
+              </p:ext>
+            </p:extLst>
+          </p:nvPr>
+        </p:nvSpPr>
+        <p:spPr>
+          <a:xfrm>
+            <a:off x="0" y="0"/>
+            <a:ext cx="12192000" cy="6858000"/>
+          </a:xfrm>
+          <a:prstGeom prst="rect">
+            <a:avLst/>
+          </a:prstGeom>
+          <a:solidFill>
+            <a:srgbClr val="FFFFFF"/>
+          </a:solidFill>
+          <a:ln>
+            <a:noFill/>
+          </a:ln>
+        </p:spPr>
+        <p:style>
+          <a:lnRef idx="2">
+            <a:schemeClr val="accent1">
+              <a:shade val="50000"/>
+            </a:schemeClr>
+          </a:lnRef>
+          <a:fillRef idx="1">
+            <a:schemeClr val="accent1"/>
+          </a:fillRef>
+          <a:effectRef idx="0">
+            <a:schemeClr val="accent1"/>
+          </a:effectRef>
+          <a:fontRef idx="minor">
+            <a:schemeClr val="lt1"/>
+          </a:fontRef>
+        </p:style>
+        <p:txBody>
+          <a:bodyPr rtlCol="0" anchor="ctr"/>
+          <a:lstStyle/>
+          <a:p>
+            <a:pPr algn="ctr"/>
+            <a:endParaRPr lang="en-US"/>
+          </a:p>
+        </p:txBody>
+      </p:sp>
+      <p:sp>
+        <p:nvSpPr>
+          <p:cNvPr id="12" name="Rectangle 11">
+            <a:extLst>
+              <a:ext uri="{FF2B5EF4-FFF2-40B4-BE49-F238E27FC236}">
+                <a16:creationId xmlns:a16="http://schemas.microsoft.com/office/drawing/2014/main" id="{047C8CCB-F95D-4249-92DD-651249D3535A}"/>
+              </a:ext>
+              <a:ext uri="{C183D7F6-B498-43B3-948B-1728B52AA6E4}">
+                <adec:decorative xmlns:adec="http://schemas.microsoft.com/office/drawing/2017/decorative" val="1"/>
+              </a:ext>
+            </a:extLst>
+          </p:cNvPr>
+          <p:cNvSpPr>
+            <a:spLocks noGrp="1" noRot="1" noChangeAspect="1" noMove="1" noResize="1" noEditPoints="1" noAdjustHandles="1" noChangeArrowheads="1" noChangeShapeType="1" noTextEdit="1"/>
+          </p:cNvSpPr>
+          <p:nvPr>
+            <p:extLst>
+              <p:ext uri="{386F3935-93C4-4BCD-93E2-E3B085C9AB24}">
+                <p16:designElem xmlns:p16="http://schemas.microsoft.com/office/powerpoint/2015/main" val="1"/>
+              </p:ext>
+            </p:extLst>
+          </p:nvPr>
+        </p:nvSpPr>
+        <p:spPr>
+          <a:xfrm>
+            <a:off x="0" y="0"/>
+            <a:ext cx="2013557" cy="6858000"/>
+          </a:xfrm>
+          <a:prstGeom prst="rect">
+            <a:avLst/>
+          </a:prstGeom>
+          <a:solidFill>
+            <a:srgbClr val="7F7F7F"/>
+          </a:solidFill>
+          <a:ln>
+            <a:noFill/>
+          </a:ln>
+        </p:spPr>
+        <p:style>
+          <a:lnRef idx="2">
+            <a:schemeClr val="accent1">
+              <a:shade val="50000"/>
+            </a:schemeClr>
+          </a:lnRef>
+          <a:fillRef idx="1">
+            <a:schemeClr val="accent1"/>
+          </a:fillRef>
+          <a:effectRef idx="0">
+            <a:schemeClr val="accent1"/>
+          </a:effectRef>
+          <a:fontRef idx="minor">
+            <a:schemeClr val="lt1"/>
+          </a:fontRef>
+        </p:style>
+        <p:txBody>
+          <a:bodyPr rtlCol="0" anchor="ctr"/>
+          <a:lstStyle/>
+          <a:p>
+            <a:pPr algn="ctr"/>
+            <a:endParaRPr lang="en-US"/>
+          </a:p>
+        </p:txBody>
+      </p:sp>
+      <p:sp>
+        <p:nvSpPr>
+          <p:cNvPr id="2" name="标题 1">
+            <a:extLst>
+              <a:ext uri="{FF2B5EF4-FFF2-40B4-BE49-F238E27FC236}">
+                <a16:creationId xmlns:a16="http://schemas.microsoft.com/office/drawing/2014/main" id="{C39A2ED5-81DF-4259-93A9-3F83EA7E8081}"/>
+              </a:ext>
+            </a:extLst>
+          </p:cNvPr>
+          <p:cNvSpPr>
+            <a:spLocks noGrp="1"/>
+          </p:cNvSpPr>
+          <p:nvPr>
+            <p:ph type="title"/>
+          </p:nvPr>
+        </p:nvSpPr>
+        <p:spPr>
+          <a:xfrm>
+            <a:off x="640080" y="2074363"/>
+            <a:ext cx="2752354" cy="2709275"/>
+          </a:xfrm>
+          <a:prstGeom prst="ellipse">
+            <a:avLst/>
+          </a:prstGeom>
+          <a:solidFill>
+            <a:srgbClr val="262626"/>
+          </a:solidFill>
+          <a:ln w="174625" cmpd="thinThick">
+            <a:solidFill>
+              <a:srgbClr val="262626"/>
+            </a:solidFill>
+          </a:ln>
+        </p:spPr>
+        <p:txBody>
+          <a:bodyPr vert="horz" lIns="91440" tIns="45720" rIns="91440" bIns="45720" rtlCol="0" anchor="ctr">
+            <a:normAutofit/>
+          </a:bodyPr>
+          <a:lstStyle/>
+          <a:p>
+            <a:pPr algn="ctr"/>
+            <a:r>
+              <a:rPr lang="en-US" altLang="zh-CN" sz="1800" kern="1200">
+                <a:solidFill>
+                  <a:srgbClr val="FFFFFF"/>
+                </a:solidFill>
+                <a:latin typeface="+mj-lt"/>
+                <a:ea typeface="+mj-ea"/>
+                <a:cs typeface="+mj-cs"/>
+              </a:rPr>
+              <a:t>Pre-Matching Failure Rate for different number of D2D links with different threshold power limit </a:t>
+            </a:r>
+          </a:p>
+        </p:txBody>
+      </p:sp>
+      <p:sp>
+        <p:nvSpPr>
+          <p:cNvPr id="7" name="文本框 6">
+            <a:extLst>
+              <a:ext uri="{FF2B5EF4-FFF2-40B4-BE49-F238E27FC236}">
+                <a16:creationId xmlns:a16="http://schemas.microsoft.com/office/drawing/2014/main" id="{4AFF649C-D80A-5003-3F41-3786612CD5D8}"/>
+              </a:ext>
+            </a:extLst>
+          </p:cNvPr>
+          <p:cNvSpPr txBox="1"/>
+          <p:nvPr/>
+        </p:nvSpPr>
+        <p:spPr>
+          <a:xfrm>
+            <a:off x="4496519" y="5921073"/>
+            <a:ext cx="6094562" cy="246221"/>
+          </a:xfrm>
+          <a:prstGeom prst="rect">
+            <a:avLst/>
+          </a:prstGeom>
+          <a:noFill/>
+        </p:spPr>
+        <p:txBody>
+          <a:bodyPr wrap="square">
+            <a:spAutoFit/>
+          </a:bodyPr>
+          <a:lstStyle/>
+          <a:p>
+            <a:r>
+              <a:rPr lang="en-GB" altLang="zh-CN" sz="1000" b="1" dirty="0"/>
+              <a:t>Fig. 2 Pre-matching failure rate with different minimum power segment at different </a:t>
+            </a:r>
+            <a:r>
+              <a:rPr lang="en-GB" altLang="zh-CN" sz="1000" b="1" dirty="0" err="1"/>
+              <a:t>D2D</a:t>
+            </a:r>
+            <a:r>
+              <a:rPr lang="en-GB" altLang="zh-CN" sz="1000" b="1" dirty="0"/>
+              <a:t> users</a:t>
+            </a:r>
+            <a:endParaRPr lang="zh-CN" altLang="en-US" sz="1000" b="1" dirty="0"/>
+          </a:p>
+        </p:txBody>
+      </p:sp>
+      <p:pic>
+        <p:nvPicPr>
+          <p:cNvPr id="8" name="图片 7">
+            <a:extLst>
+              <a:ext uri="{FF2B5EF4-FFF2-40B4-BE49-F238E27FC236}">
+                <a16:creationId xmlns:a16="http://schemas.microsoft.com/office/drawing/2014/main" id="{DA6A9846-06F3-4CF5-2C96-8CBFAA82CD2E}"/>
+              </a:ext>
+            </a:extLst>
+          </p:cNvPr>
+          <p:cNvPicPr>
+            <a:picLocks noChangeAspect="1"/>
+          </p:cNvPicPr>
+          <p:nvPr/>
+        </p:nvPicPr>
+        <p:blipFill>
+          <a:blip r:embed="rId2"/>
+          <a:stretch>
+            <a:fillRect/>
+          </a:stretch>
+        </p:blipFill>
+        <p:spPr>
+          <a:xfrm>
+            <a:off x="4032514" y="798496"/>
+            <a:ext cx="6784474" cy="4934791"/>
+          </a:xfrm>
+          <a:prstGeom prst="rect">
+            <a:avLst/>
+          </a:prstGeom>
+        </p:spPr>
+      </p:pic>
+    </p:spTree>
+    <p:extLst>
+      <p:ext uri="{BB962C8B-B14F-4D97-AF65-F5344CB8AC3E}">
+        <p14:creationId xmlns:p14="http://schemas.microsoft.com/office/powerpoint/2010/main" val="3078899963"/>
+      </p:ext>
+    </p:extLst>
+  </p:cSld>
+  <p:clrMapOvr>
+    <a:masterClrMapping/>
+  </p:clrMapOvr>
+</p:sld>
+</file>
+
 <file path=ppt/slides/slide37.xml><?xml version="1.0" encoding="utf-8"?>
 <p:sld xmlns:a="http://schemas.openxmlformats.org/drawingml/2006/main" xmlns:r="http://schemas.openxmlformats.org/officeDocument/2006/relationships" xmlns:p="http://schemas.openxmlformats.org/presentationml/2006/main">
   <p:cSld>
@@ -22926,7 +23492,7 @@
       </p:grpSpPr>
       <p:sp>
         <p:nvSpPr>
-          <p:cNvPr id="20" name="Rectangle 9">
+          <p:cNvPr id="10" name="Rectangle 9">
             <a:extLst>
               <a:ext uri="{FF2B5EF4-FFF2-40B4-BE49-F238E27FC236}">
                 <a16:creationId xmlns:a16="http://schemas.microsoft.com/office/drawing/2014/main" id="{6753252F-4873-4F63-801D-CC719279A7D5}"/>
@@ -22989,7 +23555,7 @@
       </p:sp>
       <p:sp>
         <p:nvSpPr>
-          <p:cNvPr id="21" name="Rectangle 11">
+          <p:cNvPr id="12" name="Rectangle 11">
             <a:extLst>
               <a:ext uri="{FF2B5EF4-FFF2-40B4-BE49-F238E27FC236}">
                 <a16:creationId xmlns:a16="http://schemas.microsoft.com/office/drawing/2014/main" id="{047C8CCB-F95D-4249-92DD-651249D3535A}"/>
@@ -23055,7 +23621,7 @@
           <p:cNvPr id="2" name="标题 1">
             <a:extLst>
               <a:ext uri="{FF2B5EF4-FFF2-40B4-BE49-F238E27FC236}">
-                <a16:creationId xmlns:a16="http://schemas.microsoft.com/office/drawing/2014/main" id="{0551FCD5-E4CA-4087-98B0-B066A3ADC4EF}"/>
+                <a16:creationId xmlns:a16="http://schemas.microsoft.com/office/drawing/2014/main" id="{D3279E37-9C48-47A7-A52C-D9D416ED8947}"/>
               </a:ext>
             </a:extLst>
           </p:cNvPr>
@@ -23091,7 +23657,7 @@
           <a:p>
             <a:pPr algn="ctr"/>
             <a:r>
-              <a:rPr lang="en-US" altLang="zh-CN" sz="2200" b="1" kern="1200" dirty="0">
+              <a:rPr lang="en-US" altLang="zh-CN" sz="2000" kern="1200">
                 <a:solidFill>
                   <a:srgbClr val="FFFFFF"/>
                 </a:solidFill>
@@ -23099,7 +23665,7 @@
                 <a:ea typeface="+mj-ea"/>
                 <a:cs typeface="+mj-cs"/>
               </a:rPr>
-              <a:t>Pre-Matching Failure Rate for different number of D2D links</a:t>
+              <a:t>Pre-Matching Failure Rate for different communication distance</a:t>
             </a:r>
           </a:p>
         </p:txBody>
@@ -23109,7 +23675,7 @@
           <p:cNvPr id="5" name="图片 4" descr="图表, 折线图&#10;&#10;描述已自动生成">
             <a:extLst>
               <a:ext uri="{FF2B5EF4-FFF2-40B4-BE49-F238E27FC236}">
-                <a16:creationId xmlns:a16="http://schemas.microsoft.com/office/drawing/2014/main" id="{0EC811E9-6F38-401C-B6C7-858908C8E324}"/>
+                <a16:creationId xmlns:a16="http://schemas.microsoft.com/office/drawing/2014/main" id="{43CFEA64-D9A5-43C2-A431-2AF49E832871}"/>
               </a:ext>
             </a:extLst>
           </p:cNvPr>
@@ -23132,18 +23698,66 @@
         </p:blipFill>
         <p:spPr>
           <a:xfrm>
-            <a:off x="3824167" y="559476"/>
-            <a:ext cx="7313225" cy="5484919"/>
+            <a:off x="4169674" y="612648"/>
+            <a:ext cx="7693152" cy="5769864"/>
           </a:xfrm>
           <a:prstGeom prst="rect">
             <a:avLst/>
           </a:prstGeom>
         </p:spPr>
       </p:pic>
+      <p:sp>
+        <p:nvSpPr>
+          <p:cNvPr id="6" name="文本框 5">
+            <a:extLst>
+              <a:ext uri="{FF2B5EF4-FFF2-40B4-BE49-F238E27FC236}">
+                <a16:creationId xmlns:a16="http://schemas.microsoft.com/office/drawing/2014/main" id="{C65A4711-5E09-CAFE-7BD5-22F704B6FB41}"/>
+              </a:ext>
+            </a:extLst>
+          </p:cNvPr>
+          <p:cNvSpPr txBox="1"/>
+          <p:nvPr/>
+        </p:nvSpPr>
+        <p:spPr>
+          <a:xfrm>
+            <a:off x="5048609" y="6365087"/>
+            <a:ext cx="6094562" cy="246221"/>
+          </a:xfrm>
+          <a:prstGeom prst="rect">
+            <a:avLst/>
+          </a:prstGeom>
+          <a:noFill/>
+        </p:spPr>
+        <p:txBody>
+          <a:bodyPr wrap="square">
+            <a:spAutoFit/>
+          </a:bodyPr>
+          <a:lstStyle/>
+          <a:p>
+            <a:r>
+              <a:rPr lang="en-GB" altLang="zh-CN" sz="1000" b="1" dirty="0"/>
+              <a:t>Fig. 3 </a:t>
+            </a:r>
+            <a:r>
+              <a:rPr lang="en-US" altLang="zh-CN" sz="1000" b="1" dirty="0"/>
+              <a:t>Pre-matching failure rate versus </a:t>
+            </a:r>
+            <a:r>
+              <a:rPr lang="en-US" altLang="zh-CN" sz="1000" b="1" dirty="0" err="1"/>
+              <a:t>D2D</a:t>
+            </a:r>
+            <a:r>
+              <a:rPr lang="en-US" altLang="zh-CN" sz="1000" b="1" dirty="0"/>
+              <a:t> communication distance. </a:t>
+            </a:r>
+            <a:endParaRPr lang="zh-CN" altLang="en-US" sz="1000" b="1" dirty="0"/>
+          </a:p>
+        </p:txBody>
+      </p:sp>
     </p:spTree>
     <p:extLst>
       <p:ext uri="{BB962C8B-B14F-4D97-AF65-F5344CB8AC3E}">
-        <p14:creationId xmlns:p14="http://schemas.microsoft.com/office/powerpoint/2010/main" val="3679120328"/>
+        <p14:creationId xmlns:p14="http://schemas.microsoft.com/office/powerpoint/2010/main" val="3033446731"/>
       </p:ext>
     </p:extLst>
   </p:cSld>
@@ -23309,7 +23923,7 @@
           <p:cNvPr id="2" name="标题 1">
             <a:extLst>
               <a:ext uri="{FF2B5EF4-FFF2-40B4-BE49-F238E27FC236}">
-                <a16:creationId xmlns:a16="http://schemas.microsoft.com/office/drawing/2014/main" id="{C39A2ED5-81DF-4259-93A9-3F83EA7E8081}"/>
+                <a16:creationId xmlns:a16="http://schemas.microsoft.com/office/drawing/2014/main" id="{D3279E37-9C48-47A7-A52C-D9D416ED8947}"/>
               </a:ext>
             </a:extLst>
           </p:cNvPr>
@@ -23339,13 +23953,13 @@
         </p:spPr>
         <p:txBody>
           <a:bodyPr vert="horz" lIns="91440" tIns="45720" rIns="91440" bIns="45720" rtlCol="0" anchor="ctr">
-            <a:normAutofit/>
+            <a:normAutofit fontScale="90000"/>
           </a:bodyPr>
           <a:lstStyle/>
           <a:p>
             <a:pPr algn="ctr"/>
             <a:r>
-              <a:rPr lang="en-US" altLang="zh-CN" sz="1800" kern="1200">
+              <a:rPr lang="en-US" altLang="zh-CN" sz="2000" kern="1200" dirty="0">
                 <a:solidFill>
                   <a:srgbClr val="FFFFFF"/>
                 </a:solidFill>
@@ -23353,50 +23967,89 @@
                 <a:ea typeface="+mj-ea"/>
                 <a:cs typeface="+mj-cs"/>
               </a:rPr>
-              <a:t>Pre-Matching Failure Rate for different number of D2D links with different threshold power limit </a:t>
+              <a:t>Pre-Matching Failure Rate for different communication distance with different threshold power limit</a:t>
             </a:r>
+          </a:p>
+        </p:txBody>
+      </p:sp>
+      <p:sp>
+        <p:nvSpPr>
+          <p:cNvPr id="3" name="文本框 2">
+            <a:extLst>
+              <a:ext uri="{FF2B5EF4-FFF2-40B4-BE49-F238E27FC236}">
+                <a16:creationId xmlns:a16="http://schemas.microsoft.com/office/drawing/2014/main" id="{E4DEC1B7-EB77-151C-61CF-C2AEFE5F6E4C}"/>
+              </a:ext>
+            </a:extLst>
+          </p:cNvPr>
+          <p:cNvSpPr txBox="1"/>
+          <p:nvPr/>
+        </p:nvSpPr>
+        <p:spPr>
+          <a:xfrm>
+            <a:off x="4209690" y="5294248"/>
+            <a:ext cx="9376913" cy="246221"/>
+          </a:xfrm>
+          <a:prstGeom prst="rect">
+            <a:avLst/>
+          </a:prstGeom>
+          <a:noFill/>
+        </p:spPr>
+        <p:txBody>
+          <a:bodyPr wrap="square" rtlCol="0">
+            <a:spAutoFit/>
+          </a:bodyPr>
+          <a:lstStyle/>
+          <a:p>
+            <a:r>
+              <a:rPr lang="en-GB" altLang="zh-CN" sz="1000" b="1" dirty="0"/>
+              <a:t>Fig. 4 Pre-matching failure rate with different minimum power segment at different </a:t>
+            </a:r>
+            <a:r>
+              <a:rPr lang="en-GB" altLang="zh-CN" sz="1000" b="1" dirty="0" err="1"/>
+              <a:t>D2D</a:t>
+            </a:r>
+            <a:r>
+              <a:rPr lang="en-GB" altLang="zh-CN" sz="1000" b="1" dirty="0"/>
+              <a:t> communication distance</a:t>
+            </a:r>
+            <a:endParaRPr lang="zh-CN" altLang="en-US" sz="1000" b="1" dirty="0"/>
           </a:p>
         </p:txBody>
       </p:sp>
       <p:pic>
         <p:nvPicPr>
-          <p:cNvPr id="9" name="内容占位符 8" descr="图表, 图示&#10;&#10;描述已自动生成">
-            <a:extLst>
-              <a:ext uri="{FF2B5EF4-FFF2-40B4-BE49-F238E27FC236}">
-                <a16:creationId xmlns:a16="http://schemas.microsoft.com/office/drawing/2014/main" id="{E3A3778B-46CC-44AD-872C-5AB6CBBC1D8F}"/>
+          <p:cNvPr id="5" name="图片 4">
+            <a:extLst>
+              <a:ext uri="{FF2B5EF4-FFF2-40B4-BE49-F238E27FC236}">
+                <a16:creationId xmlns:a16="http://schemas.microsoft.com/office/drawing/2014/main" id="{F59FCDF6-C7D8-62F8-F881-BDA55DA01AA3}"/>
               </a:ext>
             </a:extLst>
           </p:cNvPr>
           <p:cNvPicPr>
-            <a:picLocks noGrp="1" noChangeAspect="1"/>
+            <a:picLocks noChangeAspect="1"/>
           </p:cNvPicPr>
-          <p:nvPr>
-            <p:ph idx="1"/>
-          </p:nvPr>
+          <p:nvPr/>
         </p:nvPicPr>
         <p:blipFill>
-          <a:blip r:embed="rId2">
-            <a:extLst>
-              <a:ext uri="{28A0092B-C50C-407E-A947-70E740481C1C}">
-                <a14:useLocalDpi xmlns:a14="http://schemas.microsoft.com/office/drawing/2010/main" val="0"/>
-              </a:ext>
-            </a:extLst>
-          </a:blip>
+          <a:blip r:embed="rId2"/>
           <a:stretch>
             <a:fillRect/>
           </a:stretch>
         </p:blipFill>
         <p:spPr>
           <a:xfrm>
-            <a:off x="3676467" y="813816"/>
-            <a:ext cx="7032908" cy="5422392"/>
-          </a:xfrm>
+            <a:off x="3753026" y="146176"/>
+            <a:ext cx="6786473" cy="5148072"/>
+          </a:xfrm>
+          <a:prstGeom prst="rect">
+            <a:avLst/>
+          </a:prstGeom>
         </p:spPr>
       </p:pic>
     </p:spTree>
     <p:extLst>
       <p:ext uri="{BB962C8B-B14F-4D97-AF65-F5344CB8AC3E}">
-        <p14:creationId xmlns:p14="http://schemas.microsoft.com/office/powerpoint/2010/main" val="3078899963"/>
+        <p14:creationId xmlns:p14="http://schemas.microsoft.com/office/powerpoint/2010/main" val="2446723157"/>
       </p:ext>
     </p:extLst>
   </p:cSld>
@@ -23598,25 +24251,30 @@
           <a:p>
             <a:pPr algn="ctr"/>
             <a:r>
-              <a:rPr lang="en-US" altLang="zh-CN" sz="2000" kern="1200">
+              <a:rPr lang="en-US" altLang="zh-CN" sz="2000" dirty="0">
                 <a:solidFill>
                   <a:srgbClr val="FFFFFF"/>
                 </a:solidFill>
-                <a:latin typeface="+mj-lt"/>
-                <a:ea typeface="+mj-ea"/>
-                <a:cs typeface="+mj-cs"/>
               </a:rPr>
-              <a:t>Pre-Matching Failure Rate for different communication distance</a:t>
+              <a:t>Convergence of inner Algorithm</a:t>
             </a:r>
+            <a:endParaRPr lang="en-US" altLang="zh-CN" sz="2000" kern="1200" dirty="0">
+              <a:solidFill>
+                <a:srgbClr val="FFFFFF"/>
+              </a:solidFill>
+              <a:latin typeface="+mj-lt"/>
+              <a:ea typeface="+mj-ea"/>
+              <a:cs typeface="+mj-cs"/>
+            </a:endParaRPr>
           </a:p>
         </p:txBody>
       </p:sp>
       <p:pic>
         <p:nvPicPr>
-          <p:cNvPr id="5" name="图片 4" descr="图表, 折线图&#10;&#10;描述已自动生成">
-            <a:extLst>
-              <a:ext uri="{FF2B5EF4-FFF2-40B4-BE49-F238E27FC236}">
-                <a16:creationId xmlns:a16="http://schemas.microsoft.com/office/drawing/2014/main" id="{43CFEA64-D9A5-43C2-A431-2AF49E832871}"/>
+          <p:cNvPr id="4" name="Picture 3">
+            <a:extLst>
+              <a:ext uri="{FF2B5EF4-FFF2-40B4-BE49-F238E27FC236}">
+                <a16:creationId xmlns:a16="http://schemas.microsoft.com/office/drawing/2014/main" id="{BDC237AC-BCDA-4FF9-8C4E-E48B97943C60}"/>
               </a:ext>
             </a:extLst>
           </p:cNvPr>
@@ -23626,31 +24284,61 @@
           <p:nvPr/>
         </p:nvPicPr>
         <p:blipFill>
-          <a:blip r:embed="rId2">
-            <a:extLst>
-              <a:ext uri="{28A0092B-C50C-407E-A947-70E740481C1C}">
-                <a14:useLocalDpi xmlns:a14="http://schemas.microsoft.com/office/drawing/2010/main" val="0"/>
-              </a:ext>
-            </a:extLst>
-          </a:blip>
+          <a:blip r:embed="rId2"/>
           <a:stretch>
             <a:fillRect/>
           </a:stretch>
         </p:blipFill>
         <p:spPr>
           <a:xfrm>
-            <a:off x="4169674" y="612648"/>
-            <a:ext cx="7693152" cy="5769864"/>
+            <a:off x="3769683" y="603504"/>
+            <a:ext cx="7614874" cy="5404104"/>
           </a:xfrm>
           <a:prstGeom prst="rect">
             <a:avLst/>
           </a:prstGeom>
         </p:spPr>
       </p:pic>
+      <p:sp>
+        <p:nvSpPr>
+          <p:cNvPr id="6" name="文本框 5">
+            <a:extLst>
+              <a:ext uri="{FF2B5EF4-FFF2-40B4-BE49-F238E27FC236}">
+                <a16:creationId xmlns:a16="http://schemas.microsoft.com/office/drawing/2014/main" id="{3FA4A1D0-BB1C-56F5-6480-D5E4837FED80}"/>
+              </a:ext>
+            </a:extLst>
+          </p:cNvPr>
+          <p:cNvSpPr txBox="1"/>
+          <p:nvPr/>
+        </p:nvSpPr>
+        <p:spPr>
+          <a:xfrm>
+            <a:off x="4571213" y="5639305"/>
+            <a:ext cx="9376913" cy="246221"/>
+          </a:xfrm>
+          <a:prstGeom prst="rect">
+            <a:avLst/>
+          </a:prstGeom>
+          <a:noFill/>
+        </p:spPr>
+        <p:txBody>
+          <a:bodyPr wrap="square" rtlCol="0">
+            <a:spAutoFit/>
+          </a:bodyPr>
+          <a:lstStyle/>
+          <a:p>
+            <a:r>
+              <a:rPr lang="en-GB" altLang="zh-CN" sz="1000" b="1" dirty="0"/>
+              <a:t>Fig. 5 Convergence of inner loop algorithm</a:t>
+            </a:r>
+            <a:endParaRPr lang="zh-CN" altLang="en-US" sz="1000" b="1" dirty="0"/>
+          </a:p>
+        </p:txBody>
+      </p:sp>
     </p:spTree>
     <p:extLst>
       <p:ext uri="{BB962C8B-B14F-4D97-AF65-F5344CB8AC3E}">
-        <p14:creationId xmlns:p14="http://schemas.microsoft.com/office/powerpoint/2010/main" val="3033446731"/>
+        <p14:creationId xmlns:p14="http://schemas.microsoft.com/office/powerpoint/2010/main" val="3606428128"/>
       </p:ext>
     </p:extLst>
   </p:cSld>
@@ -23695,7 +24383,7 @@
         </p:nvSpPr>
         <p:spPr>
           <a:xfrm>
-            <a:off x="674298" y="227102"/>
+            <a:off x="674298" y="47250"/>
             <a:ext cx="10515600" cy="1325563"/>
           </a:xfrm>
         </p:spPr>
@@ -23800,7 +24488,7 @@
         </p:blipFill>
         <p:spPr>
           <a:xfrm>
-            <a:off x="7382946" y="4002786"/>
+            <a:off x="7382946" y="3955536"/>
             <a:ext cx="3806952" cy="2855214"/>
           </a:xfrm>
           <a:prstGeom prst="rect">
@@ -24317,7 +25005,7 @@
         </p:spPr>
         <p:txBody>
           <a:bodyPr vert="horz" lIns="91440" tIns="45720" rIns="91440" bIns="45720" rtlCol="0" anchor="ctr">
-            <a:normAutofit fontScale="90000"/>
+            <a:normAutofit/>
           </a:bodyPr>
           <a:lstStyle/>
           <a:p>
@@ -24331,17 +25019,17 @@
                 <a:ea typeface="+mj-ea"/>
                 <a:cs typeface="+mj-cs"/>
               </a:rPr>
-              <a:t>Pre-Matching Failure Rate for different communication distance with different threshold power limit</a:t>
+              <a:t>Sum EE versus different number of Users</a:t>
             </a:r>
           </a:p>
         </p:txBody>
       </p:sp>
       <p:pic>
         <p:nvPicPr>
-          <p:cNvPr id="7" name="图片 6" descr="图表&#10;&#10;描述已自动生成">
-            <a:extLst>
-              <a:ext uri="{FF2B5EF4-FFF2-40B4-BE49-F238E27FC236}">
-                <a16:creationId xmlns:a16="http://schemas.microsoft.com/office/drawing/2014/main" id="{7639B752-FA58-4ABD-B186-78B4C9D4AFE9}"/>
+          <p:cNvPr id="5" name="Picture 4">
+            <a:extLst>
+              <a:ext uri="{FF2B5EF4-FFF2-40B4-BE49-F238E27FC236}">
+                <a16:creationId xmlns:a16="http://schemas.microsoft.com/office/drawing/2014/main" id="{FF0B0A24-42C1-481D-9C84-3B62901D18E5}"/>
               </a:ext>
             </a:extLst>
           </p:cNvPr>
@@ -24351,31 +25039,73 @@
           <p:nvPr/>
         </p:nvPicPr>
         <p:blipFill>
-          <a:blip r:embed="rId2">
-            <a:extLst>
-              <a:ext uri="{28A0092B-C50C-407E-A947-70E740481C1C}">
-                <a14:useLocalDpi xmlns:a14="http://schemas.microsoft.com/office/drawing/2010/main" val="0"/>
-              </a:ext>
-            </a:extLst>
-          </a:blip>
+          <a:blip r:embed="rId2"/>
           <a:stretch>
             <a:fillRect/>
           </a:stretch>
         </p:blipFill>
         <p:spPr>
           <a:xfrm>
-            <a:off x="3554139" y="758952"/>
-            <a:ext cx="7756989" cy="5817742"/>
+            <a:off x="4338479" y="807356"/>
+            <a:ext cx="6750166" cy="4916788"/>
           </a:xfrm>
           <a:prstGeom prst="rect">
             <a:avLst/>
           </a:prstGeom>
         </p:spPr>
       </p:pic>
+      <p:sp>
+        <p:nvSpPr>
+          <p:cNvPr id="6" name="文本框 5">
+            <a:extLst>
+              <a:ext uri="{FF2B5EF4-FFF2-40B4-BE49-F238E27FC236}">
+                <a16:creationId xmlns:a16="http://schemas.microsoft.com/office/drawing/2014/main" id="{257D55CF-126A-17F5-651E-A005AEBF9D27}"/>
+              </a:ext>
+            </a:extLst>
+          </p:cNvPr>
+          <p:cNvSpPr txBox="1"/>
+          <p:nvPr/>
+        </p:nvSpPr>
+        <p:spPr>
+          <a:xfrm>
+            <a:off x="5140009" y="5539487"/>
+            <a:ext cx="9376913" cy="246221"/>
+          </a:xfrm>
+          <a:prstGeom prst="rect">
+            <a:avLst/>
+          </a:prstGeom>
+          <a:noFill/>
+        </p:spPr>
+        <p:txBody>
+          <a:bodyPr wrap="square" rtlCol="0">
+            <a:spAutoFit/>
+          </a:bodyPr>
+          <a:lstStyle/>
+          <a:p>
+            <a:r>
+              <a:rPr lang="en-GB" altLang="zh-CN" sz="1000" b="1" dirty="0"/>
+              <a:t>Fig. 6 Sum EE at different number of </a:t>
+            </a:r>
+            <a:r>
+              <a:rPr lang="en-GB" altLang="zh-CN" sz="1000" b="1" dirty="0" err="1"/>
+              <a:t>D2D</a:t>
+            </a:r>
+            <a:r>
+              <a:rPr lang="en-GB" altLang="zh-CN" sz="1000" b="1" dirty="0"/>
+              <a:t> links or </a:t>
+            </a:r>
+            <a:r>
+              <a:rPr lang="en-GB" altLang="zh-CN" sz="1000" b="1" dirty="0" err="1"/>
+              <a:t>CUEs</a:t>
+            </a:r>
+            <a:endParaRPr lang="zh-CN" altLang="en-US" sz="1000" b="1" dirty="0"/>
+          </a:p>
+        </p:txBody>
+      </p:sp>
     </p:spTree>
     <p:extLst>
       <p:ext uri="{BB962C8B-B14F-4D97-AF65-F5344CB8AC3E}">
-        <p14:creationId xmlns:p14="http://schemas.microsoft.com/office/powerpoint/2010/main" val="2446723157"/>
+        <p14:creationId xmlns:p14="http://schemas.microsoft.com/office/powerpoint/2010/main" val="1670625474"/>
       </p:ext>
     </p:extLst>
   </p:cSld>
@@ -24391,10 +25121,7 @@
     <p:bg>
       <p:bgPr>
         <a:solidFill>
-          <a:schemeClr val="bg1">
-            <a:tint val="95000"/>
-            <a:satMod val="170000"/>
-          </a:schemeClr>
+          <a:schemeClr val="bg1"/>
         </a:solidFill>
         <a:effectLst/>
       </p:bgPr>
@@ -24415,10 +25142,10 @@
       </p:grpSpPr>
       <p:sp>
         <p:nvSpPr>
-          <p:cNvPr id="41" name="Freeform: Shape 13">
-            <a:extLst>
-              <a:ext uri="{FF2B5EF4-FFF2-40B4-BE49-F238E27FC236}">
-                <a16:creationId xmlns:a16="http://schemas.microsoft.com/office/drawing/2014/main" id="{66B332A4-D438-4773-A77F-5ED49A448D9D}"/>
+          <p:cNvPr id="10" name="Rectangle 9">
+            <a:extLst>
+              <a:ext uri="{FF2B5EF4-FFF2-40B4-BE49-F238E27FC236}">
+                <a16:creationId xmlns:a16="http://schemas.microsoft.com/office/drawing/2014/main" id="{6753252F-4873-4F63-801D-CC719279A7D5}"/>
               </a:ext>
               <a:ext uri="{C183D7F6-B498-43B3-948B-1728B52AA6E4}">
                 <adec:decorative xmlns:adec="http://schemas.microsoft.com/office/drawing/2017/decorative" val="1"/>
@@ -24438,115 +25165,14 @@
         </p:nvSpPr>
         <p:spPr>
           <a:xfrm>
-            <a:off x="1953768" y="0"/>
-            <a:ext cx="8284464" cy="6858000"/>
-          </a:xfrm>
-          <a:custGeom>
+            <a:off x="0" y="0"/>
+            <a:ext cx="12192000" cy="6858000"/>
+          </a:xfrm>
+          <a:prstGeom prst="rect">
             <a:avLst/>
-            <a:gdLst>
-              <a:gd name="connsiteX0" fmla="*/ 1818109 w 8284464"/>
-              <a:gd name="connsiteY0" fmla="*/ 0 h 6858000"/>
-              <a:gd name="connsiteX1" fmla="*/ 6466355 w 8284464"/>
-              <a:gd name="connsiteY1" fmla="*/ 0 h 6858000"/>
-              <a:gd name="connsiteX2" fmla="*/ 6620596 w 8284464"/>
-              <a:gd name="connsiteY2" fmla="*/ 109683 h 6858000"/>
-              <a:gd name="connsiteX3" fmla="*/ 8284464 w 8284464"/>
-              <a:gd name="connsiteY3" fmla="*/ 3429000 h 6858000"/>
-              <a:gd name="connsiteX4" fmla="*/ 6620596 w 8284464"/>
-              <a:gd name="connsiteY4" fmla="*/ 6748318 h 6858000"/>
-              <a:gd name="connsiteX5" fmla="*/ 6466355 w 8284464"/>
-              <a:gd name="connsiteY5" fmla="*/ 6858000 h 6858000"/>
-              <a:gd name="connsiteX6" fmla="*/ 1818109 w 8284464"/>
-              <a:gd name="connsiteY6" fmla="*/ 6858000 h 6858000"/>
-              <a:gd name="connsiteX7" fmla="*/ 1663869 w 8284464"/>
-              <a:gd name="connsiteY7" fmla="*/ 6748318 h 6858000"/>
-              <a:gd name="connsiteX8" fmla="*/ 0 w 8284464"/>
-              <a:gd name="connsiteY8" fmla="*/ 3429000 h 6858000"/>
-              <a:gd name="connsiteX9" fmla="*/ 1663869 w 8284464"/>
-              <a:gd name="connsiteY9" fmla="*/ 109683 h 6858000"/>
-            </a:gdLst>
-            <a:ahLst/>
-            <a:cxnLst>
-              <a:cxn ang="0">
-                <a:pos x="connsiteX0" y="connsiteY0"/>
-              </a:cxn>
-              <a:cxn ang="0">
-                <a:pos x="connsiteX1" y="connsiteY1"/>
-              </a:cxn>
-              <a:cxn ang="0">
-                <a:pos x="connsiteX2" y="connsiteY2"/>
-              </a:cxn>
-              <a:cxn ang="0">
-                <a:pos x="connsiteX3" y="connsiteY3"/>
-              </a:cxn>
-              <a:cxn ang="0">
-                <a:pos x="connsiteX4" y="connsiteY4"/>
-              </a:cxn>
-              <a:cxn ang="0">
-                <a:pos x="connsiteX5" y="connsiteY5"/>
-              </a:cxn>
-              <a:cxn ang="0">
-                <a:pos x="connsiteX6" y="connsiteY6"/>
-              </a:cxn>
-              <a:cxn ang="0">
-                <a:pos x="connsiteX7" y="connsiteY7"/>
-              </a:cxn>
-              <a:cxn ang="0">
-                <a:pos x="connsiteX8" y="connsiteY8"/>
-              </a:cxn>
-              <a:cxn ang="0">
-                <a:pos x="connsiteX9" y="connsiteY9"/>
-              </a:cxn>
-            </a:cxnLst>
-            <a:rect l="l" t="t" r="r" b="b"/>
-            <a:pathLst>
-              <a:path w="8284464" h="6858000">
-                <a:moveTo>
-                  <a:pt x="1818109" y="0"/>
-                </a:moveTo>
-                <a:lnTo>
-                  <a:pt x="6466355" y="0"/>
-                </a:lnTo>
-                <a:lnTo>
-                  <a:pt x="6620596" y="109683"/>
-                </a:lnTo>
-                <a:cubicBezTo>
-                  <a:pt x="7630666" y="865069"/>
-                  <a:pt x="8284464" y="2070683"/>
-                  <a:pt x="8284464" y="3429000"/>
-                </a:cubicBezTo>
-                <a:cubicBezTo>
-                  <a:pt x="8284464" y="4787317"/>
-                  <a:pt x="7630666" y="5992931"/>
-                  <a:pt x="6620596" y="6748318"/>
-                </a:cubicBezTo>
-                <a:lnTo>
-                  <a:pt x="6466355" y="6858000"/>
-                </a:lnTo>
-                <a:lnTo>
-                  <a:pt x="1818109" y="6858000"/>
-                </a:lnTo>
-                <a:lnTo>
-                  <a:pt x="1663869" y="6748318"/>
-                </a:lnTo>
-                <a:cubicBezTo>
-                  <a:pt x="653798" y="5992931"/>
-                  <a:pt x="0" y="4787317"/>
-                  <a:pt x="0" y="3429000"/>
-                </a:cubicBezTo>
-                <a:cubicBezTo>
-                  <a:pt x="0" y="2070683"/>
-                  <a:pt x="653798" y="865069"/>
-                  <a:pt x="1663869" y="109683"/>
-                </a:cubicBezTo>
-                <a:close/>
-              </a:path>
-            </a:pathLst>
-          </a:custGeom>
+          </a:prstGeom>
           <a:solidFill>
-            <a:srgbClr val="FFFFFF">
-              <a:alpha val="80000"/>
-            </a:srgbClr>
+            <a:srgbClr val="FFFFFF"/>
           </a:solidFill>
           <a:ln>
             <a:noFill/>
@@ -24569,9 +25195,7 @@
           </a:fontRef>
         </p:style>
         <p:txBody>
-          <a:bodyPr wrap="square" rtlCol="0" anchor="ctr">
-            <a:noAutofit/>
-          </a:bodyPr>
+          <a:bodyPr rtlCol="0" anchor="ctr"/>
           <a:lstStyle/>
           <a:p>
             <a:pPr algn="ctr"/>
@@ -24581,10 +25205,10 @@
       </p:sp>
       <p:sp>
         <p:nvSpPr>
-          <p:cNvPr id="42" name="Freeform: Shape 15">
-            <a:extLst>
-              <a:ext uri="{FF2B5EF4-FFF2-40B4-BE49-F238E27FC236}">
-                <a16:creationId xmlns:a16="http://schemas.microsoft.com/office/drawing/2014/main" id="{DF9AD32D-FF05-44F4-BD4D-9CEE89B71EB9}"/>
+          <p:cNvPr id="12" name="Rectangle 11">
+            <a:extLst>
+              <a:ext uri="{FF2B5EF4-FFF2-40B4-BE49-F238E27FC236}">
+                <a16:creationId xmlns:a16="http://schemas.microsoft.com/office/drawing/2014/main" id="{047C8CCB-F95D-4249-92DD-651249D3535A}"/>
               </a:ext>
               <a:ext uri="{C183D7F6-B498-43B3-948B-1728B52AA6E4}">
                 <adec:decorative xmlns:adec="http://schemas.microsoft.com/office/drawing/2017/decorative" val="1"/>
@@ -24604,113 +25228,14 @@
         </p:nvSpPr>
         <p:spPr>
           <a:xfrm>
-            <a:off x="2118360" y="0"/>
-            <a:ext cx="7955280" cy="6858000"/>
-          </a:xfrm>
-          <a:custGeom>
+            <a:off x="0" y="0"/>
+            <a:ext cx="2013557" cy="6858000"/>
+          </a:xfrm>
+          <a:prstGeom prst="rect">
             <a:avLst/>
-            <a:gdLst>
-              <a:gd name="connsiteX0" fmla="*/ 1962423 w 7955280"/>
-              <a:gd name="connsiteY0" fmla="*/ 0 h 6858000"/>
-              <a:gd name="connsiteX1" fmla="*/ 5992858 w 7955280"/>
-              <a:gd name="connsiteY1" fmla="*/ 0 h 6858000"/>
-              <a:gd name="connsiteX2" fmla="*/ 6040191 w 7955280"/>
-              <a:gd name="connsiteY2" fmla="*/ 27216 h 6858000"/>
-              <a:gd name="connsiteX3" fmla="*/ 7955280 w 7955280"/>
-              <a:gd name="connsiteY3" fmla="*/ 3429000 h 6858000"/>
-              <a:gd name="connsiteX4" fmla="*/ 6040191 w 7955280"/>
-              <a:gd name="connsiteY4" fmla="*/ 6830784 h 6858000"/>
-              <a:gd name="connsiteX5" fmla="*/ 5992858 w 7955280"/>
-              <a:gd name="connsiteY5" fmla="*/ 6858000 h 6858000"/>
-              <a:gd name="connsiteX6" fmla="*/ 1962423 w 7955280"/>
-              <a:gd name="connsiteY6" fmla="*/ 6858000 h 6858000"/>
-              <a:gd name="connsiteX7" fmla="*/ 1915089 w 7955280"/>
-              <a:gd name="connsiteY7" fmla="*/ 6830784 h 6858000"/>
-              <a:gd name="connsiteX8" fmla="*/ 0 w 7955280"/>
-              <a:gd name="connsiteY8" fmla="*/ 3429000 h 6858000"/>
-              <a:gd name="connsiteX9" fmla="*/ 1915089 w 7955280"/>
-              <a:gd name="connsiteY9" fmla="*/ 27216 h 6858000"/>
-            </a:gdLst>
-            <a:ahLst/>
-            <a:cxnLst>
-              <a:cxn ang="0">
-                <a:pos x="connsiteX0" y="connsiteY0"/>
-              </a:cxn>
-              <a:cxn ang="0">
-                <a:pos x="connsiteX1" y="connsiteY1"/>
-              </a:cxn>
-              <a:cxn ang="0">
-                <a:pos x="connsiteX2" y="connsiteY2"/>
-              </a:cxn>
-              <a:cxn ang="0">
-                <a:pos x="connsiteX3" y="connsiteY3"/>
-              </a:cxn>
-              <a:cxn ang="0">
-                <a:pos x="connsiteX4" y="connsiteY4"/>
-              </a:cxn>
-              <a:cxn ang="0">
-                <a:pos x="connsiteX5" y="connsiteY5"/>
-              </a:cxn>
-              <a:cxn ang="0">
-                <a:pos x="connsiteX6" y="connsiteY6"/>
-              </a:cxn>
-              <a:cxn ang="0">
-                <a:pos x="connsiteX7" y="connsiteY7"/>
-              </a:cxn>
-              <a:cxn ang="0">
-                <a:pos x="connsiteX8" y="connsiteY8"/>
-              </a:cxn>
-              <a:cxn ang="0">
-                <a:pos x="connsiteX9" y="connsiteY9"/>
-              </a:cxn>
-            </a:cxnLst>
-            <a:rect l="l" t="t" r="r" b="b"/>
-            <a:pathLst>
-              <a:path w="7955280" h="6858000">
-                <a:moveTo>
-                  <a:pt x="1962423" y="0"/>
-                </a:moveTo>
-                <a:lnTo>
-                  <a:pt x="5992858" y="0"/>
-                </a:lnTo>
-                <a:lnTo>
-                  <a:pt x="6040191" y="27216"/>
-                </a:lnTo>
-                <a:cubicBezTo>
-                  <a:pt x="7188332" y="724844"/>
-                  <a:pt x="7955280" y="1987357"/>
-                  <a:pt x="7955280" y="3429000"/>
-                </a:cubicBezTo>
-                <a:cubicBezTo>
-                  <a:pt x="7955280" y="4870644"/>
-                  <a:pt x="7188332" y="6133157"/>
-                  <a:pt x="6040191" y="6830784"/>
-                </a:cubicBezTo>
-                <a:lnTo>
-                  <a:pt x="5992858" y="6858000"/>
-                </a:lnTo>
-                <a:lnTo>
-                  <a:pt x="1962423" y="6858000"/>
-                </a:lnTo>
-                <a:lnTo>
-                  <a:pt x="1915089" y="6830784"/>
-                </a:lnTo>
-                <a:cubicBezTo>
-                  <a:pt x="766948" y="6133157"/>
-                  <a:pt x="0" y="4870644"/>
-                  <a:pt x="0" y="3429000"/>
-                </a:cubicBezTo>
-                <a:cubicBezTo>
-                  <a:pt x="0" y="1987357"/>
-                  <a:pt x="766948" y="724844"/>
-                  <a:pt x="1915089" y="27216"/>
-                </a:cubicBezTo>
-                <a:close/>
-              </a:path>
-            </a:pathLst>
-          </a:custGeom>
+          </a:prstGeom>
           <a:solidFill>
-            <a:schemeClr val="tx1"/>
+            <a:srgbClr val="7F7F7F"/>
           </a:solidFill>
           <a:ln>
             <a:noFill/>
@@ -24733,9 +25258,7 @@
           </a:fontRef>
         </p:style>
         <p:txBody>
-          <a:bodyPr wrap="square" rtlCol="0" anchor="ctr">
-            <a:noAutofit/>
-          </a:bodyPr>
+          <a:bodyPr rtlCol="0" anchor="ctr"/>
           <a:lstStyle/>
           <a:p>
             <a:pPr algn="ctr"/>
@@ -24745,10 +25268,10 @@
       </p:sp>
       <p:sp>
         <p:nvSpPr>
-          <p:cNvPr id="2" name="Title 1">
-            <a:extLst>
-              <a:ext uri="{FF2B5EF4-FFF2-40B4-BE49-F238E27FC236}">
-                <a16:creationId xmlns:a16="http://schemas.microsoft.com/office/drawing/2014/main" id="{40B3D920-89BD-4F22-8321-C6921AEDA7FF}"/>
+          <p:cNvPr id="2" name="标题 1">
+            <a:extLst>
+              <a:ext uri="{FF2B5EF4-FFF2-40B4-BE49-F238E27FC236}">
+                <a16:creationId xmlns:a16="http://schemas.microsoft.com/office/drawing/2014/main" id="{D3279E37-9C48-47A7-A52C-D9D416ED8947}"/>
               </a:ext>
             </a:extLst>
           </p:cNvPr>
@@ -24761,9 +25284,20 @@
         </p:nvSpPr>
         <p:spPr>
           <a:xfrm>
-            <a:off x="2555631" y="1441938"/>
-            <a:ext cx="7080738" cy="3974124"/>
-          </a:xfrm>
+            <a:off x="640080" y="2074363"/>
+            <a:ext cx="2752354" cy="2709275"/>
+          </a:xfrm>
+          <a:prstGeom prst="ellipse">
+            <a:avLst/>
+          </a:prstGeom>
+          <a:solidFill>
+            <a:srgbClr val="262626"/>
+          </a:solidFill>
+          <a:ln w="174625" cmpd="thinThick">
+            <a:solidFill>
+              <a:srgbClr val="262626"/>
+            </a:solidFill>
+          </a:ln>
         </p:spPr>
         <p:txBody>
           <a:bodyPr vert="horz" lIns="91440" tIns="45720" rIns="91440" bIns="45720" rtlCol="0" anchor="ctr">
@@ -24773,127 +25307,125 @@
           <a:p>
             <a:pPr algn="ctr"/>
             <a:r>
-              <a:rPr lang="en-US" sz="5400" b="1" dirty="0">
+              <a:rPr lang="en-US" altLang="zh-CN" sz="2000" kern="1200" dirty="0">
                 <a:solidFill>
-                  <a:schemeClr val="bg1">
-                    <a:lumMod val="95000"/>
-                    <a:lumOff val="5000"/>
-                  </a:schemeClr>
+                  <a:srgbClr val="FFFFFF"/>
+                </a:solidFill>
+                <a:latin typeface="+mj-lt"/>
+                <a:ea typeface="+mj-ea"/>
+                <a:cs typeface="+mj-cs"/>
+              </a:rPr>
+              <a:t>Sum EE versus </a:t>
+            </a:r>
+            <a:r>
+              <a:rPr lang="en-US" altLang="zh-CN" sz="2000" dirty="0">
+                <a:solidFill>
+                  <a:srgbClr val="FFFFFF"/>
                 </a:solidFill>
               </a:rPr>
-              <a:t>Evaluation</a:t>
+              <a:t>communication distance</a:t>
             </a:r>
+            <a:endParaRPr lang="en-US" altLang="zh-CN" sz="2000" kern="1200" dirty="0">
+              <a:solidFill>
+                <a:srgbClr val="FFFFFF"/>
+              </a:solidFill>
+              <a:latin typeface="+mj-lt"/>
+              <a:ea typeface="+mj-ea"/>
+              <a:cs typeface="+mj-cs"/>
+            </a:endParaRPr>
+          </a:p>
+        </p:txBody>
+      </p:sp>
+      <p:pic>
+        <p:nvPicPr>
+          <p:cNvPr id="4" name="Picture 3">
+            <a:extLst>
+              <a:ext uri="{FF2B5EF4-FFF2-40B4-BE49-F238E27FC236}">
+                <a16:creationId xmlns:a16="http://schemas.microsoft.com/office/drawing/2014/main" id="{9F02805C-CF00-49EA-B269-8229AA45A0D1}"/>
+              </a:ext>
+            </a:extLst>
+          </p:cNvPr>
+          <p:cNvPicPr>
+            <a:picLocks noChangeAspect="1"/>
+          </p:cNvPicPr>
+          <p:nvPr/>
+        </p:nvPicPr>
+        <p:blipFill>
+          <a:blip r:embed="rId2"/>
+          <a:stretch>
+            <a:fillRect/>
+          </a:stretch>
+        </p:blipFill>
+        <p:spPr>
+          <a:xfrm>
+            <a:off x="4032514" y="376383"/>
+            <a:ext cx="7200345" cy="5234753"/>
+          </a:xfrm>
+          <a:prstGeom prst="rect">
+            <a:avLst/>
+          </a:prstGeom>
+        </p:spPr>
+      </p:pic>
+      <p:sp>
+        <p:nvSpPr>
+          <p:cNvPr id="6" name="文本框 5">
+            <a:extLst>
+              <a:ext uri="{FF2B5EF4-FFF2-40B4-BE49-F238E27FC236}">
+                <a16:creationId xmlns:a16="http://schemas.microsoft.com/office/drawing/2014/main" id="{70D2D750-E95F-7E8F-FB37-C622702A41E8}"/>
+              </a:ext>
+            </a:extLst>
+          </p:cNvPr>
+          <p:cNvSpPr txBox="1"/>
+          <p:nvPr/>
+        </p:nvSpPr>
+        <p:spPr>
+          <a:xfrm>
+            <a:off x="4753147" y="5364915"/>
+            <a:ext cx="9376913" cy="246221"/>
+          </a:xfrm>
+          <a:prstGeom prst="rect">
+            <a:avLst/>
+          </a:prstGeom>
+          <a:noFill/>
+        </p:spPr>
+        <p:txBody>
+          <a:bodyPr wrap="square" rtlCol="0">
+            <a:spAutoFit/>
+          </a:bodyPr>
+          <a:lstStyle/>
+          <a:p>
+            <a:r>
+              <a:rPr lang="en-GB" altLang="zh-CN" sz="1000" b="1" dirty="0"/>
+              <a:t>Fig. 7 Sum EE at different communication distance</a:t>
+            </a:r>
+            <a:endParaRPr lang="zh-CN" altLang="en-US" sz="1000" b="1" dirty="0"/>
           </a:p>
         </p:txBody>
       </p:sp>
     </p:spTree>
     <p:extLst>
       <p:ext uri="{BB962C8B-B14F-4D97-AF65-F5344CB8AC3E}">
-        <p14:creationId xmlns:p14="http://schemas.microsoft.com/office/powerpoint/2010/main" val="401266151"/>
+        <p14:creationId xmlns:p14="http://schemas.microsoft.com/office/powerpoint/2010/main" val="3093479905"/>
       </p:ext>
     </p:extLst>
   </p:cSld>
   <p:clrMapOvr>
-    <a:overrideClrMapping bg1="dk1" tx1="lt1" bg2="dk2" tx2="lt2" accent1="accent1" accent2="accent2" accent3="accent3" accent4="accent4" accent5="accent5" accent6="accent6" hlink="hlink" folHlink="folHlink"/>
+    <a:masterClrMapping/>
   </p:clrMapOvr>
-  <p:timing>
-    <p:tnLst>
-      <p:par>
-        <p:cTn id="1" dur="indefinite" restart="never" nodeType="tmRoot">
-          <p:childTnLst>
-            <p:seq concurrent="1" nextAc="seek">
-              <p:cTn id="2" dur="indefinite" nodeType="mainSeq">
-                <p:childTnLst>
-                  <p:par>
-                    <p:cTn id="3" fill="hold">
-                      <p:stCondLst>
-                        <p:cond delay="indefinite"/>
-                        <p:cond evt="onBegin" delay="0">
-                          <p:tn val="2"/>
-                        </p:cond>
-                      </p:stCondLst>
-                      <p:childTnLst>
-                        <p:par>
-                          <p:cTn id="4" fill="hold">
-                            <p:stCondLst>
-                              <p:cond delay="0"/>
-                            </p:stCondLst>
-                            <p:childTnLst>
-                              <p:par>
-                                <p:cTn id="5" presetID="10" presetClass="entr" presetSubtype="0" fill="hold" grpId="0" nodeType="withEffect">
-                                  <p:stCondLst>
-                                    <p:cond delay="500"/>
-                                  </p:stCondLst>
-                                  <p:iterate>
-                                    <p:tmPct val="10000"/>
-                                  </p:iterate>
-                                  <p:childTnLst>
-                                    <p:set>
-                                      <p:cBhvr>
-                                        <p:cTn id="6" dur="1" fill="hold">
-                                          <p:stCondLst>
-                                            <p:cond delay="0"/>
-                                          </p:stCondLst>
-                                        </p:cTn>
-                                        <p:tgtEl>
-                                          <p:spTgt spid="2"/>
-                                        </p:tgtEl>
-                                        <p:attrNameLst>
-                                          <p:attrName>style.visibility</p:attrName>
-                                        </p:attrNameLst>
-                                      </p:cBhvr>
-                                      <p:to>
-                                        <p:strVal val="visible"/>
-                                      </p:to>
-                                    </p:set>
-                                    <p:animEffect transition="in" filter="fade">
-                                      <p:cBhvr>
-                                        <p:cTn id="7" dur="700"/>
-                                        <p:tgtEl>
-                                          <p:spTgt spid="2"/>
-                                        </p:tgtEl>
-                                      </p:cBhvr>
-                                    </p:animEffect>
-                                  </p:childTnLst>
-                                </p:cTn>
-                              </p:par>
-                            </p:childTnLst>
-                          </p:cTn>
-                        </p:par>
-                      </p:childTnLst>
-                    </p:cTn>
-                  </p:par>
-                </p:childTnLst>
-              </p:cTn>
-              <p:prevCondLst>
-                <p:cond evt="onPrev" delay="0">
-                  <p:tgtEl>
-                    <p:sldTgt/>
-                  </p:tgtEl>
-                </p:cond>
-              </p:prevCondLst>
-              <p:nextCondLst>
-                <p:cond evt="onNext" delay="0">
-                  <p:tgtEl>
-                    <p:sldTgt/>
-                  </p:tgtEl>
-                </p:cond>
-              </p:nextCondLst>
-            </p:seq>
-          </p:childTnLst>
-        </p:cTn>
-      </p:par>
-    </p:tnLst>
-    <p:bldLst>
-      <p:bldP spid="2" grpId="0"/>
-    </p:bldLst>
-  </p:timing>
 </p:sld>
 </file>
 
 <file path=ppt/slides/slide42.xml><?xml version="1.0" encoding="utf-8"?>
 <p:sld xmlns:a="http://schemas.openxmlformats.org/drawingml/2006/main" xmlns:r="http://schemas.openxmlformats.org/officeDocument/2006/relationships" xmlns:p="http://schemas.openxmlformats.org/presentationml/2006/main">
   <p:cSld>
+    <p:bg>
+      <p:bgPr>
+        <a:solidFill>
+          <a:schemeClr val="bg1"/>
+        </a:solidFill>
+        <a:effectLst/>
+      </p:bgPr>
+    </p:bg>
     <p:spTree>
       <p:nvGrpSpPr>
         <p:cNvPr id="1" name=""/>
@@ -24910,10 +25442,136 @@
       </p:grpSpPr>
       <p:sp>
         <p:nvSpPr>
+          <p:cNvPr id="10" name="Rectangle 9">
+            <a:extLst>
+              <a:ext uri="{FF2B5EF4-FFF2-40B4-BE49-F238E27FC236}">
+                <a16:creationId xmlns:a16="http://schemas.microsoft.com/office/drawing/2014/main" id="{6753252F-4873-4F63-801D-CC719279A7D5}"/>
+              </a:ext>
+              <a:ext uri="{C183D7F6-B498-43B3-948B-1728B52AA6E4}">
+                <adec:decorative xmlns:adec="http://schemas.microsoft.com/office/drawing/2017/decorative" val="1"/>
+              </a:ext>
+            </a:extLst>
+          </p:cNvPr>
+          <p:cNvSpPr>
+            <a:spLocks noGrp="1" noRot="1" noChangeAspect="1" noMove="1" noResize="1" noEditPoints="1" noAdjustHandles="1" noChangeArrowheads="1" noChangeShapeType="1" noTextEdit="1"/>
+          </p:cNvSpPr>
+          <p:nvPr>
+            <p:extLst>
+              <p:ext uri="{386F3935-93C4-4BCD-93E2-E3B085C9AB24}">
+                <p16:designElem xmlns:p16="http://schemas.microsoft.com/office/powerpoint/2015/main" val="1"/>
+              </p:ext>
+            </p:extLst>
+          </p:nvPr>
+        </p:nvSpPr>
+        <p:spPr>
+          <a:xfrm>
+            <a:off x="0" y="0"/>
+            <a:ext cx="12192000" cy="6858000"/>
+          </a:xfrm>
+          <a:prstGeom prst="rect">
+            <a:avLst/>
+          </a:prstGeom>
+          <a:solidFill>
+            <a:srgbClr val="FFFFFF"/>
+          </a:solidFill>
+          <a:ln>
+            <a:noFill/>
+          </a:ln>
+        </p:spPr>
+        <p:style>
+          <a:lnRef idx="2">
+            <a:schemeClr val="accent1">
+              <a:shade val="50000"/>
+            </a:schemeClr>
+          </a:lnRef>
+          <a:fillRef idx="1">
+            <a:schemeClr val="accent1"/>
+          </a:fillRef>
+          <a:effectRef idx="0">
+            <a:schemeClr val="accent1"/>
+          </a:effectRef>
+          <a:fontRef idx="minor">
+            <a:schemeClr val="lt1"/>
+          </a:fontRef>
+        </p:style>
+        <p:txBody>
+          <a:bodyPr rtlCol="0" anchor="ctr"/>
+          <a:lstStyle/>
+          <a:p>
+            <a:pPr algn="ctr"/>
+            <a:endParaRPr lang="en-US"/>
+          </a:p>
+        </p:txBody>
+      </p:sp>
+      <p:sp>
+        <p:nvSpPr>
+          <p:cNvPr id="12" name="Rectangle 11">
+            <a:extLst>
+              <a:ext uri="{FF2B5EF4-FFF2-40B4-BE49-F238E27FC236}">
+                <a16:creationId xmlns:a16="http://schemas.microsoft.com/office/drawing/2014/main" id="{047C8CCB-F95D-4249-92DD-651249D3535A}"/>
+              </a:ext>
+              <a:ext uri="{C183D7F6-B498-43B3-948B-1728B52AA6E4}">
+                <adec:decorative xmlns:adec="http://schemas.microsoft.com/office/drawing/2017/decorative" val="1"/>
+              </a:ext>
+            </a:extLst>
+          </p:cNvPr>
+          <p:cNvSpPr>
+            <a:spLocks noGrp="1" noRot="1" noChangeAspect="1" noMove="1" noResize="1" noEditPoints="1" noAdjustHandles="1" noChangeArrowheads="1" noChangeShapeType="1" noTextEdit="1"/>
+          </p:cNvSpPr>
+          <p:nvPr>
+            <p:extLst>
+              <p:ext uri="{386F3935-93C4-4BCD-93E2-E3B085C9AB24}">
+                <p16:designElem xmlns:p16="http://schemas.microsoft.com/office/powerpoint/2015/main" val="1"/>
+              </p:ext>
+            </p:extLst>
+          </p:nvPr>
+        </p:nvSpPr>
+        <p:spPr>
+          <a:xfrm>
+            <a:off x="0" y="0"/>
+            <a:ext cx="2013557" cy="6858000"/>
+          </a:xfrm>
+          <a:prstGeom prst="rect">
+            <a:avLst/>
+          </a:prstGeom>
+          <a:solidFill>
+            <a:srgbClr val="7F7F7F"/>
+          </a:solidFill>
+          <a:ln>
+            <a:noFill/>
+          </a:ln>
+        </p:spPr>
+        <p:style>
+          <a:lnRef idx="2">
+            <a:schemeClr val="accent1">
+              <a:shade val="50000"/>
+            </a:schemeClr>
+          </a:lnRef>
+          <a:fillRef idx="1">
+            <a:schemeClr val="accent1"/>
+          </a:fillRef>
+          <a:effectRef idx="0">
+            <a:schemeClr val="accent1"/>
+          </a:effectRef>
+          <a:fontRef idx="minor">
+            <a:schemeClr val="lt1"/>
+          </a:fontRef>
+        </p:style>
+        <p:txBody>
+          <a:bodyPr rtlCol="0" anchor="ctr"/>
+          <a:lstStyle/>
+          <a:p>
+            <a:pPr algn="ctr"/>
+            <a:endParaRPr lang="en-US"/>
+          </a:p>
+        </p:txBody>
+      </p:sp>
+      <p:sp>
+        <p:nvSpPr>
           <p:cNvPr id="2" name="标题 1">
             <a:extLst>
               <a:ext uri="{FF2B5EF4-FFF2-40B4-BE49-F238E27FC236}">
-                <a16:creationId xmlns:a16="http://schemas.microsoft.com/office/drawing/2014/main" id="{4A215634-1F8E-4C6A-941D-2C384147C65F}"/>
+                <a16:creationId xmlns:a16="http://schemas.microsoft.com/office/drawing/2014/main" id="{D3279E37-9C48-47A7-A52C-D9D416ED8947}"/>
               </a:ext>
             </a:extLst>
           </p:cNvPr>
@@ -24924,89 +25582,94 @@
             <p:ph type="title"/>
           </p:nvPr>
         </p:nvSpPr>
-        <p:spPr/>
+        <p:spPr>
+          <a:xfrm>
+            <a:off x="640080" y="2074363"/>
+            <a:ext cx="2752354" cy="2709275"/>
+          </a:xfrm>
+          <a:prstGeom prst="ellipse">
+            <a:avLst/>
+          </a:prstGeom>
+          <a:solidFill>
+            <a:srgbClr val="262626"/>
+          </a:solidFill>
+          <a:ln w="174625" cmpd="thinThick">
+            <a:solidFill>
+              <a:srgbClr val="262626"/>
+            </a:solidFill>
+          </a:ln>
+        </p:spPr>
         <p:txBody>
-          <a:bodyPr/>
+          <a:bodyPr vert="horz" lIns="91440" tIns="45720" rIns="91440" bIns="45720" rtlCol="0" anchor="ctr">
+            <a:normAutofit/>
+          </a:bodyPr>
           <a:lstStyle/>
           <a:p>
+            <a:pPr algn="ctr"/>
             <a:r>
-              <a:rPr lang="en-US" altLang="zh-CN" dirty="0"/>
-              <a:t>Difficulties</a:t>
+              <a:rPr lang="en-US" altLang="zh-CN" sz="2000" kern="1200" dirty="0">
+                <a:solidFill>
+                  <a:srgbClr val="FFFFFF"/>
+                </a:solidFill>
+                <a:latin typeface="+mj-lt"/>
+                <a:ea typeface="+mj-ea"/>
+                <a:cs typeface="+mj-cs"/>
+              </a:rPr>
+              <a:t>Sum EE versus </a:t>
             </a:r>
-            <a:endParaRPr lang="zh-CN" altLang="en-US" dirty="0"/>
+            <a:r>
+              <a:rPr lang="en-US" altLang="zh-CN" sz="2000" dirty="0">
+                <a:solidFill>
+                  <a:srgbClr val="FFFFFF"/>
+                </a:solidFill>
+              </a:rPr>
+              <a:t>communication distance</a:t>
+            </a:r>
+            <a:endParaRPr lang="en-US" altLang="zh-CN" sz="2000" kern="1200" dirty="0">
+              <a:solidFill>
+                <a:srgbClr val="FFFFFF"/>
+              </a:solidFill>
+              <a:latin typeface="+mj-lt"/>
+              <a:ea typeface="+mj-ea"/>
+              <a:cs typeface="+mj-cs"/>
+            </a:endParaRPr>
           </a:p>
         </p:txBody>
       </p:sp>
-      <p:sp>
-        <p:nvSpPr>
-          <p:cNvPr id="3" name="内容占位符 2">
-            <a:extLst>
-              <a:ext uri="{FF2B5EF4-FFF2-40B4-BE49-F238E27FC236}">
-                <a16:creationId xmlns:a16="http://schemas.microsoft.com/office/drawing/2014/main" id="{352EED51-58EF-432B-A612-F4AA0C850AA5}"/>
-              </a:ext>
-            </a:extLst>
-          </p:cNvPr>
-          <p:cNvSpPr>
-            <a:spLocks noGrp="1"/>
-          </p:cNvSpPr>
-          <p:nvPr>
-            <p:ph idx="1"/>
-          </p:nvPr>
-        </p:nvSpPr>
-        <p:spPr/>
-        <p:txBody>
-          <a:bodyPr/>
-          <a:lstStyle/>
-          <a:p>
-            <a:pPr>
-              <a:lnSpc>
-                <a:spcPct val="150000"/>
-              </a:lnSpc>
-            </a:pPr>
-            <a:r>
-              <a:rPr lang="en-US" altLang="zh-CN" dirty="0"/>
-              <a:t>1.Literature Review: technical concepts like SWIPT, D2D communication and so on</a:t>
-            </a:r>
-          </a:p>
-          <a:p>
-            <a:pPr>
-              <a:lnSpc>
-                <a:spcPct val="150000"/>
-              </a:lnSpc>
-            </a:pPr>
-            <a:r>
-              <a:rPr lang="en-US" altLang="zh-CN" dirty="0"/>
-              <a:t>2. Math: Optimization theory, fractional Programming..</a:t>
-            </a:r>
-          </a:p>
-          <a:p>
-            <a:pPr>
-              <a:lnSpc>
-                <a:spcPct val="150000"/>
-              </a:lnSpc>
-            </a:pPr>
-            <a:r>
-              <a:rPr lang="en-US" altLang="zh-CN" dirty="0"/>
-              <a:t>3. Communication: Communication with the authors of the reference paper</a:t>
-            </a:r>
-          </a:p>
-          <a:p>
-            <a:pPr>
-              <a:lnSpc>
-                <a:spcPct val="150000"/>
-              </a:lnSpc>
-            </a:pPr>
-            <a:r>
-              <a:rPr lang="en-US" altLang="zh-CN" dirty="0"/>
-              <a:t>4. MATLAB Limitation</a:t>
-            </a:r>
-          </a:p>
-        </p:txBody>
-      </p:sp>
+      <p:pic>
+        <p:nvPicPr>
+          <p:cNvPr id="5" name="Picture 4">
+            <a:extLst>
+              <a:ext uri="{FF2B5EF4-FFF2-40B4-BE49-F238E27FC236}">
+                <a16:creationId xmlns:a16="http://schemas.microsoft.com/office/drawing/2014/main" id="{5D5E1B2E-4774-4155-986F-9B6461581879}"/>
+              </a:ext>
+            </a:extLst>
+          </p:cNvPr>
+          <p:cNvPicPr>
+            <a:picLocks noChangeAspect="1"/>
+          </p:cNvPicPr>
+          <p:nvPr/>
+        </p:nvPicPr>
+        <p:blipFill>
+          <a:blip r:embed="rId2"/>
+          <a:stretch>
+            <a:fillRect/>
+          </a:stretch>
+        </p:blipFill>
+        <p:spPr>
+          <a:xfrm>
+            <a:off x="4306523" y="667211"/>
+            <a:ext cx="6867613" cy="5053819"/>
+          </a:xfrm>
+          <a:prstGeom prst="rect">
+            <a:avLst/>
+          </a:prstGeom>
+        </p:spPr>
+      </p:pic>
     </p:spTree>
     <p:extLst>
       <p:ext uri="{BB962C8B-B14F-4D97-AF65-F5344CB8AC3E}">
-        <p14:creationId xmlns:p14="http://schemas.microsoft.com/office/powerpoint/2010/main" val="2238049673"/>
+        <p14:creationId xmlns:p14="http://schemas.microsoft.com/office/powerpoint/2010/main" val="2868310362"/>
       </p:ext>
     </p:extLst>
   </p:cSld>
@@ -25078,27 +25741,26 @@
             <p:ph idx="1"/>
           </p:nvPr>
         </p:nvSpPr>
-        <p:spPr/>
+        <p:spPr>
+          <a:xfrm>
+            <a:off x="838200" y="1800458"/>
+            <a:ext cx="10515600" cy="4351338"/>
+          </a:xfrm>
+        </p:spPr>
         <p:txBody>
           <a:bodyPr/>
           <a:lstStyle/>
           <a:p>
             <a:r>
               <a:rPr lang="en-US" altLang="zh-CN" dirty="0"/>
-              <a:t>1. The result is basically the same as expected.</a:t>
+              <a:t>1. The algorithms are all implemented following the derivations in [1]</a:t>
             </a:r>
-          </a:p>
-          <a:p>
-            <a:endParaRPr lang="en-US" altLang="zh-CN" dirty="0"/>
           </a:p>
           <a:p>
             <a:r>
               <a:rPr lang="en-US" altLang="zh-CN" dirty="0"/>
-              <a:t>2. The work is performed following the date established in the modified Gannt Chart</a:t>
+              <a:t>2. The results give the expected EE performance and prove to be more energy efficient than the existing work</a:t>
             </a:r>
-          </a:p>
-          <a:p>
-            <a:endParaRPr lang="en-US" altLang="zh-CN" dirty="0"/>
           </a:p>
           <a:p>
             <a:endParaRPr lang="en-US" altLang="zh-CN" dirty="0"/>
@@ -25175,52 +25837,114 @@
           </a:p>
         </p:txBody>
       </p:sp>
-      <p:sp>
-        <p:nvSpPr>
-          <p:cNvPr id="3" name="内容占位符 2">
-            <a:extLst>
-              <a:ext uri="{FF2B5EF4-FFF2-40B4-BE49-F238E27FC236}">
-                <a16:creationId xmlns:a16="http://schemas.microsoft.com/office/drawing/2014/main" id="{93F4482C-F1AD-4261-A58C-F8C5ACD8C5F8}"/>
-              </a:ext>
-            </a:extLst>
-          </p:cNvPr>
-          <p:cNvSpPr>
-            <a:spLocks noGrp="1"/>
-          </p:cNvSpPr>
-          <p:nvPr>
-            <p:ph idx="1"/>
-          </p:nvPr>
-        </p:nvSpPr>
-        <p:spPr/>
-        <p:txBody>
-          <a:bodyPr/>
-          <a:lstStyle/>
-          <a:p>
-            <a:r>
-              <a:rPr lang="en-US" altLang="zh-CN" dirty="0"/>
-              <a:t>1.Simulation of the rest of the algorithms</a:t>
-            </a:r>
-          </a:p>
-          <a:p>
-            <a:endParaRPr lang="en-US" altLang="zh-CN" dirty="0"/>
-          </a:p>
-          <a:p>
-            <a:r>
-              <a:rPr lang="en-US" altLang="zh-CN" dirty="0"/>
-              <a:t>2. Solve the parameters initialization issues from the reference paper</a:t>
-            </a:r>
-          </a:p>
-          <a:p>
-            <a:endParaRPr lang="en-US" altLang="zh-CN" dirty="0"/>
-          </a:p>
-          <a:p>
-            <a:r>
-              <a:rPr lang="en-US" altLang="zh-CN" dirty="0"/>
-              <a:t>3.Optimization of implemented Algorithms</a:t>
-            </a:r>
-          </a:p>
-        </p:txBody>
-      </p:sp>
+      <mc:AlternateContent xmlns:mc="http://schemas.openxmlformats.org/markup-compatibility/2006" xmlns:a14="http://schemas.microsoft.com/office/drawing/2010/main">
+        <mc:Choice Requires="a14">
+          <p:sp>
+            <p:nvSpPr>
+              <p:cNvPr id="3" name="内容占位符 2">
+                <a:extLst>
+                  <a:ext uri="{FF2B5EF4-FFF2-40B4-BE49-F238E27FC236}">
+                    <a16:creationId xmlns:a16="http://schemas.microsoft.com/office/drawing/2014/main" id="{93F4482C-F1AD-4261-A58C-F8C5ACD8C5F8}"/>
+                  </a:ext>
+                </a:extLst>
+              </p:cNvPr>
+              <p:cNvSpPr>
+                <a:spLocks noGrp="1"/>
+              </p:cNvSpPr>
+              <p:nvPr>
+                <p:ph idx="1"/>
+              </p:nvPr>
+            </p:nvSpPr>
+            <p:spPr/>
+            <p:txBody>
+              <a:bodyPr/>
+              <a:lstStyle/>
+              <a:p>
+                <a:r>
+                  <a:rPr lang="en-US" altLang="zh-CN" dirty="0"/>
+                  <a:t>1. Optimization of complexity of the inner loop Algorithm</a:t>
+                </a:r>
+              </a:p>
+              <a:p>
+                <a:endParaRPr lang="en-US" altLang="zh-CN" dirty="0"/>
+              </a:p>
+              <a:p>
+                <a:r>
+                  <a:rPr lang="en-US" altLang="zh-CN" dirty="0"/>
+                  <a:t>2.Further optimization of the CUE transmission power, power splitting ratio and transmission power of each </a:t>
+                </a:r>
+                <a:r>
+                  <a:rPr lang="en-US" altLang="zh-CN" dirty="0" err="1"/>
+                  <a:t>D2D</a:t>
+                </a:r>
+                <a:r>
+                  <a:rPr lang="en-US" altLang="zh-CN" dirty="0"/>
+                  <a:t> link </a:t>
+                </a:r>
+                <a14:m>
+                  <m:oMath xmlns:m="http://schemas.openxmlformats.org/officeDocument/2006/math">
+                    <m:r>
+                      <a:rPr lang="en-US" altLang="zh-CN" b="0" i="1" smtClean="0">
+                        <a:latin typeface="Cambria Math" panose="02040503050406030204" pitchFamily="18" charset="0"/>
+                      </a:rPr>
+                      <m:t>𝑖</m:t>
+                    </m:r>
+                    <m:r>
+                      <a:rPr lang="en-US" altLang="zh-CN" b="0" i="1" smtClean="0">
+                        <a:latin typeface="Cambria Math" panose="02040503050406030204" pitchFamily="18" charset="0"/>
+                      </a:rPr>
+                      <m:t>.</m:t>
+                    </m:r>
+                  </m:oMath>
+                </a14:m>
+                <a:r>
+                  <a:rPr lang="en-US" altLang="zh-CN" dirty="0"/>
+                  <a:t> </a:t>
+                </a:r>
+              </a:p>
+            </p:txBody>
+          </p:sp>
+        </mc:Choice>
+        <mc:Fallback xmlns="">
+          <p:sp>
+            <p:nvSpPr>
+              <p:cNvPr id="3" name="内容占位符 2">
+                <a:extLst>
+                  <a:ext uri="{FF2B5EF4-FFF2-40B4-BE49-F238E27FC236}">
+                    <a16:creationId xmlns:a16="http://schemas.microsoft.com/office/drawing/2014/main" id="{93F4482C-F1AD-4261-A58C-F8C5ACD8C5F8}"/>
+                  </a:ext>
+                </a:extLst>
+              </p:cNvPr>
+              <p:cNvSpPr>
+                <a:spLocks noGrp="1" noRot="1" noChangeAspect="1" noMove="1" noResize="1" noEditPoints="1" noAdjustHandles="1" noChangeArrowheads="1" noChangeShapeType="1" noTextEdit="1"/>
+              </p:cNvSpPr>
+              <p:nvPr>
+                <p:ph idx="1"/>
+              </p:nvPr>
+            </p:nvSpPr>
+            <p:spPr>
+              <a:blipFill>
+                <a:blip r:embed="rId2"/>
+                <a:stretch>
+                  <a:fillRect l="-1043" t="-2521"/>
+                </a:stretch>
+              </a:blipFill>
+            </p:spPr>
+            <p:txBody>
+              <a:bodyPr/>
+              <a:lstStyle/>
+              <a:p>
+                <a:r>
+                  <a:rPr lang="zh-CN" altLang="en-US">
+                    <a:noFill/>
+                  </a:rPr>
+                  <a:t> </a:t>
+                </a:r>
+              </a:p>
+            </p:txBody>
+          </p:sp>
+        </mc:Fallback>
+      </mc:AlternateContent>
     </p:spTree>
     <p:extLst>
       <p:ext uri="{BB962C8B-B14F-4D97-AF65-F5344CB8AC3E}">
@@ -25253,6 +25977,237 @@
       </p:grpSpPr>
       <p:sp>
         <p:nvSpPr>
+          <p:cNvPr id="2" name="Title 1">
+            <a:extLst>
+              <a:ext uri="{FF2B5EF4-FFF2-40B4-BE49-F238E27FC236}">
+                <a16:creationId xmlns:a16="http://schemas.microsoft.com/office/drawing/2014/main" id="{0A72BF6C-AA7B-4152-ABC1-AB256CDA945F}"/>
+              </a:ext>
+            </a:extLst>
+          </p:cNvPr>
+          <p:cNvSpPr>
+            <a:spLocks noGrp="1"/>
+          </p:cNvSpPr>
+          <p:nvPr>
+            <p:ph type="title"/>
+          </p:nvPr>
+        </p:nvSpPr>
+        <p:spPr/>
+        <p:txBody>
+          <a:bodyPr/>
+          <a:lstStyle/>
+          <a:p>
+            <a:r>
+              <a:rPr lang="en-GB" dirty="0"/>
+              <a:t>Reference</a:t>
+            </a:r>
+          </a:p>
+        </p:txBody>
+      </p:sp>
+      <p:sp>
+        <p:nvSpPr>
+          <p:cNvPr id="3" name="Content Placeholder 2">
+            <a:extLst>
+              <a:ext uri="{FF2B5EF4-FFF2-40B4-BE49-F238E27FC236}">
+                <a16:creationId xmlns:a16="http://schemas.microsoft.com/office/drawing/2014/main" id="{F72C0824-5666-4B6A-950B-FB1663D836B1}"/>
+              </a:ext>
+            </a:extLst>
+          </p:cNvPr>
+          <p:cNvSpPr>
+            <a:spLocks noGrp="1"/>
+          </p:cNvSpPr>
+          <p:nvPr>
+            <p:ph idx="1"/>
+          </p:nvPr>
+        </p:nvSpPr>
+        <p:spPr/>
+        <p:txBody>
+          <a:bodyPr/>
+          <a:lstStyle/>
+          <a:p>
+            <a:r>
+              <a:rPr lang="en-GB" sz="1800" dirty="0"/>
+              <a:t>[1]. </a:t>
+            </a:r>
+            <a:r>
+              <a:rPr lang="en-US" sz="1800" dirty="0">
+                <a:effectLst/>
+                <a:latin typeface="Times New Roman" panose="02020603050405020304" pitchFamily="18" charset="0"/>
+                <a:ea typeface="SimSun" panose="02010600030101010101" pitchFamily="2" charset="-122"/>
+              </a:rPr>
+              <a:t>Yang. H, Ye. Y, Chu. X and Dong. M, “Resource and Power Allocation in SWIPT-Enabled Device-to-Device Communications Based on a Nonlinear Energy Harvesting Model,” IEEE Internet of Things Journal., vol. 7, no.11, pp.10813-10825, Nov. 2020.</a:t>
+            </a:r>
+          </a:p>
+          <a:p>
+            <a:r>
+              <a:rPr lang="en-US" sz="1800" dirty="0">
+                <a:effectLst/>
+                <a:latin typeface="Times New Roman" panose="02020603050405020304" pitchFamily="18" charset="0"/>
+                <a:ea typeface="SimSun" panose="02010600030101010101" pitchFamily="2" charset="-122"/>
+              </a:rPr>
+              <a:t>[2].M. Zhao, Q. Shi, and M. Zhao, “Efficiency maximization for UAV-enabled mobile relaying systems with laser charging,”</a:t>
+            </a:r>
+            <a:r>
+              <a:rPr lang="en-US" sz="1800" i="1" dirty="0">
+                <a:effectLst/>
+                <a:latin typeface="Times New Roman" panose="02020603050405020304" pitchFamily="18" charset="0"/>
+                <a:ea typeface="SimSun" panose="02010600030101010101" pitchFamily="2" charset="-122"/>
+              </a:rPr>
+              <a:t> IEEE Trans. Wireless </a:t>
+            </a:r>
+            <a:r>
+              <a:rPr lang="en-US" sz="1800" i="1" dirty="0" err="1">
+                <a:effectLst/>
+                <a:latin typeface="Times New Roman" panose="02020603050405020304" pitchFamily="18" charset="0"/>
+                <a:ea typeface="SimSun" panose="02010600030101010101" pitchFamily="2" charset="-122"/>
+              </a:rPr>
+              <a:t>Commun</a:t>
+            </a:r>
+            <a:r>
+              <a:rPr lang="en-US" sz="1800" i="1" dirty="0">
+                <a:effectLst/>
+                <a:latin typeface="Times New Roman" panose="02020603050405020304" pitchFamily="18" charset="0"/>
+                <a:ea typeface="SimSun" panose="02010600030101010101" pitchFamily="2" charset="-122"/>
+              </a:rPr>
+              <a:t>., early access</a:t>
+            </a:r>
+            <a:r>
+              <a:rPr lang="en-US" sz="1800" dirty="0">
+                <a:effectLst/>
+                <a:latin typeface="Times New Roman" panose="02020603050405020304" pitchFamily="18" charset="0"/>
+                <a:ea typeface="SimSun" panose="02010600030101010101" pitchFamily="2" charset="-122"/>
+              </a:rPr>
+              <a:t>, Feb. 12, 2020, </a:t>
+            </a:r>
+            <a:r>
+              <a:rPr lang="en-US" sz="1800" dirty="0" err="1">
+                <a:effectLst/>
+                <a:latin typeface="Times New Roman" panose="02020603050405020304" pitchFamily="18" charset="0"/>
+                <a:ea typeface="SimSun" panose="02010600030101010101" pitchFamily="2" charset="-122"/>
+              </a:rPr>
+              <a:t>doi</a:t>
+            </a:r>
+            <a:r>
+              <a:rPr lang="en-US" sz="1800" dirty="0">
+                <a:effectLst/>
+                <a:latin typeface="Times New Roman" panose="02020603050405020304" pitchFamily="18" charset="0"/>
+                <a:ea typeface="SimSun" panose="02010600030101010101" pitchFamily="2" charset="-122"/>
+              </a:rPr>
+              <a:t>: 10.1109/TWC.2020.2971987.</a:t>
+            </a:r>
+          </a:p>
+          <a:p>
+            <a:r>
+              <a:rPr lang="en-US" sz="1800" dirty="0">
+                <a:latin typeface="Times New Roman" panose="02020603050405020304" pitchFamily="18" charset="0"/>
+                <a:ea typeface="SimSun" panose="02010600030101010101" pitchFamily="2" charset="-122"/>
+              </a:rPr>
+              <a:t>[3].</a:t>
+            </a:r>
+            <a:r>
+              <a:rPr lang="en-US" sz="1800" dirty="0">
+                <a:effectLst/>
+                <a:latin typeface="Times New Roman" panose="02020603050405020304" pitchFamily="18" charset="0"/>
+                <a:ea typeface="SimSun" panose="02010600030101010101" pitchFamily="2" charset="-122"/>
+              </a:rPr>
+              <a:t> W.</a:t>
+            </a:r>
+            <a:r>
+              <a:rPr lang="en-US" sz="1800" dirty="0" err="1">
+                <a:effectLst/>
+                <a:latin typeface="Times New Roman" panose="02020603050405020304" pitchFamily="18" charset="0"/>
+                <a:ea typeface="SimSun" panose="02010600030101010101" pitchFamily="2" charset="-122"/>
+              </a:rPr>
+              <a:t>Dinkelbach</a:t>
+            </a:r>
+            <a:r>
+              <a:rPr lang="en-US" sz="1800" dirty="0">
+                <a:effectLst/>
+                <a:latin typeface="Times New Roman" panose="02020603050405020304" pitchFamily="18" charset="0"/>
+                <a:ea typeface="SimSun" panose="02010600030101010101" pitchFamily="2" charset="-122"/>
+              </a:rPr>
+              <a:t>,“On nonlinear fractional programming,” </a:t>
+            </a:r>
+            <a:r>
+              <a:rPr lang="en-US" sz="1800" dirty="0" err="1">
+                <a:effectLst/>
+                <a:latin typeface="Times New Roman" panose="02020603050405020304" pitchFamily="18" charset="0"/>
+                <a:ea typeface="SimSun" panose="02010600030101010101" pitchFamily="2" charset="-122"/>
+              </a:rPr>
+              <a:t>Manag</a:t>
+            </a:r>
+            <a:r>
+              <a:rPr lang="en-US" sz="1800" dirty="0">
+                <a:effectLst/>
+                <a:latin typeface="Times New Roman" panose="02020603050405020304" pitchFamily="18" charset="0"/>
+                <a:ea typeface="SimSun" panose="02010600030101010101" pitchFamily="2" charset="-122"/>
+              </a:rPr>
+              <a:t>. Sci., vol. 13, no. 7, pp. 492–498, Mar. 1967.d</a:t>
+            </a:r>
+          </a:p>
+          <a:p>
+            <a:endParaRPr lang="en-US" sz="1800" dirty="0">
+              <a:effectLst/>
+              <a:latin typeface="Times New Roman" panose="02020603050405020304" pitchFamily="18" charset="0"/>
+              <a:ea typeface="SimSun" panose="02010600030101010101" pitchFamily="2" charset="-122"/>
+            </a:endParaRPr>
+          </a:p>
+          <a:p>
+            <a:endParaRPr lang="en-US" sz="1800" dirty="0">
+              <a:effectLst/>
+              <a:latin typeface="Times New Roman" panose="02020603050405020304" pitchFamily="18" charset="0"/>
+              <a:ea typeface="SimSun" panose="02010600030101010101" pitchFamily="2" charset="-122"/>
+            </a:endParaRPr>
+          </a:p>
+          <a:p>
+            <a:pPr marL="0" indent="0">
+              <a:buNone/>
+            </a:pPr>
+            <a:r>
+              <a:rPr lang="en-GB" sz="1800" dirty="0">
+                <a:latin typeface="Times New Roman" panose="02020603050405020304" pitchFamily="18" charset="0"/>
+                <a:ea typeface="SimSun" panose="02010600030101010101" pitchFamily="2" charset="-122"/>
+              </a:rPr>
+              <a:t> </a:t>
+            </a:r>
+            <a:r>
+              <a:rPr lang="en-GB" dirty="0"/>
+              <a:t> </a:t>
+            </a:r>
+          </a:p>
+        </p:txBody>
+      </p:sp>
+    </p:spTree>
+    <p:extLst>
+      <p:ext uri="{BB962C8B-B14F-4D97-AF65-F5344CB8AC3E}">
+        <p14:creationId xmlns:p14="http://schemas.microsoft.com/office/powerpoint/2010/main" val="4257013833"/>
+      </p:ext>
+    </p:extLst>
+  </p:cSld>
+  <p:clrMapOvr>
+    <a:masterClrMapping/>
+  </p:clrMapOvr>
+</p:sld>
+</file>
+
+<file path=ppt/slides/slide46.xml><?xml version="1.0" encoding="utf-8"?>
+<p:sld xmlns:a="http://schemas.openxmlformats.org/drawingml/2006/main" xmlns:r="http://schemas.openxmlformats.org/officeDocument/2006/relationships" xmlns:p="http://schemas.openxmlformats.org/presentationml/2006/main">
+  <p:cSld>
+    <p:spTree>
+      <p:nvGrpSpPr>
+        <p:cNvPr id="1" name=""/>
+        <p:cNvGrpSpPr/>
+        <p:nvPr/>
+      </p:nvGrpSpPr>
+      <p:grpSpPr>
+        <a:xfrm>
+          <a:off x="0" y="0"/>
+          <a:ext cx="0" cy="0"/>
+          <a:chOff x="0" y="0"/>
+          <a:chExt cx="0" cy="0"/>
+        </a:xfrm>
+      </p:grpSpPr>
+      <p:sp>
+        <p:nvSpPr>
           <p:cNvPr id="2" name="标题 1">
             <a:extLst>
               <a:ext uri="{FF2B5EF4-FFF2-40B4-BE49-F238E27FC236}">
@@ -25376,6 +26331,103 @@
     <p:extLst>
       <p:ext uri="{BB962C8B-B14F-4D97-AF65-F5344CB8AC3E}">
         <p14:creationId xmlns:p14="http://schemas.microsoft.com/office/powerpoint/2010/main" val="2134399763"/>
+      </p:ext>
+    </p:extLst>
+  </p:cSld>
+  <p:clrMapOvr>
+    <a:masterClrMapping/>
+  </p:clrMapOvr>
+</p:sld>
+</file>
+
+<file path=ppt/slides/slide47.xml><?xml version="1.0" encoding="utf-8"?>
+<p:sld xmlns:a="http://schemas.openxmlformats.org/drawingml/2006/main" xmlns:r="http://schemas.openxmlformats.org/officeDocument/2006/relationships" xmlns:p="http://schemas.openxmlformats.org/presentationml/2006/main">
+  <p:cSld>
+    <p:spTree>
+      <p:nvGrpSpPr>
+        <p:cNvPr id="1" name=""/>
+        <p:cNvGrpSpPr/>
+        <p:nvPr/>
+      </p:nvGrpSpPr>
+      <p:grpSpPr>
+        <a:xfrm>
+          <a:off x="0" y="0"/>
+          <a:ext cx="0" cy="0"/>
+          <a:chOff x="0" y="0"/>
+          <a:chExt cx="0" cy="0"/>
+        </a:xfrm>
+      </p:grpSpPr>
+      <p:sp>
+        <p:nvSpPr>
+          <p:cNvPr id="2" name="Title 1">
+            <a:extLst>
+              <a:ext uri="{FF2B5EF4-FFF2-40B4-BE49-F238E27FC236}">
+                <a16:creationId xmlns:a16="http://schemas.microsoft.com/office/drawing/2014/main" id="{C461D85F-6278-4F84-9991-40B842A40949}"/>
+              </a:ext>
+            </a:extLst>
+          </p:cNvPr>
+          <p:cNvSpPr>
+            <a:spLocks noGrp="1"/>
+          </p:cNvSpPr>
+          <p:nvPr>
+            <p:ph type="title"/>
+          </p:nvPr>
+        </p:nvSpPr>
+        <p:spPr/>
+        <p:txBody>
+          <a:bodyPr/>
+          <a:lstStyle/>
+          <a:p>
+            <a:pPr algn="ctr"/>
+            <a:r>
+              <a:rPr lang="en-GB" dirty="0"/>
+              <a:t>Q&amp;A Session</a:t>
+            </a:r>
+          </a:p>
+        </p:txBody>
+      </p:sp>
+      <p:pic>
+        <p:nvPicPr>
+          <p:cNvPr id="8" name="Content Placeholder 7">
+            <a:extLst>
+              <a:ext uri="{FF2B5EF4-FFF2-40B4-BE49-F238E27FC236}">
+                <a16:creationId xmlns:a16="http://schemas.microsoft.com/office/drawing/2014/main" id="{92055F1C-B5E3-4B76-BCCC-C57ACB888AA0}"/>
+              </a:ext>
+            </a:extLst>
+          </p:cNvPr>
+          <p:cNvPicPr>
+            <a:picLocks noGrp="1" noChangeAspect="1"/>
+          </p:cNvPicPr>
+          <p:nvPr>
+            <p:ph idx="1"/>
+          </p:nvPr>
+        </p:nvPicPr>
+        <p:blipFill>
+          <a:blip r:embed="rId2">
+            <a:extLst>
+              <a:ext uri="{28A0092B-C50C-407E-A947-70E740481C1C}">
+                <a14:useLocalDpi xmlns:a14="http://schemas.microsoft.com/office/drawing/2010/main" val="0"/>
+              </a:ext>
+              <a:ext uri="{837473B0-CC2E-450A-ABE3-18F120FF3D39}">
+                <a1611:picAttrSrcUrl xmlns:a1611="http://schemas.microsoft.com/office/drawing/2016/11/main" r:id="rId3"/>
+              </a:ext>
+            </a:extLst>
+          </a:blip>
+          <a:stretch>
+            <a:fillRect/>
+          </a:stretch>
+        </p:blipFill>
+        <p:spPr>
+          <a:xfrm>
+            <a:off x="4156027" y="1807491"/>
+            <a:ext cx="4125331" cy="4748584"/>
+          </a:xfrm>
+        </p:spPr>
+      </p:pic>
+    </p:spTree>
+    <p:extLst>
+      <p:ext uri="{BB962C8B-B14F-4D97-AF65-F5344CB8AC3E}">
+        <p14:creationId xmlns:p14="http://schemas.microsoft.com/office/powerpoint/2010/main" val="1607914868"/>
       </p:ext>
     </p:extLst>
   </p:cSld>
@@ -25432,12 +26484,12 @@
               <a:buNone/>
             </a:pPr>
             <a:r>
-              <a:rPr lang="en-US" altLang="zh-CN" dirty="0">
+              <a:rPr lang="en-US" altLang="zh-CN">
                 <a:solidFill>
                   <a:srgbClr val="FF0000"/>
                 </a:solidFill>
               </a:rPr>
-              <a:t>There will be over 75 billion connected devices in IOT Network by 2025..</a:t>
+              <a:t>There will be over 75 billion connected devices in IOT Network by 2025 ..</a:t>
             </a:r>
           </a:p>
           <a:p>
@@ -25481,8 +26533,8 @@
         </p:blipFill>
         <p:spPr bwMode="auto">
           <a:xfrm>
-            <a:off x="0" y="1284768"/>
-            <a:ext cx="6560596" cy="4288463"/>
+            <a:off x="0" y="1157712"/>
+            <a:ext cx="6492240" cy="4243781"/>
           </a:xfrm>
           <a:prstGeom prst="rect">
             <a:avLst/>
@@ -25596,7 +26648,7 @@
         </p:blipFill>
         <p:spPr>
           <a:xfrm>
-            <a:off x="4892040" y="1188720"/>
+            <a:off x="5559639" y="1386807"/>
             <a:ext cx="3136392" cy="3136392"/>
           </a:xfrm>
           <a:prstGeom prst="rect">
@@ -25650,7 +26702,12 @@
             <p:ph type="title"/>
           </p:nvPr>
         </p:nvSpPr>
-        <p:spPr/>
+        <p:spPr>
+          <a:xfrm>
+            <a:off x="1028323" y="0"/>
+            <a:ext cx="10515600" cy="1325563"/>
+          </a:xfrm>
+        </p:spPr>
         <p:txBody>
           <a:bodyPr/>
           <a:lstStyle/>
@@ -25664,10 +26721,10 @@
       </p:sp>
       <p:pic>
         <p:nvPicPr>
-          <p:cNvPr id="5" name="Picture 4" descr="Logo&#10;&#10;Description automatically generated with medium confidence">
-            <a:extLst>
-              <a:ext uri="{FF2B5EF4-FFF2-40B4-BE49-F238E27FC236}">
-                <a16:creationId xmlns:a16="http://schemas.microsoft.com/office/drawing/2014/main" id="{44D85150-F7B2-423E-ADC3-F1FA6B5BEA25}"/>
+          <p:cNvPr id="4" name="图片 3">
+            <a:extLst>
+              <a:ext uri="{FF2B5EF4-FFF2-40B4-BE49-F238E27FC236}">
+                <a16:creationId xmlns:a16="http://schemas.microsoft.com/office/drawing/2014/main" id="{50438FB1-4798-6CE1-AB3D-1D4619E867A7}"/>
               </a:ext>
             </a:extLst>
           </p:cNvPr>
@@ -25677,24 +26734,15 @@
           <p:nvPr/>
         </p:nvPicPr>
         <p:blipFill>
-          <a:blip r:embed="rId2">
-            <a:extLst>
-              <a:ext uri="{28A0092B-C50C-407E-A947-70E740481C1C}">
-                <a14:useLocalDpi xmlns:a14="http://schemas.microsoft.com/office/drawing/2010/main" val="0"/>
-              </a:ext>
-              <a:ext uri="{837473B0-CC2E-450A-ABE3-18F120FF3D39}">
-                <a1611:picAttrSrcUrl xmlns:a1611="http://schemas.microsoft.com/office/drawing/2016/11/main" r:id="rId3"/>
-              </a:ext>
-            </a:extLst>
-          </a:blip>
+          <a:blip r:embed="rId2"/>
           <a:stretch>
             <a:fillRect/>
           </a:stretch>
         </p:blipFill>
         <p:spPr>
           <a:xfrm>
-            <a:off x="6836664" y="1911096"/>
-            <a:ext cx="2112264" cy="2112264"/>
+            <a:off x="773591" y="1600753"/>
+            <a:ext cx="8693315" cy="4582763"/>
           </a:xfrm>
           <a:prstGeom prst="rect">
             <a:avLst/>
@@ -25762,7 +26810,7 @@
             <a:pPr algn="ctr"/>
             <a:r>
               <a:rPr lang="en-US" altLang="zh-CN" sz="3200" b="1" dirty="0"/>
-              <a:t>Simultaneous Wireless Information and power transfer(SWIPT)</a:t>
+              <a:t>Simultaneous Wireless Information and power transfer (SWIPT)</a:t>
             </a:r>
             <a:endParaRPr lang="zh-CN" altLang="en-US" sz="3200" b="1" dirty="0"/>
           </a:p>
@@ -25826,6 +26874,14 @@
 <file path=ppt/slides/slide9.xml><?xml version="1.0" encoding="utf-8"?>
 <p:sld xmlns:a="http://schemas.openxmlformats.org/drawingml/2006/main" xmlns:r="http://schemas.openxmlformats.org/officeDocument/2006/relationships" xmlns:p="http://schemas.openxmlformats.org/presentationml/2006/main">
   <p:cSld>
+    <p:bg>
+      <p:bgPr>
+        <a:solidFill>
+          <a:schemeClr val="bg1"/>
+        </a:solidFill>
+        <a:effectLst/>
+      </p:bgPr>
+    </p:bg>
     <p:spTree>
       <p:nvGrpSpPr>
         <p:cNvPr id="1" name=""/>
@@ -25840,12 +26896,261 @@
           <a:chExt cx="0" cy="0"/>
         </a:xfrm>
       </p:grpSpPr>
+      <p:sp>
+        <p:nvSpPr>
+          <p:cNvPr id="5" name="标题 4">
+            <a:extLst>
+              <a:ext uri="{FF2B5EF4-FFF2-40B4-BE49-F238E27FC236}">
+                <a16:creationId xmlns:a16="http://schemas.microsoft.com/office/drawing/2014/main" id="{785C634A-60EE-4D9B-AF1F-4DCFCD9E530C}"/>
+              </a:ext>
+            </a:extLst>
+          </p:cNvPr>
+          <p:cNvSpPr>
+            <a:spLocks noGrp="1"/>
+          </p:cNvSpPr>
+          <p:nvPr>
+            <p:ph type="title"/>
+          </p:nvPr>
+        </p:nvSpPr>
+        <p:spPr>
+          <a:xfrm>
+            <a:off x="648929" y="629266"/>
+            <a:ext cx="3505495" cy="1622321"/>
+          </a:xfrm>
+        </p:spPr>
+        <p:txBody>
+          <a:bodyPr vert="horz" lIns="91440" tIns="45720" rIns="91440" bIns="45720" rtlCol="0" anchor="ctr">
+            <a:normAutofit/>
+          </a:bodyPr>
+          <a:lstStyle/>
+          <a:p>
+            <a:r>
+              <a:rPr lang="en-US" altLang="zh-CN" sz="3400" b="1" kern="1200">
+                <a:solidFill>
+                  <a:schemeClr val="tx1"/>
+                </a:solidFill>
+                <a:latin typeface="+mj-lt"/>
+                <a:ea typeface="+mj-ea"/>
+                <a:cs typeface="+mj-cs"/>
+              </a:rPr>
+              <a:t>Device-to-Device communication system(D2D)</a:t>
+            </a:r>
+          </a:p>
+        </p:txBody>
+      </p:sp>
+      <p:sp>
+        <p:nvSpPr>
+          <p:cNvPr id="8" name="文本框 7">
+            <a:extLst>
+              <a:ext uri="{FF2B5EF4-FFF2-40B4-BE49-F238E27FC236}">
+                <a16:creationId xmlns:a16="http://schemas.microsoft.com/office/drawing/2014/main" id="{84074B79-A46F-49D5-BFB4-9FC4F6B3784F}"/>
+              </a:ext>
+            </a:extLst>
+          </p:cNvPr>
+          <p:cNvSpPr txBox="1"/>
+          <p:nvPr/>
+        </p:nvSpPr>
+        <p:spPr>
+          <a:xfrm>
+            <a:off x="648929" y="2443315"/>
+            <a:ext cx="3505494" cy="3785419"/>
+          </a:xfrm>
+          <a:prstGeom prst="rect">
+            <a:avLst/>
+          </a:prstGeom>
+        </p:spPr>
+        <p:txBody>
+          <a:bodyPr vert="horz" lIns="91440" tIns="45720" rIns="91440" bIns="45720" rtlCol="0">
+            <a:normAutofit/>
+          </a:bodyPr>
+          <a:lstStyle/>
+          <a:p>
+            <a:pPr indent="-228600">
+              <a:lnSpc>
+                <a:spcPct val="90000"/>
+              </a:lnSpc>
+              <a:spcAft>
+                <a:spcPts val="600"/>
+              </a:spcAft>
+              <a:buFont typeface="Arial" panose="020B0604020202020204" pitchFamily="34" charset="0"/>
+              <a:buChar char="•"/>
+            </a:pPr>
+            <a:r>
+              <a:rPr lang="en-US" altLang="zh-CN" sz="2000" dirty="0"/>
+              <a:t>1.It allows two users in proximity to communicate with each other directly without passing through the base station by reusing the spectrum resource</a:t>
+            </a:r>
+          </a:p>
+          <a:p>
+            <a:pPr indent="-228600">
+              <a:lnSpc>
+                <a:spcPct val="90000"/>
+              </a:lnSpc>
+              <a:spcAft>
+                <a:spcPts val="600"/>
+              </a:spcAft>
+              <a:buFont typeface="Arial" panose="020B0604020202020204" pitchFamily="34" charset="0"/>
+              <a:buChar char="•"/>
+            </a:pPr>
+            <a:endParaRPr lang="en-US" altLang="zh-CN" sz="2000" dirty="0"/>
+          </a:p>
+          <a:p>
+            <a:pPr indent="-228600">
+              <a:lnSpc>
+                <a:spcPct val="90000"/>
+              </a:lnSpc>
+              <a:spcAft>
+                <a:spcPts val="600"/>
+              </a:spcAft>
+              <a:buFont typeface="Arial" panose="020B0604020202020204" pitchFamily="34" charset="0"/>
+              <a:buChar char="•"/>
+            </a:pPr>
+            <a:endParaRPr lang="en-US" altLang="zh-CN" sz="2000" dirty="0"/>
+          </a:p>
+        </p:txBody>
+      </p:sp>
+      <p:sp>
+        <p:nvSpPr>
+          <p:cNvPr id="19" name="Rectangle 12">
+            <a:extLst>
+              <a:ext uri="{FF2B5EF4-FFF2-40B4-BE49-F238E27FC236}">
+                <a16:creationId xmlns:a16="http://schemas.microsoft.com/office/drawing/2014/main" id="{5E39A796-BE83-48B1-B33F-35C4A32AAB57}"/>
+              </a:ext>
+              <a:ext uri="{C183D7F6-B498-43B3-948B-1728B52AA6E4}">
+                <adec:decorative xmlns:adec="http://schemas.microsoft.com/office/drawing/2017/decorative" val="1"/>
+              </a:ext>
+            </a:extLst>
+          </p:cNvPr>
+          <p:cNvSpPr>
+            <a:spLocks noGrp="1" noRot="1" noChangeAspect="1" noMove="1" noResize="1" noEditPoints="1" noAdjustHandles="1" noChangeArrowheads="1" noChangeShapeType="1" noTextEdit="1"/>
+          </p:cNvSpPr>
+          <p:nvPr>
+            <p:extLst>
+              <p:ext uri="{386F3935-93C4-4BCD-93E2-E3B085C9AB24}">
+                <p16:designElem xmlns:p16="http://schemas.microsoft.com/office/powerpoint/2015/main" val="1"/>
+              </p:ext>
+            </p:extLst>
+          </p:nvPr>
+        </p:nvSpPr>
+        <p:spPr>
+          <a:xfrm>
+            <a:off x="4639056" y="0"/>
+            <a:ext cx="7552944" cy="6858000"/>
+          </a:xfrm>
+          <a:prstGeom prst="rect">
+            <a:avLst/>
+          </a:prstGeom>
+          <a:solidFill>
+            <a:srgbClr val="C8CACA"/>
+          </a:solidFill>
+          <a:ln>
+            <a:noFill/>
+          </a:ln>
+        </p:spPr>
+        <p:style>
+          <a:lnRef idx="2">
+            <a:schemeClr val="accent1">
+              <a:shade val="50000"/>
+            </a:schemeClr>
+          </a:lnRef>
+          <a:fillRef idx="1">
+            <a:schemeClr val="accent1"/>
+          </a:fillRef>
+          <a:effectRef idx="0">
+            <a:schemeClr val="accent1"/>
+          </a:effectRef>
+          <a:fontRef idx="minor">
+            <a:schemeClr val="lt1"/>
+          </a:fontRef>
+        </p:style>
+        <p:txBody>
+          <a:bodyPr rtlCol="0" anchor="ctr"/>
+          <a:lstStyle/>
+          <a:p>
+            <a:pPr algn="ctr"/>
+            <a:endParaRPr lang="en-US"/>
+          </a:p>
+        </p:txBody>
+      </p:sp>
+      <p:sp>
+        <p:nvSpPr>
+          <p:cNvPr id="20" name="Rounded Rectangle 9">
+            <a:extLst>
+              <a:ext uri="{FF2B5EF4-FFF2-40B4-BE49-F238E27FC236}">
+                <a16:creationId xmlns:a16="http://schemas.microsoft.com/office/drawing/2014/main" id="{72F84B47-E267-4194-8194-831DB7B5547F}"/>
+              </a:ext>
+              <a:ext uri="{C183D7F6-B498-43B3-948B-1728B52AA6E4}">
+                <adec:decorative xmlns:adec="http://schemas.microsoft.com/office/drawing/2017/decorative" val="1"/>
+              </a:ext>
+            </a:extLst>
+          </p:cNvPr>
+          <p:cNvSpPr>
+            <a:spLocks noGrp="1" noRot="1" noChangeAspect="1" noMove="1" noResize="1" noEditPoints="1" noAdjustHandles="1" noChangeArrowheads="1" noChangeShapeType="1" noTextEdit="1"/>
+          </p:cNvSpPr>
+          <p:nvPr>
+            <p:extLst>
+              <p:ext uri="{386F3935-93C4-4BCD-93E2-E3B085C9AB24}">
+                <p16:designElem xmlns:p16="http://schemas.microsoft.com/office/powerpoint/2015/main" val="1"/>
+              </p:ext>
+            </p:extLst>
+          </p:nvPr>
+        </p:nvSpPr>
+        <p:spPr>
+          <a:xfrm>
+            <a:off x="5123688" y="557784"/>
+            <a:ext cx="6584098" cy="5739187"/>
+          </a:xfrm>
+          <a:prstGeom prst="roundRect">
+            <a:avLst>
+              <a:gd name="adj" fmla="val 0"/>
+            </a:avLst>
+          </a:prstGeom>
+          <a:solidFill>
+            <a:srgbClr val="FFFFFF"/>
+          </a:solidFill>
+          <a:ln w="9525">
+            <a:solidFill>
+              <a:srgbClr val="C8CACA"/>
+            </a:solidFill>
+          </a:ln>
+          <a:effectLst>
+            <a:outerShdw blurRad="57150" dist="19050" dir="5400000" algn="t" rotWithShape="0">
+              <a:prstClr val="black">
+                <a:alpha val="63000"/>
+              </a:prstClr>
+            </a:outerShdw>
+          </a:effectLst>
+        </p:spPr>
+        <p:style>
+          <a:lnRef idx="2">
+            <a:schemeClr val="accent1">
+              <a:shade val="50000"/>
+            </a:schemeClr>
+          </a:lnRef>
+          <a:fillRef idx="1">
+            <a:schemeClr val="accent1"/>
+          </a:fillRef>
+          <a:effectRef idx="0">
+            <a:schemeClr val="accent1"/>
+          </a:effectRef>
+          <a:fontRef idx="minor">
+            <a:schemeClr val="lt1"/>
+          </a:fontRef>
+        </p:style>
+        <p:txBody>
+          <a:bodyPr rtlCol="0" anchor="ctr"/>
+          <a:lstStyle/>
+          <a:p>
+            <a:pPr algn="ctr"/>
+            <a:endParaRPr lang="en-US"/>
+          </a:p>
+        </p:txBody>
+      </p:sp>
       <p:pic>
         <p:nvPicPr>
-          <p:cNvPr id="3" name="Picture 2">
-            <a:extLst>
-              <a:ext uri="{FF2B5EF4-FFF2-40B4-BE49-F238E27FC236}">
-                <a16:creationId xmlns:a16="http://schemas.microsoft.com/office/drawing/2014/main" id="{F468A7B3-814E-4E7A-85D5-F412FED2A85D}"/>
+          <p:cNvPr id="4" name="图片 4">
+            <a:extLst>
+              <a:ext uri="{FF2B5EF4-FFF2-40B4-BE49-F238E27FC236}">
+                <a16:creationId xmlns:a16="http://schemas.microsoft.com/office/drawing/2014/main" id="{24CE6AFB-1C30-444C-9669-07FD9F896443}"/>
               </a:ext>
             </a:extLst>
           </p:cNvPr>
@@ -25862,18 +27167,19 @@
         </p:blipFill>
         <p:spPr>
           <a:xfrm>
-            <a:off x="1413636" y="394680"/>
-            <a:ext cx="9083768" cy="4479324"/>
+            <a:off x="5590962" y="807593"/>
+            <a:ext cx="5649130" cy="5239568"/>
           </a:xfrm>
           <a:prstGeom prst="rect">
             <a:avLst/>
           </a:prstGeom>
+          <a:effectLst/>
         </p:spPr>
       </p:pic>
     </p:spTree>
     <p:extLst>
       <p:ext uri="{BB962C8B-B14F-4D97-AF65-F5344CB8AC3E}">
-        <p14:creationId xmlns:p14="http://schemas.microsoft.com/office/powerpoint/2010/main" val="874574530"/>
+        <p14:creationId xmlns:p14="http://schemas.microsoft.com/office/powerpoint/2010/main" val="31432525"/>
       </p:ext>
     </p:extLst>
   </p:cSld>
